--- a/GLTaxiAgg-BookingandTracking System.pptx
+++ b/GLTaxiAgg-BookingandTracking System.pptx
@@ -5,7 +5,7 @@
     <p:sldMasterId id="2147483767" r:id="rId1"/>
   </p:sldMasterIdLst>
   <p:notesMasterIdLst>
-    <p:notesMasterId r:id="rId28"/>
+    <p:notesMasterId r:id="rId18"/>
   </p:notesMasterIdLst>
   <p:sldIdLst>
     <p:sldId id="256" r:id="rId2"/>
@@ -13,27 +13,17 @@
     <p:sldId id="287" r:id="rId4"/>
     <p:sldId id="288" r:id="rId5"/>
     <p:sldId id="290" r:id="rId6"/>
-    <p:sldId id="291" r:id="rId7"/>
-    <p:sldId id="284" r:id="rId8"/>
-    <p:sldId id="257" r:id="rId9"/>
-    <p:sldId id="261" r:id="rId10"/>
-    <p:sldId id="289" r:id="rId11"/>
-    <p:sldId id="262" r:id="rId12"/>
-    <p:sldId id="258" r:id="rId13"/>
-    <p:sldId id="269" r:id="rId14"/>
-    <p:sldId id="277" r:id="rId15"/>
-    <p:sldId id="266" r:id="rId16"/>
-    <p:sldId id="282" r:id="rId17"/>
-    <p:sldId id="268" r:id="rId18"/>
-    <p:sldId id="275" r:id="rId19"/>
-    <p:sldId id="271" r:id="rId20"/>
-    <p:sldId id="285" r:id="rId21"/>
-    <p:sldId id="292" r:id="rId22"/>
-    <p:sldId id="295" r:id="rId23"/>
-    <p:sldId id="293" r:id="rId24"/>
-    <p:sldId id="294" r:id="rId25"/>
-    <p:sldId id="279" r:id="rId26"/>
-    <p:sldId id="278" r:id="rId27"/>
+    <p:sldId id="284" r:id="rId7"/>
+    <p:sldId id="289" r:id="rId8"/>
+    <p:sldId id="262" r:id="rId9"/>
+    <p:sldId id="258" r:id="rId10"/>
+    <p:sldId id="293" r:id="rId11"/>
+    <p:sldId id="294" r:id="rId12"/>
+    <p:sldId id="292" r:id="rId13"/>
+    <p:sldId id="279" r:id="rId14"/>
+    <p:sldId id="285" r:id="rId15"/>
+    <p:sldId id="278" r:id="rId16"/>
+    <p:sldId id="296" r:id="rId17"/>
   </p:sldIdLst>
   <p:sldSz cx="9144000" cy="6858000" type="screen4x3"/>
   <p:notesSz cx="6858000" cy="9144000"/>
@@ -246,7 +236,7 @@
             <a:fld id="{EB9E597C-A40C-417C-8A90-AEDD0117D72C}" type="datetimeFigureOut">
               <a:rPr lang="en-US" smtClean="0"/>
               <a:pPr/>
-              <a:t>6/5/2022</a:t>
+              <a:t>6/10/2022</a:t>
             </a:fld>
             <a:endParaRPr lang="en-US"/>
           </a:p>
@@ -560,9 +550,6 @@
           <a:p>
             <a:endParaRPr lang="en-US" dirty="0"/>
           </a:p>
-          <a:p>
-            <a:endParaRPr lang="en-US" dirty="0"/>
-          </a:p>
         </p:txBody>
       </p:sp>
       <p:sp>
@@ -572,7 +559,7 @@
             <a:spLocks noGrp="1"/>
           </p:cNvSpPr>
           <p:nvPr>
-            <p:ph type="sldNum" sz="quarter" idx="10"/>
+            <p:ph type="sldNum" sz="quarter" idx="5"/>
           </p:nvPr>
         </p:nvSpPr>
         <p:spPr/>
@@ -583,7 +570,95 @@
             <a:fld id="{05E39EFA-FEFC-4D8C-B95C-A0F648A7CAFC}" type="slidenum">
               <a:rPr lang="en-US" smtClean="0"/>
               <a:pPr/>
-              <a:t>26</a:t>
+              <a:t>6</a:t>
+            </a:fld>
+            <a:endParaRPr lang="en-US"/>
+          </a:p>
+        </p:txBody>
+      </p:sp>
+    </p:spTree>
+    <p:extLst>
+      <p:ext uri="{BB962C8B-B14F-4D97-AF65-F5344CB8AC3E}">
+        <p14:creationId xmlns:p14="http://schemas.microsoft.com/office/powerpoint/2010/main" val="4207574695"/>
+      </p:ext>
+    </p:extLst>
+  </p:cSld>
+  <p:clrMapOvr>
+    <a:masterClrMapping/>
+  </p:clrMapOvr>
+</p:notes>
+</file>
+
+<file path=ppt/notesSlides/notesSlide2.xml><?xml version="1.0" encoding="utf-8"?>
+<p:notes xmlns:a="http://schemas.openxmlformats.org/drawingml/2006/main" xmlns:r="http://schemas.openxmlformats.org/officeDocument/2006/relationships" xmlns:p="http://schemas.openxmlformats.org/presentationml/2006/main">
+  <p:cSld>
+    <p:spTree>
+      <p:nvGrpSpPr>
+        <p:cNvPr id="1" name=""/>
+        <p:cNvGrpSpPr/>
+        <p:nvPr/>
+      </p:nvGrpSpPr>
+      <p:grpSpPr>
+        <a:xfrm>
+          <a:off x="0" y="0"/>
+          <a:ext cx="0" cy="0"/>
+          <a:chOff x="0" y="0"/>
+          <a:chExt cx="0" cy="0"/>
+        </a:xfrm>
+      </p:grpSpPr>
+      <p:sp>
+        <p:nvSpPr>
+          <p:cNvPr id="2" name="Slide Image Placeholder 1"/>
+          <p:cNvSpPr>
+            <a:spLocks noGrp="1" noRot="1" noChangeAspect="1"/>
+          </p:cNvSpPr>
+          <p:nvPr>
+            <p:ph type="sldImg"/>
+          </p:nvPr>
+        </p:nvSpPr>
+        <p:spPr/>
+      </p:sp>
+      <p:sp>
+        <p:nvSpPr>
+          <p:cNvPr id="3" name="Notes Placeholder 2"/>
+          <p:cNvSpPr>
+            <a:spLocks noGrp="1"/>
+          </p:cNvSpPr>
+          <p:nvPr>
+            <p:ph type="body" idx="1"/>
+          </p:nvPr>
+        </p:nvSpPr>
+        <p:spPr/>
+        <p:txBody>
+          <a:bodyPr/>
+          <a:lstStyle/>
+          <a:p>
+            <a:endParaRPr lang="en-US" dirty="0"/>
+          </a:p>
+          <a:p>
+            <a:endParaRPr lang="en-US" dirty="0"/>
+          </a:p>
+        </p:txBody>
+      </p:sp>
+      <p:sp>
+        <p:nvSpPr>
+          <p:cNvPr id="4" name="Slide Number Placeholder 3"/>
+          <p:cNvSpPr>
+            <a:spLocks noGrp="1"/>
+          </p:cNvSpPr>
+          <p:nvPr>
+            <p:ph type="sldNum" sz="quarter" idx="10"/>
+          </p:nvPr>
+        </p:nvSpPr>
+        <p:spPr/>
+        <p:txBody>
+          <a:bodyPr/>
+          <a:lstStyle/>
+          <a:p>
+            <a:fld id="{05E39EFA-FEFC-4D8C-B95C-A0F648A7CAFC}" type="slidenum">
+              <a:rPr lang="en-US" smtClean="0"/>
+              <a:pPr/>
+              <a:t>15</a:t>
             </a:fld>
             <a:endParaRPr lang="en-US"/>
           </a:p>
@@ -593,6 +668,94 @@
     <p:extLst>
       <p:ext uri="{BB962C8B-B14F-4D97-AF65-F5344CB8AC3E}">
         <p14:creationId xmlns:p14="http://schemas.microsoft.com/office/powerpoint/2010/main" val="2449654927"/>
+      </p:ext>
+    </p:extLst>
+  </p:cSld>
+  <p:clrMapOvr>
+    <a:masterClrMapping/>
+  </p:clrMapOvr>
+</p:notes>
+</file>
+
+<file path=ppt/notesSlides/notesSlide3.xml><?xml version="1.0" encoding="utf-8"?>
+<p:notes xmlns:a="http://schemas.openxmlformats.org/drawingml/2006/main" xmlns:r="http://schemas.openxmlformats.org/officeDocument/2006/relationships" xmlns:p="http://schemas.openxmlformats.org/presentationml/2006/main">
+  <p:cSld>
+    <p:spTree>
+      <p:nvGrpSpPr>
+        <p:cNvPr id="1" name=""/>
+        <p:cNvGrpSpPr/>
+        <p:nvPr/>
+      </p:nvGrpSpPr>
+      <p:grpSpPr>
+        <a:xfrm>
+          <a:off x="0" y="0"/>
+          <a:ext cx="0" cy="0"/>
+          <a:chOff x="0" y="0"/>
+          <a:chExt cx="0" cy="0"/>
+        </a:xfrm>
+      </p:grpSpPr>
+      <p:sp>
+        <p:nvSpPr>
+          <p:cNvPr id="2" name="Slide Image Placeholder 1"/>
+          <p:cNvSpPr>
+            <a:spLocks noGrp="1" noRot="1" noChangeAspect="1"/>
+          </p:cNvSpPr>
+          <p:nvPr>
+            <p:ph type="sldImg"/>
+          </p:nvPr>
+        </p:nvSpPr>
+        <p:spPr/>
+      </p:sp>
+      <p:sp>
+        <p:nvSpPr>
+          <p:cNvPr id="3" name="Notes Placeholder 2"/>
+          <p:cNvSpPr>
+            <a:spLocks noGrp="1"/>
+          </p:cNvSpPr>
+          <p:nvPr>
+            <p:ph type="body" idx="1"/>
+          </p:nvPr>
+        </p:nvSpPr>
+        <p:spPr/>
+        <p:txBody>
+          <a:bodyPr/>
+          <a:lstStyle/>
+          <a:p>
+            <a:endParaRPr lang="en-US" dirty="0"/>
+          </a:p>
+          <a:p>
+            <a:endParaRPr lang="en-US" dirty="0"/>
+          </a:p>
+        </p:txBody>
+      </p:sp>
+      <p:sp>
+        <p:nvSpPr>
+          <p:cNvPr id="4" name="Slide Number Placeholder 3"/>
+          <p:cNvSpPr>
+            <a:spLocks noGrp="1"/>
+          </p:cNvSpPr>
+          <p:nvPr>
+            <p:ph type="sldNum" sz="quarter" idx="10"/>
+          </p:nvPr>
+        </p:nvSpPr>
+        <p:spPr/>
+        <p:txBody>
+          <a:bodyPr/>
+          <a:lstStyle/>
+          <a:p>
+            <a:fld id="{05E39EFA-FEFC-4D8C-B95C-A0F648A7CAFC}" type="slidenum">
+              <a:rPr lang="en-US" smtClean="0"/>
+              <a:pPr/>
+              <a:t>16</a:t>
+            </a:fld>
+            <a:endParaRPr lang="en-US"/>
+          </a:p>
+        </p:txBody>
+      </p:sp>
+    </p:spTree>
+    <p:extLst>
+      <p:ext uri="{BB962C8B-B14F-4D97-AF65-F5344CB8AC3E}">
+        <p14:creationId xmlns:p14="http://schemas.microsoft.com/office/powerpoint/2010/main" val="3522541850"/>
       </p:ext>
     </p:extLst>
   </p:cSld>
@@ -791,7 +954,7 @@
             <a:fld id="{83FF8190-A747-485D-BC6B-CD84F7258EDB}" type="datetimeFigureOut">
               <a:rPr lang="en-US" smtClean="0"/>
               <a:pPr/>
-              <a:t>6/5/2022</a:t>
+              <a:t>6/10/2022</a:t>
             </a:fld>
             <a:endParaRPr lang="en-US"/>
           </a:p>
@@ -1125,7 +1288,7 @@
             <a:fld id="{83FF8190-A747-485D-BC6B-CD84F7258EDB}" type="datetimeFigureOut">
               <a:rPr lang="en-US" smtClean="0"/>
               <a:pPr/>
-              <a:t>6/5/2022</a:t>
+              <a:t>6/10/2022</a:t>
             </a:fld>
             <a:endParaRPr lang="en-US"/>
           </a:p>
@@ -1526,7 +1689,7 @@
             <a:fld id="{83FF8190-A747-485D-BC6B-CD84F7258EDB}" type="datetimeFigureOut">
               <a:rPr lang="en-US" smtClean="0"/>
               <a:pPr/>
-              <a:t>6/5/2022</a:t>
+              <a:t>6/10/2022</a:t>
             </a:fld>
             <a:endParaRPr lang="en-US"/>
           </a:p>
@@ -1862,7 +2025,7 @@
             <a:fld id="{83FF8190-A747-485D-BC6B-CD84F7258EDB}" type="datetimeFigureOut">
               <a:rPr lang="en-US" smtClean="0"/>
               <a:pPr/>
-              <a:t>6/5/2022</a:t>
+              <a:t>6/10/2022</a:t>
             </a:fld>
             <a:endParaRPr lang="en-US"/>
           </a:p>
@@ -2182,7 +2345,7 @@
             <a:fld id="{83FF8190-A747-485D-BC6B-CD84F7258EDB}" type="datetimeFigureOut">
               <a:rPr lang="en-US" smtClean="0"/>
               <a:pPr/>
-              <a:t>6/5/2022</a:t>
+              <a:t>6/10/2022</a:t>
             </a:fld>
             <a:endParaRPr lang="en-US"/>
           </a:p>
@@ -2578,7 +2741,7 @@
             <a:fld id="{83FF8190-A747-485D-BC6B-CD84F7258EDB}" type="datetimeFigureOut">
               <a:rPr lang="en-US" smtClean="0"/>
               <a:pPr/>
-              <a:t>6/5/2022</a:t>
+              <a:t>6/10/2022</a:t>
             </a:fld>
             <a:endParaRPr lang="en-US"/>
           </a:p>
@@ -2835,7 +2998,7 @@
             <a:fld id="{83FF8190-A747-485D-BC6B-CD84F7258EDB}" type="datetimeFigureOut">
               <a:rPr lang="en-US" smtClean="0"/>
               <a:pPr/>
-              <a:t>6/5/2022</a:t>
+              <a:t>6/10/2022</a:t>
             </a:fld>
             <a:endParaRPr lang="en-US"/>
           </a:p>
@@ -3097,7 +3260,7 @@
             <a:fld id="{83FF8190-A747-485D-BC6B-CD84F7258EDB}" type="datetimeFigureOut">
               <a:rPr lang="en-US" smtClean="0"/>
               <a:pPr/>
-              <a:t>6/5/2022</a:t>
+              <a:t>6/10/2022</a:t>
             </a:fld>
             <a:endParaRPr lang="en-US"/>
           </a:p>
@@ -3359,7 +3522,7 @@
             <a:fld id="{83FF8190-A747-485D-BC6B-CD84F7258EDB}" type="datetimeFigureOut">
               <a:rPr lang="en-US" smtClean="0"/>
               <a:pPr/>
-              <a:t>6/5/2022</a:t>
+              <a:t>6/10/2022</a:t>
             </a:fld>
             <a:endParaRPr lang="en-US"/>
           </a:p>
@@ -3688,7 +3851,7 @@
             <a:fld id="{83FF8190-A747-485D-BC6B-CD84F7258EDB}" type="datetimeFigureOut">
               <a:rPr lang="en-US" smtClean="0"/>
               <a:pPr/>
-              <a:t>6/5/2022</a:t>
+              <a:t>6/10/2022</a:t>
             </a:fld>
             <a:endParaRPr lang="en-US"/>
           </a:p>
@@ -4011,7 +4174,7 @@
             <a:fld id="{83FF8190-A747-485D-BC6B-CD84F7258EDB}" type="datetimeFigureOut">
               <a:rPr lang="en-US" smtClean="0"/>
               <a:pPr/>
-              <a:t>6/5/2022</a:t>
+              <a:t>6/10/2022</a:t>
             </a:fld>
             <a:endParaRPr lang="en-US"/>
           </a:p>
@@ -4468,7 +4631,7 @@
             <a:fld id="{83FF8190-A747-485D-BC6B-CD84F7258EDB}" type="datetimeFigureOut">
               <a:rPr lang="en-US" smtClean="0"/>
               <a:pPr/>
-              <a:t>6/5/2022</a:t>
+              <a:t>6/10/2022</a:t>
             </a:fld>
             <a:endParaRPr lang="en-US"/>
           </a:p>
@@ -4678,7 +4841,7 @@
             <a:fld id="{83FF8190-A747-485D-BC6B-CD84F7258EDB}" type="datetimeFigureOut">
               <a:rPr lang="en-US" smtClean="0"/>
               <a:pPr/>
-              <a:t>6/5/2022</a:t>
+              <a:t>6/10/2022</a:t>
             </a:fld>
             <a:endParaRPr lang="en-US"/>
           </a:p>
@@ -4855,7 +5018,7 @@
             <a:fld id="{83FF8190-A747-485D-BC6B-CD84F7258EDB}" type="datetimeFigureOut">
               <a:rPr lang="en-US" smtClean="0"/>
               <a:pPr/>
-              <a:t>6/5/2022</a:t>
+              <a:t>6/10/2022</a:t>
             </a:fld>
             <a:endParaRPr lang="en-US"/>
           </a:p>
@@ -5188,7 +5351,7 @@
             <a:fld id="{83FF8190-A747-485D-BC6B-CD84F7258EDB}" type="datetimeFigureOut">
               <a:rPr lang="en-US" smtClean="0"/>
               <a:pPr/>
-              <a:t>6/5/2022</a:t>
+              <a:t>6/10/2022</a:t>
             </a:fld>
             <a:endParaRPr lang="en-US"/>
           </a:p>
@@ -5533,7 +5696,7 @@
             <a:fld id="{83FF8190-A747-485D-BC6B-CD84F7258EDB}" type="datetimeFigureOut">
               <a:rPr lang="en-US" smtClean="0"/>
               <a:pPr/>
-              <a:t>6/5/2022</a:t>
+              <a:t>6/10/2022</a:t>
             </a:fld>
             <a:endParaRPr lang="en-US"/>
           </a:p>
@@ -7650,7 +7813,7 @@
             <a:fld id="{83FF8190-A747-485D-BC6B-CD84F7258EDB}" type="datetimeFigureOut">
               <a:rPr lang="en-US" smtClean="0"/>
               <a:pPr/>
-              <a:t>6/5/2022</a:t>
+              <a:t>6/10/2022</a:t>
             </a:fld>
             <a:endParaRPr lang="en-US"/>
           </a:p>
@@ -7730,6 +7893,54 @@
               <a:t>‹#›</a:t>
             </a:fld>
             <a:endParaRPr lang="en-US"/>
+          </a:p>
+        </p:txBody>
+      </p:sp>
+      <p:sp>
+        <p:nvSpPr>
+          <p:cNvPr id="7" name="MSIPCMContentMarking" descr="{&quot;HashCode&quot;:-1757866826,&quot;Placement&quot;:&quot;Header&quot;,&quot;Top&quot;:0.0,&quot;Left&quot;:0.0,&quot;SlideWidth&quot;:720,&quot;SlideHeight&quot;:540}">
+            <a:extLst>
+              <a:ext uri="{FF2B5EF4-FFF2-40B4-BE49-F238E27FC236}">
+                <a16:creationId xmlns:a16="http://schemas.microsoft.com/office/drawing/2014/main" id="{0410B824-6C1E-4D2A-AC0F-BCFAE3187926}"/>
+              </a:ext>
+            </a:extLst>
+          </p:cNvPr>
+          <p:cNvSpPr txBox="1"/>
+          <p:nvPr userDrawn="1"/>
+        </p:nvSpPr>
+        <p:spPr>
+          <a:xfrm>
+            <a:off x="0" y="0"/>
+            <a:ext cx="2633403" cy="262344"/>
+          </a:xfrm>
+          <a:prstGeom prst="rect">
+            <a:avLst/>
+          </a:prstGeom>
+          <a:noFill/>
+        </p:spPr>
+        <p:txBody>
+          <a:bodyPr vert="horz" wrap="square" lIns="0" tIns="0" rIns="0" bIns="0" rtlCol="0" anchor="ctr" anchorCtr="1">
+            <a:spAutoFit/>
+          </a:bodyPr>
+          <a:lstStyle/>
+          <a:p>
+            <a:pPr algn="l">
+              <a:spcBef>
+                <a:spcPts val="0"/>
+              </a:spcBef>
+              <a:spcAft>
+                <a:spcPts val="0"/>
+              </a:spcAft>
+            </a:pPr>
+            <a:r>
+              <a:rPr lang="en-US" sz="1000">
+                <a:solidFill>
+                  <a:srgbClr val="737373"/>
+                </a:solidFill>
+                <a:latin typeface="Calibri" panose="020F0502020204030204" pitchFamily="34" charset="0"/>
+              </a:rPr>
+              <a:t>Dell Customer Communication - Confidential</a:t>
+            </a:r>
           </a:p>
         </p:txBody>
       </p:sp>
@@ -8243,7 +8454,7 @@
             <a:pPr algn="ctr"/>
             <a:r>
               <a:rPr lang="en-US" sz="2400" b="1" dirty="0"/>
-              <a:t>May 30, 2022</a:t>
+              <a:t>June 15, 2022</a:t>
             </a:r>
           </a:p>
           <a:p>
@@ -8323,8 +8534,8 @@
         </p:nvSpPr>
         <p:spPr>
           <a:xfrm>
-            <a:off x="7086692" y="5503873"/>
-            <a:ext cx="1381147" cy="461665"/>
+            <a:off x="6771395" y="5503873"/>
+            <a:ext cx="2260812" cy="461665"/>
           </a:xfrm>
           <a:prstGeom prst="rect">
             <a:avLst/>
@@ -8342,7 +8553,7 @@
                 <a:latin typeface="Times New Roman" panose="02020603050405020304" pitchFamily="18" charset="0"/>
                 <a:cs typeface="Times New Roman" panose="02020603050405020304" pitchFamily="18" charset="0"/>
               </a:rPr>
-              <a:t>Mr. Rohit</a:t>
+              <a:t>Mr. Rohit Tiwari</a:t>
             </a:r>
           </a:p>
         </p:txBody>
@@ -8548,143 +8759,74 @@
       </p:grpSpPr>
       <p:sp>
         <p:nvSpPr>
-          <p:cNvPr id="2" name="Title 1"/>
-          <p:cNvSpPr>
-            <a:spLocks noGrp="1"/>
-          </p:cNvSpPr>
-          <p:nvPr>
-            <p:ph type="title"/>
-          </p:nvPr>
-        </p:nvSpPr>
-        <p:spPr>
-          <a:xfrm>
-            <a:off x="202761" y="175562"/>
-            <a:ext cx="6299639" cy="666210"/>
-          </a:xfrm>
-        </p:spPr>
-        <p:txBody>
-          <a:bodyPr>
-            <a:normAutofit/>
-          </a:bodyPr>
-          <a:lstStyle/>
-          <a:p>
-            <a:r>
-              <a:rPr lang="en-US" b="1" dirty="0">
-                <a:latin typeface="Times New Roman" panose="02020603050405020304" pitchFamily="18" charset="0"/>
-                <a:cs typeface="Times New Roman" panose="02020603050405020304" pitchFamily="18" charset="0"/>
-              </a:rPr>
-              <a:t>Software Specification</a:t>
-            </a:r>
-          </a:p>
-        </p:txBody>
-      </p:sp>
-      <p:sp>
-        <p:nvSpPr>
-          <p:cNvPr id="3" name="Content Placeholder 2"/>
-          <p:cNvSpPr>
-            <a:spLocks noGrp="1"/>
-          </p:cNvSpPr>
-          <p:nvPr>
-            <p:ph idx="1"/>
-          </p:nvPr>
-        </p:nvSpPr>
-        <p:spPr>
-          <a:xfrm>
-            <a:off x="202761" y="841772"/>
-            <a:ext cx="8738478" cy="5406628"/>
-          </a:xfrm>
-        </p:spPr>
-        <p:txBody>
-          <a:bodyPr>
-            <a:normAutofit/>
-          </a:bodyPr>
-          <a:lstStyle/>
-          <a:p>
-            <a:r>
-              <a:rPr lang="en-US" sz="2400" dirty="0">
-                <a:latin typeface="Times New Roman" panose="02020603050405020304" pitchFamily="18" charset="0"/>
-                <a:cs typeface="Times New Roman" panose="02020603050405020304" pitchFamily="18" charset="0"/>
-              </a:rPr>
-              <a:t>AWS Services ( SNS, Lambda, EC2, Document DB, API Gateway, Cloud Formation, ASG )</a:t>
-            </a:r>
-          </a:p>
-          <a:p>
-            <a:endParaRPr lang="en-US" sz="2400" dirty="0">
-              <a:latin typeface="Times New Roman" panose="02020603050405020304" pitchFamily="18" charset="0"/>
-              <a:cs typeface="Times New Roman" panose="02020603050405020304" pitchFamily="18" charset="0"/>
-            </a:endParaRPr>
-          </a:p>
-          <a:p>
-            <a:r>
-              <a:rPr lang="en-US" sz="2400" dirty="0">
-                <a:latin typeface="Times New Roman" panose="02020603050405020304" pitchFamily="18" charset="0"/>
-                <a:cs typeface="Times New Roman" panose="02020603050405020304" pitchFamily="18" charset="0"/>
-              </a:rPr>
-              <a:t>Python Programing as Backend, Geospatial Library</a:t>
-            </a:r>
-          </a:p>
-          <a:p>
-            <a:pPr>
-              <a:buNone/>
-            </a:pPr>
-            <a:endParaRPr lang="en-US" sz="2400" dirty="0">
-              <a:latin typeface="Times New Roman" panose="02020603050405020304" pitchFamily="18" charset="0"/>
-              <a:cs typeface="Times New Roman" panose="02020603050405020304" pitchFamily="18" charset="0"/>
-            </a:endParaRPr>
-          </a:p>
-          <a:p>
-            <a:r>
-              <a:rPr lang="en-US" sz="2400" dirty="0">
-                <a:latin typeface="Times New Roman" panose="02020603050405020304" pitchFamily="18" charset="0"/>
-                <a:cs typeface="Times New Roman" panose="02020603050405020304" pitchFamily="18" charset="0"/>
-              </a:rPr>
-              <a:t>Angular JS as MVC Frontend [Optional]</a:t>
-            </a:r>
-          </a:p>
-        </p:txBody>
-      </p:sp>
-      <p:sp>
-        <p:nvSpPr>
-          <p:cNvPr id="4" name="TextBox 3">
+          <p:cNvPr id="2" name="Title 1">
             <a:extLst>
               <a:ext uri="{FF2B5EF4-FFF2-40B4-BE49-F238E27FC236}">
-                <a16:creationId xmlns:a16="http://schemas.microsoft.com/office/drawing/2014/main" id="{2EB38DA1-F999-40AC-A356-2734A669E0E3}"/>
+                <a16:creationId xmlns:a16="http://schemas.microsoft.com/office/drawing/2014/main" id="{B75A23D0-228F-4597-A5B8-D3B7819F50F0}"/>
               </a:ext>
             </a:extLst>
           </p:cNvPr>
-          <p:cNvSpPr txBox="1"/>
-          <p:nvPr/>
+          <p:cNvSpPr>
+            <a:spLocks noGrp="1"/>
+          </p:cNvSpPr>
+          <p:nvPr>
+            <p:ph type="title"/>
+          </p:nvPr>
         </p:nvSpPr>
         <p:spPr>
           <a:xfrm>
-            <a:off x="6659602" y="6488668"/>
-            <a:ext cx="2484398" cy="369332"/>
+            <a:off x="167201" y="0"/>
+            <a:ext cx="8337037" cy="1280890"/>
+          </a:xfrm>
+        </p:spPr>
+        <p:txBody>
+          <a:bodyPr/>
+          <a:lstStyle/>
+          <a:p>
+            <a:r>
+              <a:rPr lang="en-US" b="1" dirty="0"/>
+              <a:t>Location of customers vs taxis</a:t>
+            </a:r>
+            <a:endParaRPr lang="en-IN" b="1" dirty="0"/>
+          </a:p>
+        </p:txBody>
+      </p:sp>
+      <p:pic>
+        <p:nvPicPr>
+          <p:cNvPr id="4" name="Content Placeholder 3">
+            <a:extLst>
+              <a:ext uri="{FF2B5EF4-FFF2-40B4-BE49-F238E27FC236}">
+                <a16:creationId xmlns:a16="http://schemas.microsoft.com/office/drawing/2014/main" id="{98927D03-A10D-4412-97C4-0444F8B6E22E}"/>
+              </a:ext>
+            </a:extLst>
+          </p:cNvPr>
+          <p:cNvPicPr>
+            <a:picLocks noGrp="1" noChangeAspect="1"/>
+          </p:cNvPicPr>
+          <p:nvPr>
+            <p:ph idx="1"/>
+          </p:nvPr>
+        </p:nvPicPr>
+        <p:blipFill>
+          <a:blip r:embed="rId2"/>
+          <a:stretch>
+            <a:fillRect/>
+          </a:stretch>
+        </p:blipFill>
+        <p:spPr>
+          <a:xfrm>
+            <a:off x="167201" y="805544"/>
+            <a:ext cx="8248650" cy="5490976"/>
           </a:xfrm>
           <a:prstGeom prst="rect">
             <a:avLst/>
           </a:prstGeom>
-          <a:noFill/>
         </p:spPr>
-        <p:txBody>
-          <a:bodyPr wrap="none" rtlCol="0">
-            <a:spAutoFit/>
-          </a:bodyPr>
-          <a:lstStyle/>
-          <a:p>
-            <a:r>
-              <a:rPr lang="en-US" dirty="0">
-                <a:latin typeface="Times New Roman" panose="02020603050405020304" pitchFamily="18" charset="0"/>
-                <a:cs typeface="Times New Roman" panose="02020603050405020304" pitchFamily="18" charset="0"/>
-              </a:rPr>
-              <a:t>IITM GL Cloud Group 5</a:t>
-            </a:r>
-          </a:p>
-        </p:txBody>
-      </p:sp>
+      </p:pic>
     </p:spTree>
     <p:extLst>
       <p:ext uri="{BB962C8B-B14F-4D97-AF65-F5344CB8AC3E}">
-        <p14:creationId xmlns:p14="http://schemas.microsoft.com/office/powerpoint/2010/main" val="2176250472"/>
+        <p14:creationId xmlns:p14="http://schemas.microsoft.com/office/powerpoint/2010/main" val="2135362544"/>
       </p:ext>
     </p:extLst>
   </p:cSld>
@@ -8713,7 +8855,13 @@
       </p:grpSpPr>
       <p:sp>
         <p:nvSpPr>
-          <p:cNvPr id="2" name="Title 1"/>
+          <p:cNvPr id="2" name="Title 1">
+            <a:extLst>
+              <a:ext uri="{FF2B5EF4-FFF2-40B4-BE49-F238E27FC236}">
+                <a16:creationId xmlns:a16="http://schemas.microsoft.com/office/drawing/2014/main" id="{BE79B62D-B2D6-469D-97A6-22CAFB57C328}"/>
+              </a:ext>
+            </a:extLst>
+          </p:cNvPr>
           <p:cNvSpPr>
             <a:spLocks noGrp="1"/>
           </p:cNvSpPr>
@@ -8723,8 +8871,8 @@
         </p:nvSpPr>
         <p:spPr>
           <a:xfrm>
-            <a:off x="162230" y="44284"/>
-            <a:ext cx="6589199" cy="671290"/>
+            <a:off x="116401" y="166910"/>
+            <a:ext cx="6589199" cy="1280890"/>
           </a:xfrm>
         </p:spPr>
         <p:txBody>
@@ -8732,263 +8880,49 @@
           <a:lstStyle/>
           <a:p>
             <a:r>
-              <a:rPr lang="en-US" b="1" dirty="0">
-                <a:latin typeface="Times New Roman" panose="02020603050405020304" pitchFamily="18" charset="0"/>
-                <a:cs typeface="Times New Roman" panose="02020603050405020304" pitchFamily="18" charset="0"/>
-              </a:rPr>
-              <a:t>Use Case / Data Flow</a:t>
-            </a:r>
-          </a:p>
-        </p:txBody>
-      </p:sp>
-      <p:sp>
-        <p:nvSpPr>
-          <p:cNvPr id="6" name="Content Placeholder 2"/>
-          <p:cNvSpPr>
-            <a:spLocks noGrp="1"/>
-          </p:cNvSpPr>
-          <p:nvPr/>
-        </p:nvSpPr>
+              <a:rPr lang="en-US" b="1" dirty="0"/>
+              <a:t>Taxi list and customer list </a:t>
+            </a:r>
+            <a:endParaRPr lang="en-IN" b="1" dirty="0"/>
+          </a:p>
+        </p:txBody>
+      </p:sp>
+      <p:pic>
+        <p:nvPicPr>
+          <p:cNvPr id="4" name="Content Placeholder 3">
+            <a:extLst>
+              <a:ext uri="{FF2B5EF4-FFF2-40B4-BE49-F238E27FC236}">
+                <a16:creationId xmlns:a16="http://schemas.microsoft.com/office/drawing/2014/main" id="{72E7E4A9-6433-4108-9E74-D63E7D86D074}"/>
+              </a:ext>
+            </a:extLst>
+          </p:cNvPr>
+          <p:cNvPicPr>
+            <a:picLocks noGrp="1" noChangeAspect="1"/>
+          </p:cNvPicPr>
+          <p:nvPr>
+            <p:ph idx="1"/>
+          </p:nvPr>
+        </p:nvPicPr>
+        <p:blipFill>
+          <a:blip r:embed="rId2"/>
+          <a:stretch>
+            <a:fillRect/>
+          </a:stretch>
+        </p:blipFill>
         <p:spPr>
           <a:xfrm>
-            <a:off x="0" y="815876"/>
-            <a:ext cx="8961120" cy="1320800"/>
+            <a:off x="225425" y="1554059"/>
+            <a:ext cx="8694738" cy="5123069"/>
           </a:xfrm>
           <a:prstGeom prst="rect">
             <a:avLst/>
           </a:prstGeom>
         </p:spPr>
-        <p:txBody>
-          <a:bodyPr vert="horz" lIns="91440" tIns="45720" rIns="91440" bIns="45720" rtlCol="0">
-            <a:noAutofit/>
-          </a:bodyPr>
-          <a:lstStyle>
-            <a:lvl1pPr marL="342900" indent="-342900" algn="l" defTabSz="914400" rtl="0" eaLnBrk="1" latinLnBrk="0" hangingPunct="1">
-              <a:spcBef>
-                <a:spcPct val="20000"/>
-              </a:spcBef>
-              <a:buFont typeface="Arial" pitchFamily="34" charset="0"/>
-              <a:buChar char="•"/>
-              <a:defRPr sz="3200" kern="1200">
-                <a:solidFill>
-                  <a:schemeClr val="tx1"/>
-                </a:solidFill>
-                <a:latin typeface="+mn-lt"/>
-                <a:ea typeface="+mn-ea"/>
-                <a:cs typeface="+mn-cs"/>
-              </a:defRPr>
-            </a:lvl1pPr>
-            <a:lvl2pPr marL="742950" indent="-285750" algn="l" defTabSz="914400" rtl="0" eaLnBrk="1" latinLnBrk="0" hangingPunct="1">
-              <a:spcBef>
-                <a:spcPct val="20000"/>
-              </a:spcBef>
-              <a:buFont typeface="Arial" pitchFamily="34" charset="0"/>
-              <a:buChar char="–"/>
-              <a:defRPr sz="2800" kern="1200">
-                <a:solidFill>
-                  <a:schemeClr val="tx1"/>
-                </a:solidFill>
-                <a:latin typeface="+mn-lt"/>
-                <a:ea typeface="+mn-ea"/>
-                <a:cs typeface="+mn-cs"/>
-              </a:defRPr>
-            </a:lvl2pPr>
-            <a:lvl3pPr marL="1143000" indent="-228600" algn="l" defTabSz="914400" rtl="0" eaLnBrk="1" latinLnBrk="0" hangingPunct="1">
-              <a:spcBef>
-                <a:spcPct val="20000"/>
-              </a:spcBef>
-              <a:buFont typeface="Arial" pitchFamily="34" charset="0"/>
-              <a:buChar char="•"/>
-              <a:defRPr sz="2400" kern="1200">
-                <a:solidFill>
-                  <a:schemeClr val="tx1"/>
-                </a:solidFill>
-                <a:latin typeface="+mn-lt"/>
-                <a:ea typeface="+mn-ea"/>
-                <a:cs typeface="+mn-cs"/>
-              </a:defRPr>
-            </a:lvl3pPr>
-            <a:lvl4pPr marL="1600200" indent="-228600" algn="l" defTabSz="914400" rtl="0" eaLnBrk="1" latinLnBrk="0" hangingPunct="1">
-              <a:spcBef>
-                <a:spcPct val="20000"/>
-              </a:spcBef>
-              <a:buFont typeface="Arial" pitchFamily="34" charset="0"/>
-              <a:buChar char="–"/>
-              <a:defRPr sz="2000" kern="1200">
-                <a:solidFill>
-                  <a:schemeClr val="tx1"/>
-                </a:solidFill>
-                <a:latin typeface="+mn-lt"/>
-                <a:ea typeface="+mn-ea"/>
-                <a:cs typeface="+mn-cs"/>
-              </a:defRPr>
-            </a:lvl4pPr>
-            <a:lvl5pPr marL="2057400" indent="-228600" algn="l" defTabSz="914400" rtl="0" eaLnBrk="1" latinLnBrk="0" hangingPunct="1">
-              <a:spcBef>
-                <a:spcPct val="20000"/>
-              </a:spcBef>
-              <a:buFont typeface="Arial" pitchFamily="34" charset="0"/>
-              <a:buChar char="»"/>
-              <a:defRPr sz="2000" kern="1200">
-                <a:solidFill>
-                  <a:schemeClr val="tx1"/>
-                </a:solidFill>
-                <a:latin typeface="+mn-lt"/>
-                <a:ea typeface="+mn-ea"/>
-                <a:cs typeface="+mn-cs"/>
-              </a:defRPr>
-            </a:lvl5pPr>
-            <a:lvl6pPr marL="2514600" indent="-228600" algn="l" defTabSz="914400" rtl="0" eaLnBrk="1" latinLnBrk="0" hangingPunct="1">
-              <a:spcBef>
-                <a:spcPct val="20000"/>
-              </a:spcBef>
-              <a:buFont typeface="Arial" pitchFamily="34" charset="0"/>
-              <a:buChar char="•"/>
-              <a:defRPr sz="2000" kern="1200">
-                <a:solidFill>
-                  <a:schemeClr val="tx1"/>
-                </a:solidFill>
-                <a:latin typeface="+mn-lt"/>
-                <a:ea typeface="+mn-ea"/>
-                <a:cs typeface="+mn-cs"/>
-              </a:defRPr>
-            </a:lvl6pPr>
-            <a:lvl7pPr marL="2971800" indent="-228600" algn="l" defTabSz="914400" rtl="0" eaLnBrk="1" latinLnBrk="0" hangingPunct="1">
-              <a:spcBef>
-                <a:spcPct val="20000"/>
-              </a:spcBef>
-              <a:buFont typeface="Arial" pitchFamily="34" charset="0"/>
-              <a:buChar char="•"/>
-              <a:defRPr sz="2000" kern="1200">
-                <a:solidFill>
-                  <a:schemeClr val="tx1"/>
-                </a:solidFill>
-                <a:latin typeface="+mn-lt"/>
-                <a:ea typeface="+mn-ea"/>
-                <a:cs typeface="+mn-cs"/>
-              </a:defRPr>
-            </a:lvl7pPr>
-            <a:lvl8pPr marL="3429000" indent="-228600" algn="l" defTabSz="914400" rtl="0" eaLnBrk="1" latinLnBrk="0" hangingPunct="1">
-              <a:spcBef>
-                <a:spcPct val="20000"/>
-              </a:spcBef>
-              <a:buFont typeface="Arial" pitchFamily="34" charset="0"/>
-              <a:buChar char="•"/>
-              <a:defRPr sz="2000" kern="1200">
-                <a:solidFill>
-                  <a:schemeClr val="tx1"/>
-                </a:solidFill>
-                <a:latin typeface="+mn-lt"/>
-                <a:ea typeface="+mn-ea"/>
-                <a:cs typeface="+mn-cs"/>
-              </a:defRPr>
-            </a:lvl8pPr>
-            <a:lvl9pPr marL="3886200" indent="-228600" algn="l" defTabSz="914400" rtl="0" eaLnBrk="1" latinLnBrk="0" hangingPunct="1">
-              <a:spcBef>
-                <a:spcPct val="20000"/>
-              </a:spcBef>
-              <a:buFont typeface="Arial" pitchFamily="34" charset="0"/>
-              <a:buChar char="•"/>
-              <a:defRPr sz="2000" kern="1200">
-                <a:solidFill>
-                  <a:schemeClr val="tx1"/>
-                </a:solidFill>
-                <a:latin typeface="+mn-lt"/>
-                <a:ea typeface="+mn-ea"/>
-                <a:cs typeface="+mn-cs"/>
-              </a:defRPr>
-            </a:lvl9pPr>
-          </a:lstStyle>
-          <a:p>
-            <a:r>
-              <a:rPr lang="en-US" sz="2400" dirty="0">
-                <a:latin typeface="Times New Roman" panose="02020603050405020304" pitchFamily="18" charset="0"/>
-                <a:cs typeface="Times New Roman" panose="02020603050405020304" pitchFamily="18" charset="0"/>
-              </a:rPr>
-              <a:t>TODO</a:t>
-            </a:r>
-          </a:p>
-          <a:p>
-            <a:pPr marL="0" indent="0">
-              <a:buNone/>
-            </a:pPr>
-            <a:r>
-              <a:rPr lang="en-US" sz="2400" dirty="0">
-                <a:latin typeface="Times New Roman" panose="02020603050405020304" pitchFamily="18" charset="0"/>
-                <a:cs typeface="Times New Roman" panose="02020603050405020304" pitchFamily="18" charset="0"/>
-              </a:rPr>
-              <a:t>		</a:t>
-            </a:r>
-          </a:p>
-        </p:txBody>
-      </p:sp>
-      <p:sp>
-        <p:nvSpPr>
-          <p:cNvPr id="8" name="TextBox 7">
-            <a:extLst>
-              <a:ext uri="{FF2B5EF4-FFF2-40B4-BE49-F238E27FC236}">
-                <a16:creationId xmlns:a16="http://schemas.microsoft.com/office/drawing/2014/main" id="{8861BFAD-8A68-475D-80B8-92E3456F9952}"/>
-              </a:ext>
-            </a:extLst>
-          </p:cNvPr>
-          <p:cNvSpPr txBox="1"/>
-          <p:nvPr/>
-        </p:nvSpPr>
-        <p:spPr>
-          <a:xfrm>
-            <a:off x="6659602" y="6488668"/>
-            <a:ext cx="2484398" cy="369332"/>
-          </a:xfrm>
-          <a:prstGeom prst="rect">
-            <a:avLst/>
-          </a:prstGeom>
-          <a:noFill/>
-        </p:spPr>
-        <p:txBody>
-          <a:bodyPr wrap="none" rtlCol="0">
-            <a:spAutoFit/>
-          </a:bodyPr>
-          <a:lstStyle/>
-          <a:p>
-            <a:r>
-              <a:rPr lang="en-US" dirty="0">
-                <a:latin typeface="Times New Roman" panose="02020603050405020304" pitchFamily="18" charset="0"/>
-                <a:cs typeface="Times New Roman" panose="02020603050405020304" pitchFamily="18" charset="0"/>
-              </a:rPr>
-              <a:t>IITM GL Cloud Group 5</a:t>
-            </a:r>
-          </a:p>
-        </p:txBody>
-      </p:sp>
-      <p:sp>
-        <p:nvSpPr>
-          <p:cNvPr id="5" name="Content Placeholder 4">
-            <a:extLst>
-              <a:ext uri="{FF2B5EF4-FFF2-40B4-BE49-F238E27FC236}">
-                <a16:creationId xmlns:a16="http://schemas.microsoft.com/office/drawing/2014/main" id="{A55EDF48-44A3-4813-8DC8-27D42EBCF159}"/>
-              </a:ext>
-            </a:extLst>
-          </p:cNvPr>
-          <p:cNvSpPr>
-            <a:spLocks noGrp="1"/>
-          </p:cNvSpPr>
-          <p:nvPr>
-            <p:ph idx="1"/>
-          </p:nvPr>
-        </p:nvSpPr>
-        <p:spPr/>
-        <p:txBody>
-          <a:bodyPr/>
-          <a:lstStyle/>
-          <a:p>
-            <a:endParaRPr lang="en-IN"/>
-          </a:p>
-        </p:txBody>
-      </p:sp>
+      </p:pic>
     </p:spTree>
     <p:extLst>
       <p:ext uri="{BB962C8B-B14F-4D97-AF65-F5344CB8AC3E}">
-        <p14:creationId xmlns:p14="http://schemas.microsoft.com/office/powerpoint/2010/main" val="1445301092"/>
+        <p14:creationId xmlns:p14="http://schemas.microsoft.com/office/powerpoint/2010/main" val="3951943215"/>
       </p:ext>
     </p:extLst>
   </p:cSld>
@@ -9017,185 +8951,139 @@
       </p:grpSpPr>
       <p:sp>
         <p:nvSpPr>
-          <p:cNvPr id="2" name="Title 1"/>
-          <p:cNvSpPr>
-            <a:spLocks noGrp="1"/>
-          </p:cNvSpPr>
-          <p:nvPr>
-            <p:ph type="title"/>
-          </p:nvPr>
-        </p:nvSpPr>
-        <p:spPr>
-          <a:xfrm>
-            <a:off x="200236" y="174370"/>
-            <a:ext cx="7701565" cy="683990"/>
-          </a:xfrm>
-        </p:spPr>
-        <p:txBody>
-          <a:bodyPr>
-            <a:noAutofit/>
-          </a:bodyPr>
-          <a:lstStyle/>
-          <a:p>
-            <a:r>
-              <a:rPr lang="en-US" b="1" dirty="0">
-                <a:solidFill>
-                  <a:schemeClr val="tx1"/>
-                </a:solidFill>
-                <a:latin typeface="Times New Roman" panose="02020603050405020304" pitchFamily="18" charset="0"/>
-                <a:cs typeface="Times New Roman" panose="02020603050405020304" pitchFamily="18" charset="0"/>
-              </a:rPr>
-              <a:t>API Interfaces</a:t>
-            </a:r>
-            <a:endParaRPr lang="en-US" dirty="0">
-              <a:solidFill>
-                <a:schemeClr val="tx1"/>
-              </a:solidFill>
-            </a:endParaRPr>
-          </a:p>
-        </p:txBody>
-      </p:sp>
-      <p:sp>
-        <p:nvSpPr>
-          <p:cNvPr id="10" name="Content Placeholder 2"/>
-          <p:cNvSpPr>
-            <a:spLocks noGrp="1"/>
-          </p:cNvSpPr>
-          <p:nvPr>
-            <p:ph idx="1"/>
-          </p:nvPr>
-        </p:nvSpPr>
-        <p:spPr>
-          <a:xfrm>
-            <a:off x="200236" y="858360"/>
-            <a:ext cx="7773519" cy="868257"/>
-          </a:xfrm>
-        </p:spPr>
-        <p:txBody>
-          <a:bodyPr>
-            <a:noAutofit/>
-          </a:bodyPr>
-          <a:lstStyle/>
-          <a:p>
-            <a:r>
-              <a:rPr lang="en-US" sz="2400" dirty="0" err="1">
-                <a:latin typeface="Times New Roman" panose="02020603050405020304" pitchFamily="18" charset="0"/>
-                <a:cs typeface="Times New Roman" panose="02020603050405020304" pitchFamily="18" charset="0"/>
-              </a:rPr>
-              <a:t>Todo</a:t>
-            </a:r>
-            <a:endParaRPr lang="en-US" sz="2400" dirty="0">
-              <a:latin typeface="Times New Roman" panose="02020603050405020304" pitchFamily="18" charset="0"/>
-              <a:cs typeface="Times New Roman" panose="02020603050405020304" pitchFamily="18" charset="0"/>
-            </a:endParaRPr>
-          </a:p>
-          <a:p>
-            <a:r>
-              <a:rPr lang="en-US" sz="2400" dirty="0">
-                <a:latin typeface="Times New Roman" panose="02020603050405020304" pitchFamily="18" charset="0"/>
-                <a:cs typeface="Times New Roman" panose="02020603050405020304" pitchFamily="18" charset="0"/>
-              </a:rPr>
-              <a:t>Booking API</a:t>
-            </a:r>
-          </a:p>
-          <a:p>
-            <a:r>
-              <a:rPr lang="en-US" sz="2400" dirty="0">
-                <a:latin typeface="Times New Roman" panose="02020603050405020304" pitchFamily="18" charset="0"/>
-                <a:cs typeface="Times New Roman" panose="02020603050405020304" pitchFamily="18" charset="0"/>
-              </a:rPr>
-              <a:t>Historical API</a:t>
-            </a:r>
-          </a:p>
-          <a:p>
-            <a:r>
-              <a:rPr lang="en-US" sz="2400" dirty="0">
-                <a:latin typeface="Times New Roman" panose="02020603050405020304" pitchFamily="18" charset="0"/>
-                <a:cs typeface="Times New Roman" panose="02020603050405020304" pitchFamily="18" charset="0"/>
-              </a:rPr>
-              <a:t>Discovery API</a:t>
-            </a:r>
-          </a:p>
-          <a:p>
-            <a:r>
-              <a:rPr lang="en-US" sz="2400" dirty="0">
-                <a:latin typeface="Times New Roman" panose="02020603050405020304" pitchFamily="18" charset="0"/>
-                <a:cs typeface="Times New Roman" panose="02020603050405020304" pitchFamily="18" charset="0"/>
-              </a:rPr>
-              <a:t>Taxi Selection API</a:t>
-            </a:r>
-          </a:p>
-          <a:p>
-            <a:r>
-              <a:rPr lang="en-US" sz="2400" dirty="0">
-                <a:latin typeface="Times New Roman" panose="02020603050405020304" pitchFamily="18" charset="0"/>
-                <a:cs typeface="Times New Roman" panose="02020603050405020304" pitchFamily="18" charset="0"/>
-              </a:rPr>
-              <a:t>Aggregator API</a:t>
-            </a:r>
-          </a:p>
-          <a:p>
-            <a:r>
-              <a:rPr lang="en-US" sz="2400" dirty="0">
-                <a:latin typeface="Times New Roman" panose="02020603050405020304" pitchFamily="18" charset="0"/>
-                <a:cs typeface="Times New Roman" panose="02020603050405020304" pitchFamily="18" charset="0"/>
-              </a:rPr>
-              <a:t>User Registration API</a:t>
-            </a:r>
-          </a:p>
-          <a:p>
-            <a:r>
-              <a:rPr lang="en-US" sz="2400" dirty="0">
-                <a:latin typeface="Times New Roman" panose="02020603050405020304" pitchFamily="18" charset="0"/>
-                <a:cs typeface="Times New Roman" panose="02020603050405020304" pitchFamily="18" charset="0"/>
-              </a:rPr>
-              <a:t>Taxi/Driver Registration API</a:t>
-            </a:r>
-          </a:p>
-        </p:txBody>
-      </p:sp>
-      <p:sp>
-        <p:nvSpPr>
-          <p:cNvPr id="7" name="TextBox 6">
+          <p:cNvPr id="2" name="Title 1">
             <a:extLst>
               <a:ext uri="{FF2B5EF4-FFF2-40B4-BE49-F238E27FC236}">
-                <a16:creationId xmlns:a16="http://schemas.microsoft.com/office/drawing/2014/main" id="{0D269D6B-4448-451D-A10E-3414C2DAB115}"/>
+                <a16:creationId xmlns:a16="http://schemas.microsoft.com/office/drawing/2014/main" id="{DCFA646E-FA13-48C0-A58D-3D348E5795CD}"/>
               </a:ext>
             </a:extLst>
           </p:cNvPr>
-          <p:cNvSpPr txBox="1"/>
-          <p:nvPr/>
+          <p:cNvSpPr>
+            <a:spLocks noGrp="1"/>
+          </p:cNvSpPr>
+          <p:nvPr>
+            <p:ph type="title"/>
+          </p:nvPr>
         </p:nvSpPr>
         <p:spPr>
           <a:xfrm>
-            <a:off x="6659602" y="6488668"/>
-            <a:ext cx="2484398" cy="369332"/>
+            <a:off x="139480" y="0"/>
+            <a:ext cx="6589199" cy="1280890"/>
+          </a:xfrm>
+        </p:spPr>
+        <p:txBody>
+          <a:bodyPr/>
+          <a:lstStyle/>
+          <a:p>
+            <a:r>
+              <a:rPr lang="en-IN" b="1" dirty="0"/>
+              <a:t>API Payload</a:t>
+            </a:r>
+          </a:p>
+        </p:txBody>
+      </p:sp>
+      <p:sp>
+        <p:nvSpPr>
+          <p:cNvPr id="5" name="Rectangle 4">
+            <a:extLst>
+              <a:ext uri="{FF2B5EF4-FFF2-40B4-BE49-F238E27FC236}">
+                <a16:creationId xmlns:a16="http://schemas.microsoft.com/office/drawing/2014/main" id="{829C2081-A82A-4503-B66B-E1AC4E7CFE20}"/>
+              </a:ext>
+            </a:extLst>
+          </p:cNvPr>
+          <p:cNvSpPr/>
+          <p:nvPr/>
+        </p:nvSpPr>
+        <p:spPr>
+          <a:xfrm>
+            <a:off x="4149029" y="946778"/>
+            <a:ext cx="4572000" cy="253916"/>
           </a:xfrm>
           <a:prstGeom prst="rect">
             <a:avLst/>
           </a:prstGeom>
-          <a:noFill/>
         </p:spPr>
         <p:txBody>
-          <a:bodyPr wrap="none" rtlCol="0">
+          <a:bodyPr>
             <a:spAutoFit/>
           </a:bodyPr>
           <a:lstStyle/>
           <a:p>
             <a:r>
-              <a:rPr lang="en-US" dirty="0">
-                <a:latin typeface="Times New Roman" panose="02020603050405020304" pitchFamily="18" charset="0"/>
-                <a:cs typeface="Times New Roman" panose="02020603050405020304" pitchFamily="18" charset="0"/>
-              </a:rPr>
-              <a:t>IITM GL Cloud Group 5</a:t>
-            </a:r>
-          </a:p>
-        </p:txBody>
-      </p:sp>
+              <a:rPr lang="en-IN" sz="1050" b="1" dirty="0"/>
+              <a:t> </a:t>
+            </a:r>
+            <a:endParaRPr lang="en-IN" sz="1050" dirty="0"/>
+          </a:p>
+        </p:txBody>
+      </p:sp>
+      <p:graphicFrame>
+        <p:nvGraphicFramePr>
+          <p:cNvPr id="6" name="Object 5">
+            <a:extLst>
+              <a:ext uri="{FF2B5EF4-FFF2-40B4-BE49-F238E27FC236}">
+                <a16:creationId xmlns:a16="http://schemas.microsoft.com/office/drawing/2014/main" id="{DE71D781-6AF6-477D-AF23-258CD0CB168D}"/>
+              </a:ext>
+            </a:extLst>
+          </p:cNvPr>
+          <p:cNvGraphicFramePr>
+            <a:graphicFrameLocks noChangeAspect="1"/>
+          </p:cNvGraphicFramePr>
+          <p:nvPr>
+            <p:extLst>
+              <p:ext uri="{D42A27DB-BD31-4B8C-83A1-F6EECF244321}">
+                <p14:modId xmlns:p14="http://schemas.microsoft.com/office/powerpoint/2010/main" val="1808124165"/>
+              </p:ext>
+            </p:extLst>
+          </p:nvPr>
+        </p:nvGraphicFramePr>
+        <p:xfrm>
+          <a:off x="2911475" y="1141413"/>
+          <a:ext cx="2597150" cy="3663950"/>
+        </p:xfrm>
+        <a:graphic>
+          <a:graphicData uri="http://schemas.openxmlformats.org/presentationml/2006/ole">
+            <mc:AlternateContent xmlns:mc="http://schemas.openxmlformats.org/markup-compatibility/2006">
+              <mc:Choice xmlns:v="urn:schemas-microsoft-com:vml" Requires="v">
+                <p:oleObj spid="_x0000_s1032" name="Document" r:id="rId3" imgW="7550383" imgH="9632630" progId="Word.Document.12">
+                  <p:embed/>
+                </p:oleObj>
+              </mc:Choice>
+              <mc:Fallback>
+                <p:oleObj name="Document" r:id="rId3" imgW="7550383" imgH="9632630" progId="Word.Document.12">
+                  <p:embed/>
+                  <p:pic>
+                    <p:nvPicPr>
+                      <p:cNvPr id="0" name=""/>
+                      <p:cNvPicPr/>
+                      <p:nvPr/>
+                    </p:nvPicPr>
+                    <p:blipFill>
+                      <a:blip r:embed="rId4"/>
+                      <a:stretch>
+                        <a:fillRect/>
+                      </a:stretch>
+                    </p:blipFill>
+                    <p:spPr>
+                      <a:xfrm>
+                        <a:off x="2911475" y="1141413"/>
+                        <a:ext cx="2597150" cy="3663950"/>
+                      </a:xfrm>
+                      <a:prstGeom prst="rect">
+                        <a:avLst/>
+                      </a:prstGeom>
+                    </p:spPr>
+                  </p:pic>
+                </p:oleObj>
+              </mc:Fallback>
+            </mc:AlternateContent>
+          </a:graphicData>
+        </a:graphic>
+      </p:graphicFrame>
     </p:spTree>
     <p:extLst>
       <p:ext uri="{BB962C8B-B14F-4D97-AF65-F5344CB8AC3E}">
-        <p14:creationId xmlns:p14="http://schemas.microsoft.com/office/powerpoint/2010/main" val="3143504993"/>
+        <p14:creationId xmlns:p14="http://schemas.microsoft.com/office/powerpoint/2010/main" val="24876875"/>
       </p:ext>
     </p:extLst>
   </p:cSld>
@@ -9224,115 +9112,14 @@
       </p:grpSpPr>
       <p:sp>
         <p:nvSpPr>
-          <p:cNvPr id="2" name="Title 1"/>
-          <p:cNvSpPr>
-            <a:spLocks noGrp="1"/>
-          </p:cNvSpPr>
-          <p:nvPr>
-            <p:ph type="title"/>
-          </p:nvPr>
+          <p:cNvPr id="4" name="TextBox 3"/>
+          <p:cNvSpPr txBox="1"/>
+          <p:nvPr/>
         </p:nvSpPr>
         <p:spPr>
           <a:xfrm>
-            <a:off x="0" y="70101"/>
-            <a:ext cx="7137400" cy="899890"/>
-          </a:xfrm>
-        </p:spPr>
-        <p:txBody>
-          <a:bodyPr/>
-          <a:lstStyle/>
-          <a:p>
-            <a:r>
-              <a:rPr lang="en-US" b="1" dirty="0">
-                <a:latin typeface="Times New Roman" panose="02020603050405020304" pitchFamily="18" charset="0"/>
-                <a:cs typeface="Times New Roman" panose="02020603050405020304" pitchFamily="18" charset="0"/>
-              </a:rPr>
-              <a:t>AWS SNS</a:t>
-            </a:r>
-          </a:p>
-        </p:txBody>
-      </p:sp>
-      <p:sp>
-        <p:nvSpPr>
-          <p:cNvPr id="4" name="Content Placeholder 3"/>
-          <p:cNvSpPr>
-            <a:spLocks noGrp="1"/>
-          </p:cNvSpPr>
-          <p:nvPr>
-            <p:ph idx="1"/>
-          </p:nvPr>
-        </p:nvSpPr>
-        <p:spPr>
-          <a:xfrm>
-            <a:off x="155575" y="4174116"/>
-            <a:ext cx="3774909" cy="2031325"/>
-          </a:xfrm>
-          <a:prstGeom prst="rect">
-            <a:avLst/>
-          </a:prstGeom>
-        </p:spPr>
-        <p:txBody>
-          <a:bodyPr wrap="square">
-            <a:spAutoFit/>
-          </a:bodyPr>
-          <a:lstStyle/>
-          <a:p>
-            <a:r>
-              <a:rPr lang="en-US" dirty="0"/>
-              <a:t>Amazon Simple Notification Service (Amazon SNS) is a fully managed messaging service for both application-to-application (A2A) and application-to-person (A2P) communication.</a:t>
-            </a:r>
-          </a:p>
-        </p:txBody>
-      </p:sp>
-      <p:sp>
-        <p:nvSpPr>
-          <p:cNvPr id="5" name="AutoShape 2" descr="data:image/jpeg;base64,/9j/4AAQSkZJRgABAQAAAQABAAD/2wCEAAkGBhAOEBAODxAPEhQQEA8QEA8VDxUPDxQUFhAYFhQQFBUXHCYeGRkjGhQUHy8gJCcpLCwtFh8xNTAqNTIrLCkBCQoKDgwOGg8PGiolHiUtKTU1NSstNSopKiopKSwsLCopKikqKSwpLC0sLTUqLyk1KSwpLCk1KiwxKjUvLCksLP/AABEIAKoBKQMBIgACEQEDEQH/xAAbAAEAAgMBAQAAAAAAAAAAAAAAAgYDBAUBB//EAEQQAAEDAgMEBQgIAwcFAAAAAAEAAgMEEQUSIQYxQVETImGBkSNSVHGSobHhBxQWMkJiwdEzcsIkQ1OCorLwNGNzk6P/xAAaAQEAAgMBAAAAAAAAAAAAAAAAAQIDBQYE/8QAMREAAgIAAwYCCQUBAAAAAAAAAAECAwQRkQUSEyExUkFRMmFxgaGxwdHwFCJC4fEj/9oADAMBAAIRAxEAPwD7iiIgCIiAIiIAiIgCIiAKL3hoLnEAAXJJsAOZK1cUxWOljMkpsNwaPvOPmtC+c4ztDNWO6xysv1YgeqOV/OK9VGGldz6I8GLx0MOsusvL7ltxHbqCO7YgZTzByx+J39wVfqdtqp/3SyMcmtufF11wAFIBbaGEqh4Z+0563aF9n8svZy/s6J2gqzvqJfat8AskW0tW03E7z2Os4e8LmAL1ZeFDtWh51faue89WWaj27mbpLGx45jqO/UKzYXtFBU9VjrO/w3dV3dz7l8zQG2vLceK81mDrn05M9tO07q3+55r1/c+voqXs/tgWkRVJu3c2U7x2P5jtVzBvqFqbaZVPKR0eHxMMRHeh/h6iIsJ6AiIgCIiAIiIAiIgCIiAIiIAiIgCIiAIiIAiIgCIiAIiIAsVXVNhY6V5s1gLnHsWVUj6QMW1ZStO60kn9DfifBZqKuLNRPNir1RU5/mZXsaxh9ZKZHaAaRs4Nby9fMrSAUWqYXRRiorJHFynKcnKT5skApALwKSkgIiISEREAVs2Nx+xFLKdD/CceB/w/28OSqa9a4ggg2IIIPEHmsVtStjusz4e+VE1OP+o+vItDAsS+swMl42yvHJw0P7963yVzsouLaZ2cJqcVJdGEXNqto6WLR0zLjg05z6urdaZ22pOcn/rKuqbH0izFLE0xeTmtTvIuJFtjSO0zub62OA9y6lLXxTC8UjH/AMrgSPWOCiVc4+kmXhfXZ6Mk/eZ0RFjMoREQBERAEREAREQBERAEREARU7aXal2YwU7iMps+Rv3ifNb38VZMH6XoI+n/AImXrc9+l+21roDdREQBERAeE21XyHFKwzzyyn8b3Eerc0dwAC+rYnJkgmd5sUh/0lfHmLa7Oj6Ujn9sz9CHtZkaphRCmFtDQIkF6vAvULBERAEREAREQHZwHaM0bJWhubPlLBezQ7cSe63gtTEManqP4khI8wdVngN/etFFjVUFLfy5mZ32OCrz5IIiLIYTwrxry0hzSQRucDYjvC9KiUBYsJ23miIbP5VnnbpB23/F3+KvFDXx1DBJE4OaeW8HkRwK+ROW1hOMyUkgkjOm57D91w5H914b8HGazhyfwNphNpzqe7Zzj8UfW0WpheJMqYmzRnR28cWni09oW2tK008mdPGSklJdAiIoLBERAEREAREQBV/a7GzTxiKM2kkB14tZuLvWdw713ZZQxrnuNg0FxPIAXJXz2lidiVYS6+UnM78sY3N+A7ygOtsdgG6qkH/iaR/9P28VbiQNToBx4LxjA0AAAACwA0AHJVPbLHSP7JGd4HSkb9d0Y/Xw5oDsUO0sE8xgZmJsbOt1HW32N11lwNltnxTt6WQeVePYafwjt5ruSytY0ucQ0NBJcTYAcyUBNQlmawXc5rRzJAHvVEx36RCSY6MADd0zhcntY08O0+CqNTWSTOzSve883OLvC+5bCrATks5cvmabEbXrre7Wt5/A+o4vjtK6GaMVEJLo5GgB4dqWmw0XzFixNWVq2dFCpTSZo8Vi5YlpyWWRkCmFjCyBZjyokF6vAvULBERAEREAREQBERAEREB4VEqRUShBArG5TcoOUlWdvY/GzTThjj5OYhruQdua/wDT1FfTl8RcvrGy2ImopYnk3cBkfzzN0v36HvWq2hVllYjoNj4hvOl+1fU6yIi1R0AUJb5XZd9jl5XtotHFseipCwSZrvvYNbfQbydd2q3oZmvaHsIc1wBBG4hAUrCdqZoZjHVlxBdZ+YWdG7npw7PBXdrgQCNQdQeCr+1eAdOzpox5Rg1A3vaOHrHDwWlsXjZP9lkO4ExE77cY/wBR3oC3IiICvba13R04jB1mdl/yjV36DvUdiKDJAZiNZXafyt0HvufBcfbioLqhsYv1Ixp2uN/2V0oaYRRxxi3UY1vgNSgMeK14p4ZJT+Fpyjm46NHjZVDZHDTUTOqZNRG7Nc/ikOt+7f3hbu3tbZsUIO8mR3qGjfeT7K7WzdF0NNE22rhnd63a/Cw7kB018t202qNVIYIneRjNtP7xw/Efyjh4q3beYwaalLWGz5j0bTxAI65Hdp3r5QFtsBQn/wBH7jndsYtr/hH3/YyNWRqxNWRq2xziMzVkasLSsjVBdGZqmFiBWQFQXRMKSgFIKCx6iIgCIiAIiIAiIgCIvCgPColelRJQgi5Y3KTisbipKsi5Xv6Nai8c8fmvY4D+ZpH9KoTivGzOabtc5p5glp9yxX1cWDiZ8LiP09qsyzPuKL5Dh+2NZTkWlc8D8EnlB6rnUeKv2ze2ENb1D5OUDWMm4PMsPH1b1prsHZUs+qOnw20qb3u9H6/obe0GBtq47aB7LmN3xaewqtbMYu6llNLNcNc7LY/gfe3gf2KvSqO2+EaCqYN1mS+rc1/6d4XjNkW5UDajDTS1DZouq17s7SPwvBuR+veVZ9lsT+sU7cxu+PqP5m253eLe9T2moOnppAB1mDpGetvDvFx3oDbwuuFRCyUfibqOR3OHjdbSp+wVf/EgJ5Ss9wd/T4q4ICgYl5TE7H/Hhb3DKr+qBLpimvpLPgFf0BQdrSZK0R8hFGP8xv8AFxV9aLaDgqJjptiTSd3SUxPqu1XxAfNfpQqiaiGLgyLP3veR8GDxVNCtH0ksIrbnjDER4uHxBVWC6XCrKmPsOG2g28TPPzMgKyNKxAqbSvQeNGZpWRpWFpWRpVSyMzSpgrCCsgKgujKCpArGCpAqCxkRRBXt0JPUREAREQBEXl0B6okoSokoQCVAlekqBKkg8cVjcV6SoOKkqyLisbipOKxuKkoyJSOZzHB7CWuaQWuBsQRuIXhKgVJXPI+xbJbQiugDzYSMOSUDdfg4dhH6rq1tMJY3xO3PaW+I3r5l9G9eY6zouEzHNt+Zozg+Acvqa5zF1KqxpdDt9nYh30KUuq5MouxdSYql8DvxhzSPzs1+GbwCvJVCqB0OKb/79jvbAJ/3FX5eU958+wxv1bERHwEz49fNdfL7iF9BVA2lHR1+b80D/gD8FfekCAoOPHocQz8Okhk7tL/Ar6AqVt7SWkil4OaWHTi03F+4+5WfBKzpqeKS9yWAO49YaO94KAqW20JjqWSC/WY11/zNdY+7L4q7wSh7WvG5zQ4eoi64G29DngEo3xOuf5XaH35T3LNsdXiWmDCetCchHZvafDTuQFc+lKh1gqAODonHvzN/qVBC+27QYQKynkgOhIux3J41af09RK+LVEDo3ujeC1zHFrmneCN4W+wFqlXu+KOQ2xQ4XcTwl8yIKmCsYUwV7zUGUFTBWEFZAVBZGYFTBWEFTBUFkzMCpgrCCpgqCxlBXt1jBXt1BJkuvbrHde3QkndLqF0ugJXXl1G68ugJEqJK8JUSVJGYJUCUJUCVJUErG4r0lQcVJVnhKxkr0lRJUlWRJUSvSV4hU7WxbSa+mt57j3CNxPuuvsi+ZfRnhxfUPnI0hYQD+Z+n+3N4r6atFtCSduXkjrtjQccPm/Fv7FBx4XxKw8+nHuar8qDA76xieYEEdOSDwyxjT3MV+WvNyUDbP/q/8kXxKuuUqlY55XEco18pCzwyk/Eq/WQHK2ow/p6Z4Au5nlGetu8d4uFxthMR+/Tk/wDcZ8HD4HvKt6+e4zSPoKoSR6NLukjPC34o/fb1EIC/zQh7XMcLhwLSOYIsVQaOZ2GVZa++T7rvzRk9V47R+4V5oK1s8bZWHRwv2g8Qe0HRc7aTARVsu2wkYDkPAjzCgOux4cA4G4IBB4EHiqntpsb9aH1iAATAdZu4SAf1DmobHYpI2Q0cgNgHEX+8wje09iuKyV2SrlvRMN9EL4OE1yPgcsTmOLHtLXNNnNIs4HkQUBX2XHNlqatF5W2eBYSt6rx2HmPWqTiH0Z1DCTA9ko4A+Tf79Pet3Vjq5r93JnKYjZN9T/Yt5erroVIFTBXUfsfXN300ndld8CvBstW+jTez816uLX3LU8P6e5fwejOeCpgrfGy9b6NN7PzUhsxW+jTez81HFh3LUngW9r0ZogqQK3hszWejTez81IbNVno0vs/NRxIdy1J4Fva9GaIcpBy3Rs1WejS+ypfZus9Hl9n5pxIea1LcG3tejNG6Zlv/AGbrPR5fZ+afZus9Hl9n5pxIdy1HBt7XozRumZb32crPR5fZT7N1no8vs/NRxIdy1J4Nva9GaGZeZl0Ps3Wejy+z8159m6z0eX2fmp4kO5akcG3tejOcXKJcuj9mqz0aX2fmvDs1WejS+z804kO5akcG3tejOaXKBK6Z2ZrPRpvZ+aidmK30ab2fmp4sO5akcC3tejOWSoErqnZet9Gm9n5qJ2WrfRpvZ+aniw7lqV4Fva9GcklRJXWOylb6NN7PzRuyNcTYU0veAPeSnFh3LUj9Pd2PRnHWxh+HyVMjYYmlznHQcAOLieAHNWfDPo1qZCDO5kLeIv0kngNPer7gmz0FEzLC3U2zSHV7vWeXYvLdjYQWUeb+BsMLsq2152Ldj8dBgGCsooGwt1O97+LnHe79B2BZcYrhBBJLxDSG9rjo0eJW6qNtZihqZm00PWDHWsPxSHTwG7xWilJyebOuhCMIqMeiM2wlES+WoPAdG08yTdx9w8VcZJA0Fx3NBJ9QFytTB8OFNCyIakC7jzcd5XO2xxDoqcxg9aY5B/LvcfDTvVSxXNnGmprulPnSTO8dPe4L6DZVjYagyRPnI1lNm/yt+d/BWdAFz8bwltVEYzYOHWY7k79uC6CID59gOLPoZnRTAhhdaRu/K7zx/wA1Cv7HhwDmkEEAgjUEcwuRj+zbKsBwIZINA+1wR5rh+q3sJoPq8LIcxdkB627eb6DgNUBsCJoJcALne6wufWVNEQBERAEREAREQBERAEREAREQBERAEREAREQBERAEREAREQBERAV7a/G307Gxx3DpQ7ynmgWvbt1WDZHZ4x/2mUWc4eTad7Qd7j2n4KyS07H2zta6xuLtDrHmLrIgIveGgkmwAJJ4ADivntbO/EqsNZfKTlZ+Vg3vPvPgF0NrtoekJpoTdu6Rw1zHzBzHPwXW2UwP6vH0jx5SQC/5W7w318SgO1TU7Y2NjaLBjQ0DsAWREQBERAEREAREQBc52JuklfBAGkxZelkdfIwnUMAGrnW14W9y6KrOy83R1FdTSaSfWHTi+hcx4FnDmN3issI5qT8jBbNqUY+b+nT3nVfLVMkYMkUrHOyvc28T2C189iSHDTmDqF0VzsVxplKY+kZIRJIyJrmhpGd17A3cDwOtlo4RIKt1X0wJMdRJCGXIDGNADbWO86kn5KdxuO81yK8RRnuJ5v1+HL88zvoqZR4lM10VJI97mfX56fpies5jGBzI3O5kmxP5SFv4rnpaqmdT3tOZYpIc3UcQzM14HAg7yFZ0NPLPz+BRYpOO9l0aT8+fz6lkXMpsSe+rnpy1uWKOJ4cL5rvvoeH4Sq+2UzwUj2vearpoxNEXuDj1rTNey+jQLndpYLLiVY+CbFZY/vMpqQtO8j74Lh6gSe5WVPVeP9pFJYrPKXh81ut5e3kW5FyKXDg98VRG7I1rSeq8vMzXN06QnTkb6m/HnuPJfKYyXBrWMfoS0uLnOG8a6ZP9S88kkeyEnJZtGyHi5bxABPqJNvgVJc+dxY5waSLinZmOpAdK8E3PHXTtspy3jcA1zrOY/QuLrEC4IJ1VS5uqL3hoJO4C5Wn07uigdfVxgBPPMRf9VhcC+B0pe4Ocx7hr1WjWzS3cRbTnxQHUui1q1xEZynKeoAeIu4D9Vj6E9Llzvy5C4tzkknNYHNe446IDdRcptQ4lkZzkXqLlpAcQyXK0E3HA687LIWy5dz8ok+7mAldHk3Zgd4d23ICA6KLnm7g0sMjmtLw9uctkDtLXvrprpfiDqvTM1wa1vSus0kgOLXAXI65JGt2uFuwoDfUS8AgX1N7d29c2OdxEWcvsemacty7M19m5smu4OvbS/cs1Nnb0YcXamUnMbm1+rfusgN5FzocwihkL3lx6HMb6HNYHq7uPJQaXPNry5xLZ1i4R5Q7UXGlsvfffxQHUREQBQmjzNc25GYEXG8XFrhTRAVvBNjmwP6SVwkLfuDLZo/Mb7yrIiIAiIgCIiAIiIAiIgC0cQwaGoLXvaQ9n3JWuMcrfU5utuw6LeRSm080VlFSWUlmc9+CRvyCZ0kvRuD2Z33AcNzura5143WR2FM6R0zczHvAbI5ptnA3Zgbgkc7X7VuIp35eZXhw8jTlwiF8fQlgyh2cakOD736QO35r65r3WtiY+rRSVIa6aSGJ2TMbkDS4FgOQubXNl1UUqbz5iVaa5cn+ZaFWxGnzsZXQ1OeojjAjy5THKCb9DkGtiTzuF3BhMfSSTEHNKwMlaXEsc0CwBadOJ8VnjpI2nM1jGk7yGgHxCzK0rG1kvz1GOFKTzf4/Pn5nOw7Ao6Y+SdKG6lsRlc6Jt/NaVuS04cQ7UEXAcDY2O8do0HgsqLHKTk82ZowjBZRWSMRpWkEEE3aGm5JJAJI153J1XkdK1pzdYm1rucXWHIX7lmRQWNYUDOrfMQwgsBcSGkbrL11Cw3BByuJJZc5CTvNvethEBF8YcLHUae43HwToxfNxta/Ze6kiAwOomG2hFnOcCHEEFxJdr233bl6aYWAzP0N75zf8A52LMiA1xRNG4vGpJIebkneTfen1Fg3Zm6WJDiCRcnU8Tck336lbCIDQkpcpaAxxY0dQMdkc1xLi65zA2NxxWWjgNrvDtHOLA52dzWkDQm+p38Tv3raRAYxA0NDLaNy5Ryy7vgFzW0slrBkrZCbmQSgRZuL8od93sy68ea6yIAiIgCIiAIiIAiIgP/9k="/>
-          <p:cNvSpPr>
-            <a:spLocks noChangeAspect="1" noChangeArrowheads="1"/>
-          </p:cNvSpPr>
-          <p:nvPr/>
-        </p:nvSpPr>
-        <p:spPr bwMode="auto">
-          <a:xfrm>
-            <a:off x="155575" y="-144463"/>
-            <a:ext cx="304800" cy="304801"/>
-          </a:xfrm>
-          <a:prstGeom prst="rect">
-            <a:avLst/>
-          </a:prstGeom>
-          <a:noFill/>
-          <a:extLst>
-            <a:ext uri="{909E8E84-426E-40DD-AFC4-6F175D3DCCD1}">
-              <a14:hiddenFill xmlns:a14="http://schemas.microsoft.com/office/drawing/2010/main">
-                <a:solidFill>
-                  <a:srgbClr val="FFFFFF"/>
-                </a:solidFill>
-              </a14:hiddenFill>
-            </a:ext>
-          </a:extLst>
-        </p:spPr>
-        <p:txBody>
-          <a:bodyPr vert="horz" wrap="square" lIns="91440" tIns="45720" rIns="91440" bIns="45720" numCol="1" anchor="t" anchorCtr="0" compatLnSpc="1">
-            <a:prstTxWarp prst="textNoShape">
-              <a:avLst/>
-            </a:prstTxWarp>
-          </a:bodyPr>
-          <a:lstStyle/>
-          <a:p>
-            <a:endParaRPr lang="en-US"/>
-          </a:p>
-        </p:txBody>
-      </p:sp>
-      <p:sp>
-        <p:nvSpPr>
-          <p:cNvPr id="7" name="TextBox 6"/>
-          <p:cNvSpPr txBox="1"/>
-          <p:nvPr/>
-        </p:nvSpPr>
-        <p:spPr>
-          <a:xfrm>
-            <a:off x="5316268" y="4174116"/>
-            <a:ext cx="3519757" cy="2246769"/>
+            <a:off x="1575504" y="2769316"/>
+            <a:ext cx="6030818" cy="1569660"/>
           </a:xfrm>
           <a:prstGeom prst="rect">
             <a:avLst/>
@@ -9340,24 +9127,28 @@
           <a:noFill/>
         </p:spPr>
         <p:txBody>
-          <a:bodyPr wrap="square" rtlCol="0">
+          <a:bodyPr wrap="none" rtlCol="0">
             <a:spAutoFit/>
           </a:bodyPr>
           <a:lstStyle/>
           <a:p>
-            <a:r>
-              <a:rPr lang="en-US" sz="1400" dirty="0"/>
-              <a:t>The A2A pub/sub functionality provides topics for high-throughput, push-based, many-to-many messaging between distributed systems, microservices, and event-driven serverless applications. Using Amazon SNS topics, your publisher systems can fanout messages to a large number of subscriber systems, including Amazon SQS queues, </a:t>
-            </a:r>
-          </a:p>
-        </p:txBody>
-      </p:sp>
-      <p:sp>
-        <p:nvSpPr>
-          <p:cNvPr id="8" name="TextBox 7">
+            <a:pPr algn="ctr"/>
+            <a:r>
+              <a:rPr lang="en-US" sz="9600" dirty="0">
+                <a:latin typeface="Times New Roman" panose="02020603050405020304" pitchFamily="18" charset="0"/>
+                <a:cs typeface="Times New Roman" panose="02020603050405020304" pitchFamily="18" charset="0"/>
+              </a:rPr>
+              <a:t>Final Demo</a:t>
+            </a:r>
+          </a:p>
+        </p:txBody>
+      </p:sp>
+      <p:sp>
+        <p:nvSpPr>
+          <p:cNvPr id="3" name="TextBox 2">
             <a:extLst>
               <a:ext uri="{FF2B5EF4-FFF2-40B4-BE49-F238E27FC236}">
-                <a16:creationId xmlns:a16="http://schemas.microsoft.com/office/drawing/2014/main" id="{796BC246-60B9-4ADA-AD34-CEB126D41E48}"/>
+                <a16:creationId xmlns:a16="http://schemas.microsoft.com/office/drawing/2014/main" id="{625C9051-E4A4-4CB5-AFC7-3A784453549F}"/>
               </a:ext>
             </a:extLst>
           </p:cNvPr>
@@ -9390,40 +9181,10 @@
           </a:p>
         </p:txBody>
       </p:sp>
-      <p:pic>
-        <p:nvPicPr>
-          <p:cNvPr id="3" name="Picture 2">
-            <a:extLst>
-              <a:ext uri="{FF2B5EF4-FFF2-40B4-BE49-F238E27FC236}">
-                <a16:creationId xmlns:a16="http://schemas.microsoft.com/office/drawing/2014/main" id="{7F988B32-D30C-4DBC-AB87-D7481062669A}"/>
-              </a:ext>
-            </a:extLst>
-          </p:cNvPr>
-          <p:cNvPicPr>
-            <a:picLocks noChangeAspect="1"/>
-          </p:cNvPicPr>
-          <p:nvPr/>
-        </p:nvPicPr>
-        <p:blipFill>
-          <a:blip r:embed="rId2"/>
-          <a:stretch>
-            <a:fillRect/>
-          </a:stretch>
-        </p:blipFill>
-        <p:spPr>
-          <a:xfrm>
-            <a:off x="307975" y="777647"/>
-            <a:ext cx="8528050" cy="3258475"/>
-          </a:xfrm>
-          <a:prstGeom prst="rect">
-            <a:avLst/>
-          </a:prstGeom>
-        </p:spPr>
-      </p:pic>
     </p:spTree>
     <p:extLst>
       <p:ext uri="{BB962C8B-B14F-4D97-AF65-F5344CB8AC3E}">
-        <p14:creationId xmlns:p14="http://schemas.microsoft.com/office/powerpoint/2010/main" val="3442773177"/>
+        <p14:creationId xmlns:p14="http://schemas.microsoft.com/office/powerpoint/2010/main" val="374678474"/>
       </p:ext>
     </p:extLst>
   </p:cSld>
@@ -9436,33 +9197,6 @@
 <file path=ppt/slides/slide14.xml><?xml version="1.0" encoding="utf-8"?>
 <p:sld xmlns:a="http://schemas.openxmlformats.org/drawingml/2006/main" xmlns:r="http://schemas.openxmlformats.org/officeDocument/2006/relationships" xmlns:p="http://schemas.openxmlformats.org/presentationml/2006/main" showMasterSp="0">
   <p:cSld>
-    <p:bg>
-      <p:bgPr>
-        <a:gradFill rotWithShape="1">
-          <a:gsLst>
-            <a:gs pos="0">
-              <a:schemeClr val="bg2">
-                <a:tint val="90000"/>
-                <a:satMod val="92000"/>
-                <a:lumMod val="0"/>
-                <a:lumOff val="100000"/>
-              </a:schemeClr>
-            </a:gs>
-            <a:gs pos="100000">
-              <a:schemeClr val="bg2">
-                <a:shade val="98000"/>
-                <a:satMod val="120000"/>
-                <a:lumMod val="98000"/>
-              </a:schemeClr>
-            </a:gs>
-          </a:gsLst>
-          <a:path path="circle">
-            <a:fillToRect l="50000" t="50000" r="100000" b="100000"/>
-          </a:path>
-        </a:gradFill>
-        <a:effectLst/>
-      </p:bgPr>
-    </p:bg>
     <p:spTree>
       <p:nvGrpSpPr>
         <p:cNvPr id="1" name=""/>
@@ -9479,430 +9213,123 @@
       </p:grpSpPr>
       <p:sp>
         <p:nvSpPr>
-          <p:cNvPr id="2" name="Title 1"/>
-          <p:cNvSpPr>
-            <a:spLocks noGrp="1"/>
-          </p:cNvSpPr>
-          <p:nvPr>
-            <p:ph type="title"/>
-          </p:nvPr>
-        </p:nvSpPr>
-        <p:spPr>
-          <a:xfrm>
-            <a:off x="176225" y="202937"/>
-            <a:ext cx="7137400" cy="899890"/>
-          </a:xfrm>
-        </p:spPr>
-        <p:txBody>
-          <a:bodyPr/>
-          <a:lstStyle/>
-          <a:p>
-            <a:r>
-              <a:rPr lang="en-US" b="1" dirty="0">
-                <a:latin typeface="Times New Roman" panose="02020603050405020304" pitchFamily="18" charset="0"/>
-                <a:cs typeface="Times New Roman" panose="02020603050405020304" pitchFamily="18" charset="0"/>
-              </a:rPr>
-              <a:t>AWS SNS Push Notification</a:t>
-            </a:r>
-          </a:p>
-        </p:txBody>
-      </p:sp>
-      <p:sp>
-        <p:nvSpPr>
-          <p:cNvPr id="6" name="Rectangle 4"/>
-          <p:cNvSpPr>
-            <a:spLocks noChangeArrowheads="1"/>
-          </p:cNvSpPr>
-          <p:nvPr/>
-        </p:nvSpPr>
-        <p:spPr bwMode="auto">
-          <a:xfrm>
-            <a:off x="501301" y="821450"/>
-            <a:ext cx="2968317" cy="3416320"/>
-          </a:xfrm>
-          <a:prstGeom prst="rect">
-            <a:avLst/>
-          </a:prstGeom>
-          <a:noFill/>
-          <a:ln>
-            <a:noFill/>
-          </a:ln>
-          <a:effectLst/>
-          <a:extLst>
-            <a:ext uri="{909E8E84-426E-40DD-AFC4-6F175D3DCCD1}">
-              <a14:hiddenFill xmlns:a14="http://schemas.microsoft.com/office/drawing/2010/main">
-                <a:solidFill>
-                  <a:schemeClr val="accent1"/>
-                </a:solidFill>
-              </a14:hiddenFill>
-            </a:ext>
-            <a:ext uri="{91240B29-F687-4F45-9708-019B960494DF}">
-              <a14:hiddenLine xmlns:a14="http://schemas.microsoft.com/office/drawing/2010/main" w="9525">
-                <a:solidFill>
-                  <a:schemeClr val="tx1"/>
-                </a:solidFill>
-                <a:miter lim="800000"/>
-                <a:headEnd/>
-                <a:tailEnd/>
-              </a14:hiddenLine>
-            </a:ext>
-            <a:ext uri="{AF507438-7753-43E0-B8FC-AC1667EBCBE1}">
-              <a14:hiddenEffects xmlns:a14="http://schemas.microsoft.com/office/drawing/2010/main">
-                <a:effectLst>
-                  <a:outerShdw dist="35921" dir="2700000" algn="ctr" rotWithShape="0">
-                    <a:schemeClr val="bg2"/>
-                  </a:outerShdw>
-                </a:effectLst>
-              </a14:hiddenEffects>
-            </a:ext>
-          </a:extLst>
-        </p:spPr>
-        <p:txBody>
-          <a:bodyPr vert="horz" wrap="square" lIns="91440" tIns="45720" rIns="91440" bIns="45720" numCol="1" anchor="ctr" anchorCtr="0" compatLnSpc="1">
-            <a:prstTxWarp prst="textNoShape">
-              <a:avLst/>
-            </a:prstTxWarp>
-            <a:spAutoFit/>
-          </a:bodyPr>
-          <a:lstStyle/>
-          <a:p>
-            <a:pPr marL="0" marR="0" lvl="0" indent="0" algn="l" defTabSz="914400" rtl="0" eaLnBrk="0" fontAlgn="base" latinLnBrk="0" hangingPunct="0">
-              <a:lnSpc>
-                <a:spcPct val="100000"/>
-              </a:lnSpc>
-              <a:spcBef>
-                <a:spcPct val="0"/>
-              </a:spcBef>
-              <a:spcAft>
-                <a:spcPct val="0"/>
-              </a:spcAft>
-              <a:buClrTx/>
-              <a:buSzTx/>
-              <a:buFontTx/>
-              <a:buNone/>
-              <a:tabLst/>
-            </a:pPr>
-            <a:r>
-              <a:rPr kumimoji="0" lang="en-US" sz="2400" b="0" i="0" u="none" strike="noStrike" cap="none" normalizeH="0" baseline="0" dirty="0">
-                <a:ln>
-                  <a:noFill/>
-                </a:ln>
-                <a:solidFill>
-                  <a:schemeClr val="tx1"/>
-                </a:solidFill>
-                <a:effectLst/>
-                <a:latin typeface="Times New Roman" panose="02020603050405020304" pitchFamily="18" charset="0"/>
-                <a:ea typeface="Calibri" panose="020F0502020204030204" pitchFamily="34" charset="0"/>
-                <a:cs typeface="Times New Roman" panose="02020603050405020304" pitchFamily="18" charset="0"/>
-              </a:rPr>
-              <a:t>Whenever push notification is needed, our server a </a:t>
-            </a:r>
-            <a:r>
-              <a:rPr kumimoji="0" lang="en-US" sz="2400" b="1" i="0" u="none" strike="noStrike" cap="none" normalizeH="0" baseline="0" dirty="0">
-                <a:ln>
-                  <a:noFill/>
-                </a:ln>
-                <a:solidFill>
-                  <a:schemeClr val="tx1"/>
-                </a:solidFill>
-                <a:effectLst/>
-                <a:latin typeface="Times New Roman" panose="02020603050405020304" pitchFamily="18" charset="0"/>
-                <a:ea typeface="Calibri" panose="020F0502020204030204" pitchFamily="34" charset="0"/>
-                <a:cs typeface="Times New Roman" panose="02020603050405020304" pitchFamily="18" charset="0"/>
-              </a:rPr>
-              <a:t>message</a:t>
-            </a:r>
-            <a:r>
-              <a:rPr kumimoji="0" lang="en-US" sz="2400" b="0" i="0" u="none" strike="noStrike" cap="none" normalizeH="0" baseline="0" dirty="0">
-                <a:ln>
-                  <a:noFill/>
-                </a:ln>
-                <a:solidFill>
-                  <a:schemeClr val="tx1"/>
-                </a:solidFill>
-                <a:effectLst/>
-                <a:latin typeface="Times New Roman" panose="02020603050405020304" pitchFamily="18" charset="0"/>
-                <a:ea typeface="Calibri" panose="020F0502020204030204" pitchFamily="34" charset="0"/>
-                <a:cs typeface="Times New Roman" panose="02020603050405020304" pitchFamily="18" charset="0"/>
-              </a:rPr>
-              <a:t> to SNS server along with device </a:t>
-            </a:r>
-            <a:r>
-              <a:rPr kumimoji="0" lang="en-US" sz="2400" b="1" i="0" u="none" strike="noStrike" cap="none" normalizeH="0" baseline="0" dirty="0">
-                <a:ln>
-                  <a:noFill/>
-                </a:ln>
-                <a:solidFill>
-                  <a:schemeClr val="tx1"/>
-                </a:solidFill>
-                <a:effectLst/>
-                <a:latin typeface="Times New Roman" panose="02020603050405020304" pitchFamily="18" charset="0"/>
-                <a:ea typeface="Calibri" panose="020F0502020204030204" pitchFamily="34" charset="0"/>
-                <a:cs typeface="Times New Roman" panose="02020603050405020304" pitchFamily="18" charset="0"/>
-              </a:rPr>
-              <a:t>registration id</a:t>
-            </a:r>
-            <a:r>
-              <a:rPr kumimoji="0" lang="en-US" sz="2400" b="0" i="0" u="none" strike="noStrike" cap="none" normalizeH="0" baseline="0" dirty="0">
-                <a:ln>
-                  <a:noFill/>
-                </a:ln>
-                <a:solidFill>
-                  <a:schemeClr val="tx1"/>
-                </a:solidFill>
-                <a:effectLst/>
-                <a:latin typeface="Times New Roman" panose="02020603050405020304" pitchFamily="18" charset="0"/>
-                <a:ea typeface="Calibri" panose="020F0502020204030204" pitchFamily="34" charset="0"/>
-                <a:cs typeface="Times New Roman" panose="02020603050405020304" pitchFamily="18" charset="0"/>
-              </a:rPr>
-              <a:t> (which is stored earlier in the database)</a:t>
-            </a:r>
-            <a:endParaRPr kumimoji="0" lang="en-US" sz="2400" b="0" i="0" u="none" strike="noStrike" cap="none" normalizeH="0" baseline="0" dirty="0">
-              <a:ln>
-                <a:noFill/>
-              </a:ln>
-              <a:solidFill>
-                <a:schemeClr val="tx1"/>
-              </a:solidFill>
-              <a:effectLst/>
-              <a:latin typeface="Times New Roman" panose="02020603050405020304" pitchFamily="18" charset="0"/>
-              <a:cs typeface="Times New Roman" panose="02020603050405020304" pitchFamily="18" charset="0"/>
-            </a:endParaRPr>
-          </a:p>
-          <a:p>
-            <a:pPr marL="0" marR="0" lvl="0" indent="0" algn="l" defTabSz="914400" rtl="0" eaLnBrk="0" fontAlgn="base" latinLnBrk="0" hangingPunct="0">
-              <a:lnSpc>
-                <a:spcPct val="100000"/>
-              </a:lnSpc>
-              <a:spcBef>
-                <a:spcPct val="0"/>
-              </a:spcBef>
-              <a:spcAft>
-                <a:spcPct val="0"/>
-              </a:spcAft>
-              <a:buClrTx/>
-              <a:buSzTx/>
-              <a:buFontTx/>
-              <a:buNone/>
-              <a:tabLst/>
-            </a:pPr>
-            <a:endParaRPr kumimoji="0" lang="en-US" sz="2400" b="0" i="0" u="none" strike="noStrike" cap="none" normalizeH="0" baseline="0" dirty="0">
-              <a:ln>
-                <a:noFill/>
-              </a:ln>
-              <a:solidFill>
-                <a:schemeClr val="tx1"/>
-              </a:solidFill>
-              <a:effectLst/>
-              <a:latin typeface="Times New Roman" panose="02020603050405020304" pitchFamily="18" charset="0"/>
-              <a:cs typeface="Times New Roman" panose="02020603050405020304" pitchFamily="18" charset="0"/>
-            </a:endParaRPr>
-          </a:p>
-        </p:txBody>
-      </p:sp>
-      <p:pic>
-        <p:nvPicPr>
-          <p:cNvPr id="7" name="Picture 6"/>
-          <p:cNvPicPr>
-            <a:picLocks noChangeAspect="1"/>
-          </p:cNvPicPr>
-          <p:nvPr/>
-        </p:nvPicPr>
-        <p:blipFill>
-          <a:blip r:embed="rId2">
-            <a:extLst>
-              <a:ext uri="{28A0092B-C50C-407E-A947-70E740481C1C}">
-                <a14:useLocalDpi xmlns:a14="http://schemas.microsoft.com/office/drawing/2010/main" val="0"/>
-              </a:ext>
-            </a:extLst>
-          </a:blip>
-          <a:stretch>
-            <a:fillRect/>
-          </a:stretch>
-        </p:blipFill>
-        <p:spPr>
-          <a:xfrm>
-            <a:off x="176225" y="821450"/>
-            <a:ext cx="355556" cy="431746"/>
-          </a:xfrm>
-          <a:prstGeom prst="rect">
-            <a:avLst/>
-          </a:prstGeom>
-        </p:spPr>
-      </p:pic>
-      <p:sp>
-        <p:nvSpPr>
-          <p:cNvPr id="10" name="Rectangle 5"/>
-          <p:cNvSpPr>
-            <a:spLocks noChangeArrowheads="1"/>
-          </p:cNvSpPr>
-          <p:nvPr/>
-        </p:nvSpPr>
-        <p:spPr bwMode="auto">
-          <a:xfrm>
-            <a:off x="354003" y="3970397"/>
-            <a:ext cx="3115615" cy="1569660"/>
-          </a:xfrm>
-          <a:prstGeom prst="rect">
-            <a:avLst/>
-          </a:prstGeom>
-          <a:noFill/>
-          <a:ln>
-            <a:noFill/>
-          </a:ln>
-          <a:effectLst/>
-          <a:extLst>
-            <a:ext uri="{909E8E84-426E-40DD-AFC4-6F175D3DCCD1}">
-              <a14:hiddenFill xmlns:a14="http://schemas.microsoft.com/office/drawing/2010/main">
-                <a:solidFill>
-                  <a:schemeClr val="accent1"/>
-                </a:solidFill>
-              </a14:hiddenFill>
-            </a:ext>
-            <a:ext uri="{91240B29-F687-4F45-9708-019B960494DF}">
-              <a14:hiddenLine xmlns:a14="http://schemas.microsoft.com/office/drawing/2010/main" w="9525">
-                <a:solidFill>
-                  <a:schemeClr val="tx1"/>
-                </a:solidFill>
-                <a:miter lim="800000"/>
-                <a:headEnd/>
-                <a:tailEnd/>
-              </a14:hiddenLine>
-            </a:ext>
-            <a:ext uri="{AF507438-7753-43E0-B8FC-AC1667EBCBE1}">
-              <a14:hiddenEffects xmlns:a14="http://schemas.microsoft.com/office/drawing/2010/main">
-                <a:effectLst>
-                  <a:outerShdw dist="35921" dir="2700000" algn="ctr" rotWithShape="0">
-                    <a:schemeClr val="bg2"/>
-                  </a:outerShdw>
-                </a:effectLst>
-              </a14:hiddenEffects>
-            </a:ext>
-          </a:extLst>
-        </p:spPr>
-        <p:txBody>
-          <a:bodyPr vert="horz" wrap="square" lIns="91440" tIns="45720" rIns="91440" bIns="45720" numCol="1" anchor="ctr" anchorCtr="0" compatLnSpc="1">
-            <a:prstTxWarp prst="textNoShape">
-              <a:avLst/>
-            </a:prstTxWarp>
-            <a:spAutoFit/>
-          </a:bodyPr>
-          <a:lstStyle/>
-          <a:p>
-            <a:pPr marL="0" marR="0" lvl="0" indent="0" algn="l" defTabSz="914400" rtl="0" eaLnBrk="0" fontAlgn="base" latinLnBrk="0" hangingPunct="0">
-              <a:lnSpc>
-                <a:spcPct val="100000"/>
-              </a:lnSpc>
-              <a:spcBef>
-                <a:spcPct val="0"/>
-              </a:spcBef>
-              <a:spcAft>
-                <a:spcPct val="0"/>
-              </a:spcAft>
-              <a:buClrTx/>
-              <a:buSzTx/>
-              <a:buFontTx/>
-              <a:buNone/>
-              <a:tabLst/>
-            </a:pPr>
-            <a:r>
-              <a:rPr kumimoji="0" lang="en-US" sz="2400" b="0" i="0" u="none" strike="noStrike" cap="none" normalizeH="0" baseline="0" dirty="0">
-                <a:ln>
-                  <a:noFill/>
-                </a:ln>
-                <a:solidFill>
-                  <a:schemeClr val="tx1"/>
-                </a:solidFill>
-                <a:effectLst/>
-                <a:latin typeface="Times New Roman" panose="02020603050405020304" pitchFamily="18" charset="0"/>
-                <a:ea typeface="Calibri" panose="020F0502020204030204" pitchFamily="34" charset="0"/>
-                <a:cs typeface="Times New Roman" panose="02020603050405020304" pitchFamily="18" charset="0"/>
-              </a:rPr>
-              <a:t>SNS server will delivers that message to respected User/Mobile App</a:t>
-            </a:r>
-            <a:endParaRPr kumimoji="0" lang="en-US" sz="2400" b="0" i="0" u="none" strike="noStrike" cap="none" normalizeH="0" baseline="0" dirty="0">
-              <a:ln>
-                <a:noFill/>
-              </a:ln>
-              <a:solidFill>
-                <a:schemeClr val="tx1"/>
-              </a:solidFill>
-              <a:effectLst/>
-              <a:latin typeface="Times New Roman" panose="02020603050405020304" pitchFamily="18" charset="0"/>
-              <a:cs typeface="Times New Roman" panose="02020603050405020304" pitchFamily="18" charset="0"/>
-            </a:endParaRPr>
-          </a:p>
-        </p:txBody>
-      </p:sp>
-      <p:pic>
-        <p:nvPicPr>
-          <p:cNvPr id="11" name="Picture 10"/>
-          <p:cNvPicPr>
-            <a:picLocks noChangeAspect="1"/>
-          </p:cNvPicPr>
-          <p:nvPr/>
-        </p:nvPicPr>
-        <p:blipFill>
-          <a:blip r:embed="rId3">
-            <a:extLst>
-              <a:ext uri="{28A0092B-C50C-407E-A947-70E740481C1C}">
-                <a14:useLocalDpi xmlns:a14="http://schemas.microsoft.com/office/drawing/2010/main" val="0"/>
-              </a:ext>
-            </a:extLst>
-          </a:blip>
-          <a:stretch>
-            <a:fillRect/>
-          </a:stretch>
-        </p:blipFill>
-        <p:spPr>
-          <a:xfrm>
-            <a:off x="-34554" y="3933779"/>
-            <a:ext cx="355556" cy="431746"/>
-          </a:xfrm>
-          <a:prstGeom prst="rect">
-            <a:avLst/>
-          </a:prstGeom>
-        </p:spPr>
-      </p:pic>
-      <p:pic>
-        <p:nvPicPr>
-          <p:cNvPr id="3" name="Picture 2">
+          <p:cNvPr id="2" name="Title 1">
             <a:extLst>
               <a:ext uri="{FF2B5EF4-FFF2-40B4-BE49-F238E27FC236}">
-                <a16:creationId xmlns:a16="http://schemas.microsoft.com/office/drawing/2014/main" id="{00B1C2E9-FD41-492F-931B-91335C46C68A}"/>
+                <a16:creationId xmlns:a16="http://schemas.microsoft.com/office/drawing/2014/main" id="{D9140565-9F8D-4D4D-A60B-BACD1C9CD304}"/>
               </a:ext>
             </a:extLst>
           </p:cNvPr>
-          <p:cNvPicPr>
-            <a:picLocks noChangeAspect="1"/>
-          </p:cNvPicPr>
-          <p:nvPr/>
-        </p:nvPicPr>
-        <p:blipFill>
-          <a:blip r:embed="rId4"/>
-          <a:stretch>
-            <a:fillRect/>
-          </a:stretch>
-        </p:blipFill>
+          <p:cNvSpPr>
+            <a:spLocks noGrp="1"/>
+          </p:cNvSpPr>
+          <p:nvPr>
+            <p:ph type="title"/>
+          </p:nvPr>
+        </p:nvSpPr>
         <p:spPr>
           <a:xfrm>
-            <a:off x="3502619" y="2382203"/>
-            <a:ext cx="5552772" cy="4353878"/>
-          </a:xfrm>
-          <a:prstGeom prst="rect">
-            <a:avLst/>
-          </a:prstGeom>
-          <a:effectLst>
-            <a:outerShdw blurRad="50800" dist="50800" dir="5400000" algn="ctr" rotWithShape="0">
-              <a:schemeClr val="bg1"/>
-            </a:outerShdw>
-          </a:effectLst>
+            <a:off x="289121" y="136430"/>
+            <a:ext cx="6589199" cy="1280890"/>
+          </a:xfrm>
         </p:spPr>
-      </p:pic>
+        <p:txBody>
+          <a:bodyPr/>
+          <a:lstStyle/>
+          <a:p>
+            <a:r>
+              <a:rPr lang="en-IN" b="1" dirty="0"/>
+              <a:t>Future Scope</a:t>
+            </a:r>
+          </a:p>
+        </p:txBody>
+      </p:sp>
+      <p:sp>
+        <p:nvSpPr>
+          <p:cNvPr id="3" name="Content Placeholder 2">
+            <a:extLst>
+              <a:ext uri="{FF2B5EF4-FFF2-40B4-BE49-F238E27FC236}">
+                <a16:creationId xmlns:a16="http://schemas.microsoft.com/office/drawing/2014/main" id="{56EDD8A0-996D-4668-B479-A3DD9749E8C4}"/>
+              </a:ext>
+            </a:extLst>
+          </p:cNvPr>
+          <p:cNvSpPr>
+            <a:spLocks noGrp="1"/>
+          </p:cNvSpPr>
+          <p:nvPr>
+            <p:ph idx="1"/>
+          </p:nvPr>
+        </p:nvSpPr>
+        <p:spPr>
+          <a:xfrm>
+            <a:off x="215215" y="904240"/>
+            <a:ext cx="8420785" cy="5273040"/>
+          </a:xfrm>
+        </p:spPr>
+        <p:txBody>
+          <a:bodyPr/>
+          <a:lstStyle/>
+          <a:p>
+            <a:r>
+              <a:rPr lang="en-US" dirty="0"/>
+              <a:t>Authentication and authorization of taxis and users</a:t>
+            </a:r>
+          </a:p>
+          <a:p>
+            <a:r>
+              <a:rPr lang="en-US" dirty="0"/>
+              <a:t>Authenticate APIs calls</a:t>
+            </a:r>
+          </a:p>
+          <a:p>
+            <a:r>
+              <a:rPr lang="en-US" dirty="0"/>
+              <a:t>If the User is eligible for any offers or promotions, it will apply. </a:t>
+            </a:r>
+          </a:p>
+          <a:p>
+            <a:r>
+              <a:rPr lang="en-US" dirty="0"/>
+              <a:t>Nearby cabs will be searched by the system and if any cabs are available, the system will display the Cab/drivers details to the User. </a:t>
+            </a:r>
+          </a:p>
+          <a:p>
+            <a:r>
+              <a:rPr lang="en-US" dirty="0"/>
+              <a:t>Payment can be through Paytm or card or cash. The cab will drop you in the destination location and End of the Trip. This is the brief understanding will get from the architectural pattern given above</a:t>
+            </a:r>
+          </a:p>
+          <a:p>
+            <a:r>
+              <a:rPr lang="en-US" dirty="0"/>
+              <a:t>Advance UI </a:t>
+            </a:r>
+          </a:p>
+          <a:p>
+            <a:r>
+              <a:rPr lang="en-US" dirty="0"/>
+              <a:t>Validations</a:t>
+            </a:r>
+          </a:p>
+          <a:p>
+            <a:r>
+              <a:rPr lang="en-US" dirty="0"/>
+              <a:t>Mobile Apps</a:t>
+            </a:r>
+          </a:p>
+          <a:p>
+            <a:r>
+              <a:rPr lang="en-US" dirty="0" err="1"/>
+              <a:t>etc</a:t>
+            </a:r>
+            <a:endParaRPr lang="en-IN" dirty="0"/>
+          </a:p>
+        </p:txBody>
+      </p:sp>
     </p:spTree>
     <p:extLst>
       <p:ext uri="{BB962C8B-B14F-4D97-AF65-F5344CB8AC3E}">
-        <p14:creationId xmlns:p14="http://schemas.microsoft.com/office/powerpoint/2010/main" val="3331173834"/>
+        <p14:creationId xmlns:p14="http://schemas.microsoft.com/office/powerpoint/2010/main" val="4154757494"/>
       </p:ext>
     </p:extLst>
   </p:cSld>
@@ -9931,118 +9358,42 @@
       </p:grpSpPr>
       <p:sp>
         <p:nvSpPr>
-          <p:cNvPr id="2" name="Title 1"/>
-          <p:cNvSpPr>
-            <a:spLocks noGrp="1"/>
-          </p:cNvSpPr>
-          <p:nvPr>
-            <p:ph type="title"/>
-          </p:nvPr>
+          <p:cNvPr id="4" name="TextBox 3"/>
+          <p:cNvSpPr txBox="1"/>
+          <p:nvPr/>
         </p:nvSpPr>
         <p:spPr>
           <a:xfrm>
-            <a:off x="223081" y="166910"/>
-            <a:ext cx="6589199" cy="760190"/>
-          </a:xfrm>
+            <a:off x="2999286" y="2180988"/>
+            <a:ext cx="3468642" cy="1569660"/>
+          </a:xfrm>
+          <a:prstGeom prst="rect">
+            <a:avLst/>
+          </a:prstGeom>
+          <a:noFill/>
         </p:spPr>
         <p:txBody>
-          <a:bodyPr>
-            <a:normAutofit fontScale="90000"/>
+          <a:bodyPr wrap="none" rtlCol="0">
+            <a:spAutoFit/>
           </a:bodyPr>
           <a:lstStyle/>
           <a:p>
             <a:r>
-              <a:rPr lang="en-US" b="1" dirty="0"/>
-              <a:t>Driver/Taxi Registration  Module</a:t>
-            </a:r>
-          </a:p>
-        </p:txBody>
-      </p:sp>
-      <p:sp>
-        <p:nvSpPr>
-          <p:cNvPr id="5" name="Content Placeholder 4"/>
-          <p:cNvSpPr>
-            <a:spLocks noGrp="1"/>
-          </p:cNvSpPr>
-          <p:nvPr>
-            <p:ph idx="1"/>
-          </p:nvPr>
-        </p:nvSpPr>
-        <p:spPr>
-          <a:xfrm>
-            <a:off x="314521" y="927100"/>
-            <a:ext cx="4928039" cy="4945380"/>
-          </a:xfrm>
-        </p:spPr>
-        <p:txBody>
-          <a:bodyPr>
-            <a:noAutofit/>
-          </a:bodyPr>
-          <a:lstStyle/>
-          <a:p>
-            <a:r>
-              <a:rPr lang="en-US" sz="2400" dirty="0">
-                <a:solidFill>
-                  <a:srgbClr val="000000"/>
-                </a:solidFill>
+              <a:rPr lang="en-US" sz="9600" dirty="0">
                 <a:latin typeface="Times New Roman" panose="02020603050405020304" pitchFamily="18" charset="0"/>
                 <a:cs typeface="Times New Roman" panose="02020603050405020304" pitchFamily="18" charset="0"/>
               </a:rPr>
-              <a:t>This application has two main function.</a:t>
-            </a:r>
-          </a:p>
-          <a:p>
-            <a:r>
-              <a:rPr lang="en-US" sz="2400" b="1" dirty="0">
-                <a:solidFill>
-                  <a:srgbClr val="000000"/>
-                </a:solidFill>
-                <a:latin typeface="Times New Roman" panose="02020603050405020304" pitchFamily="18" charset="0"/>
-                <a:cs typeface="Times New Roman" panose="02020603050405020304" pitchFamily="18" charset="0"/>
-              </a:rPr>
-              <a:t>Registration</a:t>
-            </a:r>
-            <a:r>
-              <a:rPr lang="en-US" sz="2400" dirty="0">
-                <a:solidFill>
-                  <a:srgbClr val="000000"/>
-                </a:solidFill>
-                <a:latin typeface="Times New Roman" panose="02020603050405020304" pitchFamily="18" charset="0"/>
-                <a:cs typeface="Times New Roman" panose="02020603050405020304" pitchFamily="18" charset="0"/>
-              </a:rPr>
-              <a:t> : Register individual Taxi/Driver with shift timing </a:t>
-            </a:r>
-          </a:p>
-          <a:p>
-            <a:r>
-              <a:rPr lang="en-US" sz="2400" b="1" dirty="0">
-                <a:solidFill>
-                  <a:srgbClr val="000000"/>
-                </a:solidFill>
-                <a:latin typeface="Times New Roman" panose="02020603050405020304" pitchFamily="18" charset="0"/>
-                <a:cs typeface="Times New Roman" panose="02020603050405020304" pitchFamily="18" charset="0"/>
-              </a:rPr>
-              <a:t>Tracking</a:t>
-            </a:r>
-            <a:r>
-              <a:rPr lang="en-US" sz="2400" dirty="0">
-                <a:solidFill>
-                  <a:srgbClr val="000000"/>
-                </a:solidFill>
-                <a:latin typeface="Times New Roman" panose="02020603050405020304" pitchFamily="18" charset="0"/>
-                <a:cs typeface="Times New Roman" panose="02020603050405020304" pitchFamily="18" charset="0"/>
-              </a:rPr>
-              <a:t> : Planned to get GPS coordinate form GPS every 10 meters and send its coordinate to the server by put the latitude and longitude of GPS and Driver ID in JSON string and send it by POST request to server. </a:t>
-            </a:r>
-          </a:p>
-        </p:txBody>
-      </p:sp>
-      <p:sp>
-        <p:nvSpPr>
-          <p:cNvPr id="4" name="TextBox 3">
+              <a:t>Q &amp; A</a:t>
+            </a:r>
+          </a:p>
+        </p:txBody>
+      </p:sp>
+      <p:sp>
+        <p:nvSpPr>
+          <p:cNvPr id="3" name="TextBox 2">
             <a:extLst>
               <a:ext uri="{FF2B5EF4-FFF2-40B4-BE49-F238E27FC236}">
-                <a16:creationId xmlns:a16="http://schemas.microsoft.com/office/drawing/2014/main" id="{6803B6BC-C726-418A-B7A8-84B4F8031F87}"/>
+                <a16:creationId xmlns:a16="http://schemas.microsoft.com/office/drawing/2014/main" id="{B205329C-6934-413A-96F7-D99089696014}"/>
               </a:ext>
             </a:extLst>
           </p:cNvPr>
@@ -10075,46 +9426,45 @@
           </a:p>
         </p:txBody>
       </p:sp>
-      <p:pic>
-        <p:nvPicPr>
-          <p:cNvPr id="6" name="Picture 5">
+      <p:sp>
+        <p:nvSpPr>
+          <p:cNvPr id="5" name="TextBox 4">
             <a:extLst>
               <a:ext uri="{FF2B5EF4-FFF2-40B4-BE49-F238E27FC236}">
-                <a16:creationId xmlns:a16="http://schemas.microsoft.com/office/drawing/2014/main" id="{29A8FD6B-E8B2-47D9-91FF-8CD787F3DF9C}"/>
+                <a16:creationId xmlns:a16="http://schemas.microsoft.com/office/drawing/2014/main" id="{21EB215C-60BB-466A-8816-962C01FD0834}"/>
               </a:ext>
             </a:extLst>
           </p:cNvPr>
-          <p:cNvPicPr>
-            <a:picLocks noChangeAspect="1"/>
-          </p:cNvPicPr>
+          <p:cNvSpPr txBox="1"/>
           <p:nvPr/>
-        </p:nvPicPr>
-        <p:blipFill>
-          <a:blip r:embed="rId2" cstate="print">
-            <a:extLst>
-              <a:ext uri="{28A0092B-C50C-407E-A947-70E740481C1C}">
-                <a14:useLocalDpi xmlns:a14="http://schemas.microsoft.com/office/drawing/2010/main" val="0"/>
-              </a:ext>
-            </a:extLst>
-          </a:blip>
-          <a:stretch>
-            <a:fillRect/>
-          </a:stretch>
-        </p:blipFill>
+        </p:nvSpPr>
         <p:spPr>
           <a:xfrm>
-            <a:off x="6167781" y="1325247"/>
-            <a:ext cx="2549777" cy="4207505"/>
+            <a:off x="2291687" y="3290964"/>
+            <a:ext cx="4583372" cy="369332"/>
           </a:xfrm>
           <a:prstGeom prst="rect">
             <a:avLst/>
           </a:prstGeom>
+          <a:noFill/>
         </p:spPr>
-      </p:pic>
+        <p:txBody>
+          <a:bodyPr wrap="square">
+            <a:spAutoFit/>
+          </a:bodyPr>
+          <a:lstStyle/>
+          <a:p>
+            <a:r>
+              <a:rPr lang="en-US" dirty="0"/>
+              <a:t>Q&amp;A</a:t>
+            </a:r>
+          </a:p>
+        </p:txBody>
+      </p:sp>
     </p:spTree>
     <p:extLst>
       <p:ext uri="{BB962C8B-B14F-4D97-AF65-F5344CB8AC3E}">
-        <p14:creationId xmlns:p14="http://schemas.microsoft.com/office/powerpoint/2010/main" val="661377154"/>
+        <p14:creationId xmlns:p14="http://schemas.microsoft.com/office/powerpoint/2010/main" val="3691278593"/>
       </p:ext>
     </p:extLst>
   </p:cSld>
@@ -10143,359 +9493,42 @@
       </p:grpSpPr>
       <p:sp>
         <p:nvSpPr>
-          <p:cNvPr id="2" name="Title 1"/>
-          <p:cNvSpPr>
-            <a:spLocks noGrp="1"/>
-          </p:cNvSpPr>
-          <p:nvPr>
-            <p:ph type="title"/>
-          </p:nvPr>
+          <p:cNvPr id="4" name="TextBox 3"/>
+          <p:cNvSpPr txBox="1"/>
+          <p:nvPr/>
         </p:nvSpPr>
         <p:spPr>
           <a:xfrm>
-            <a:off x="192601" y="236314"/>
-            <a:ext cx="6589199" cy="760190"/>
-          </a:xfrm>
+            <a:off x="2298700" y="2717800"/>
+            <a:ext cx="5589351" cy="1569660"/>
+          </a:xfrm>
+          <a:prstGeom prst="rect">
+            <a:avLst/>
+          </a:prstGeom>
+          <a:noFill/>
         </p:spPr>
         <p:txBody>
-          <a:bodyPr/>
-          <a:lstStyle/>
-          <a:p>
-            <a:r>
-              <a:rPr lang="en-US" b="1" dirty="0"/>
-              <a:t>Taxi booking module</a:t>
-            </a:r>
-          </a:p>
-        </p:txBody>
-      </p:sp>
-      <p:sp>
-        <p:nvSpPr>
-          <p:cNvPr id="5" name="Content Placeholder 4"/>
-          <p:cNvSpPr>
-            <a:spLocks noGrp="1"/>
-          </p:cNvSpPr>
-          <p:nvPr>
-            <p:ph idx="1"/>
-          </p:nvPr>
-        </p:nvSpPr>
-        <p:spPr>
-          <a:xfrm>
-            <a:off x="418697" y="1200740"/>
-            <a:ext cx="5209943" cy="5067979"/>
-          </a:xfrm>
-        </p:spPr>
-        <p:txBody>
-          <a:bodyPr>
-            <a:noAutofit/>
+          <a:bodyPr wrap="none" rtlCol="0">
+            <a:spAutoFit/>
           </a:bodyPr>
           <a:lstStyle/>
           <a:p>
             <a:r>
-              <a:rPr lang="en-US" sz="2400" b="1" dirty="0">
-                <a:solidFill>
-                  <a:srgbClr val="000000"/>
-                </a:solidFill>
+              <a:rPr lang="en-US" sz="9600" dirty="0">
                 <a:latin typeface="Times New Roman" panose="02020603050405020304" pitchFamily="18" charset="0"/>
                 <a:cs typeface="Times New Roman" panose="02020603050405020304" pitchFamily="18" charset="0"/>
               </a:rPr>
-              <a:t>Receive booking</a:t>
-            </a:r>
-            <a:r>
-              <a:rPr lang="en-US" sz="2400" dirty="0">
-                <a:solidFill>
-                  <a:srgbClr val="000000"/>
-                </a:solidFill>
-                <a:latin typeface="Times New Roman" panose="02020603050405020304" pitchFamily="18" charset="0"/>
-                <a:cs typeface="Times New Roman" panose="02020603050405020304" pitchFamily="18" charset="0"/>
-              </a:rPr>
-              <a:t> </a:t>
-            </a:r>
-            <a:r>
-              <a:rPr lang="en-US" sz="2400" b="1" dirty="0">
-                <a:solidFill>
-                  <a:srgbClr val="000000"/>
-                </a:solidFill>
-                <a:latin typeface="Times New Roman" panose="02020603050405020304" pitchFamily="18" charset="0"/>
-                <a:cs typeface="Times New Roman" panose="02020603050405020304" pitchFamily="18" charset="0"/>
-              </a:rPr>
-              <a:t>request</a:t>
-            </a:r>
-            <a:r>
-              <a:rPr lang="en-US" sz="2400" dirty="0">
-                <a:solidFill>
-                  <a:srgbClr val="000000"/>
-                </a:solidFill>
-                <a:latin typeface="Times New Roman" panose="02020603050405020304" pitchFamily="18" charset="0"/>
-                <a:cs typeface="Times New Roman" panose="02020603050405020304" pitchFamily="18" charset="0"/>
-              </a:rPr>
-              <a:t>: This is to make application as a listener to booking request from server, if the application receive request from server the driver can be accept it or reject it in a one minuet or less, if no action from driver then the request will be kill. </a:t>
-            </a:r>
-          </a:p>
-          <a:p>
-            <a:r>
-              <a:rPr lang="en-US" sz="2400" dirty="0">
-                <a:solidFill>
-                  <a:srgbClr val="000000"/>
-                </a:solidFill>
-                <a:latin typeface="Times New Roman" panose="02020603050405020304" pitchFamily="18" charset="0"/>
-                <a:cs typeface="Times New Roman" panose="02020603050405020304" pitchFamily="18" charset="0"/>
-              </a:rPr>
-              <a:t>So, if the driver accept request then the application open the map and set the location of the passenger and Driver on map, so the driver can easy find passenger. </a:t>
-            </a:r>
-          </a:p>
-          <a:p>
-            <a:endParaRPr lang="en-US" sz="2400" dirty="0">
-              <a:solidFill>
-                <a:srgbClr val="000000"/>
-              </a:solidFill>
-              <a:latin typeface="Times New Roman" panose="02020603050405020304" pitchFamily="18" charset="0"/>
-              <a:cs typeface="Times New Roman" panose="02020603050405020304" pitchFamily="18" charset="0"/>
-            </a:endParaRPr>
-          </a:p>
-          <a:p>
-            <a:endParaRPr lang="en-US" sz="2400" dirty="0">
-              <a:solidFill>
-                <a:srgbClr val="000000"/>
-              </a:solidFill>
-              <a:latin typeface="Times New Roman" panose="02020603050405020304" pitchFamily="18" charset="0"/>
-              <a:cs typeface="Times New Roman" panose="02020603050405020304" pitchFamily="18" charset="0"/>
-            </a:endParaRPr>
-          </a:p>
-        </p:txBody>
-      </p:sp>
-      <p:pic>
-        <p:nvPicPr>
-          <p:cNvPr id="8" name="Picture 7"/>
-          <p:cNvPicPr>
-            <a:picLocks noChangeAspect="1"/>
-          </p:cNvPicPr>
-          <p:nvPr/>
-        </p:nvPicPr>
-        <p:blipFill>
-          <a:blip r:embed="rId2" cstate="print">
-            <a:extLst>
-              <a:ext uri="{28A0092B-C50C-407E-A947-70E740481C1C}">
-                <a14:useLocalDpi xmlns:a14="http://schemas.microsoft.com/office/drawing/2010/main" val="0"/>
-              </a:ext>
-            </a:extLst>
-          </a:blip>
-          <a:stretch>
-            <a:fillRect/>
-          </a:stretch>
-        </p:blipFill>
-        <p:spPr>
-          <a:xfrm>
-            <a:off x="5976791" y="3507780"/>
-            <a:ext cx="1887049" cy="3113906"/>
-          </a:xfrm>
-          <a:prstGeom prst="rect">
-            <a:avLst/>
-          </a:prstGeom>
-        </p:spPr>
-      </p:pic>
-      <p:pic>
-        <p:nvPicPr>
-          <p:cNvPr id="6" name="Picture 5">
+              <a:t>Thank You</a:t>
+            </a:r>
+          </a:p>
+        </p:txBody>
+      </p:sp>
+      <p:sp>
+        <p:nvSpPr>
+          <p:cNvPr id="3" name="TextBox 2">
             <a:extLst>
               <a:ext uri="{FF2B5EF4-FFF2-40B4-BE49-F238E27FC236}">
-                <a16:creationId xmlns:a16="http://schemas.microsoft.com/office/drawing/2014/main" id="{EDA94465-C173-4643-8338-8DA869A72E21}"/>
-              </a:ext>
-            </a:extLst>
-          </p:cNvPr>
-          <p:cNvPicPr>
-            <a:picLocks noChangeAspect="1"/>
-          </p:cNvPicPr>
-          <p:nvPr/>
-        </p:nvPicPr>
-        <p:blipFill>
-          <a:blip r:embed="rId3" cstate="print">
-            <a:extLst>
-              <a:ext uri="{28A0092B-C50C-407E-A947-70E740481C1C}">
-                <a14:useLocalDpi xmlns:a14="http://schemas.microsoft.com/office/drawing/2010/main" val="0"/>
-              </a:ext>
-            </a:extLst>
-          </a:blip>
-          <a:stretch>
-            <a:fillRect/>
-          </a:stretch>
-        </p:blipFill>
-        <p:spPr>
-          <a:xfrm>
-            <a:off x="5976791" y="236314"/>
-            <a:ext cx="1824229" cy="3010245"/>
-          </a:xfrm>
-          <a:prstGeom prst="rect">
-            <a:avLst/>
-          </a:prstGeom>
-        </p:spPr>
-      </p:pic>
-    </p:spTree>
-    <p:extLst>
-      <p:ext uri="{BB962C8B-B14F-4D97-AF65-F5344CB8AC3E}">
-        <p14:creationId xmlns:p14="http://schemas.microsoft.com/office/powerpoint/2010/main" val="3788746967"/>
-      </p:ext>
-    </p:extLst>
-  </p:cSld>
-  <p:clrMapOvr>
-    <a:masterClrMapping/>
-  </p:clrMapOvr>
-</p:sld>
-</file>
-
-<file path=ppt/slides/slide17.xml><?xml version="1.0" encoding="utf-8"?>
-<p:sld xmlns:a="http://schemas.openxmlformats.org/drawingml/2006/main" xmlns:r="http://schemas.openxmlformats.org/officeDocument/2006/relationships" xmlns:p="http://schemas.openxmlformats.org/presentationml/2006/main" showMasterSp="0">
-  <p:cSld>
-    <p:spTree>
-      <p:nvGrpSpPr>
-        <p:cNvPr id="1" name=""/>
-        <p:cNvGrpSpPr/>
-        <p:nvPr/>
-      </p:nvGrpSpPr>
-      <p:grpSpPr>
-        <a:xfrm>
-          <a:off x="0" y="0"/>
-          <a:ext cx="0" cy="0"/>
-          <a:chOff x="0" y="0"/>
-          <a:chExt cx="0" cy="0"/>
-        </a:xfrm>
-      </p:grpSpPr>
-      <p:sp>
-        <p:nvSpPr>
-          <p:cNvPr id="2" name="Title 1"/>
-          <p:cNvSpPr>
-            <a:spLocks noGrp="1"/>
-          </p:cNvSpPr>
-          <p:nvPr>
-            <p:ph type="title"/>
-          </p:nvPr>
-        </p:nvSpPr>
-        <p:spPr>
-          <a:xfrm>
-            <a:off x="159581" y="116785"/>
-            <a:ext cx="8242739" cy="1280890"/>
-          </a:xfrm>
-        </p:spPr>
-        <p:txBody>
-          <a:bodyPr/>
-          <a:lstStyle/>
-          <a:p>
-            <a:r>
-              <a:rPr lang="en-US" b="1" dirty="0"/>
-              <a:t>User Web App</a:t>
-            </a:r>
-          </a:p>
-        </p:txBody>
-      </p:sp>
-      <p:sp>
-        <p:nvSpPr>
-          <p:cNvPr id="3" name="Content Placeholder 2"/>
-          <p:cNvSpPr>
-            <a:spLocks noGrp="1"/>
-          </p:cNvSpPr>
-          <p:nvPr>
-            <p:ph idx="1"/>
-          </p:nvPr>
-        </p:nvSpPr>
-        <p:spPr>
-          <a:xfrm>
-            <a:off x="159581" y="929153"/>
-            <a:ext cx="6129459" cy="5812061"/>
-          </a:xfrm>
-        </p:spPr>
-        <p:txBody>
-          <a:bodyPr>
-            <a:noAutofit/>
-          </a:bodyPr>
-          <a:lstStyle/>
-          <a:p>
-            <a:r>
-              <a:rPr lang="en-US" sz="2400" dirty="0">
-                <a:latin typeface="Times New Roman" panose="02020603050405020304" pitchFamily="18" charset="0"/>
-                <a:cs typeface="Times New Roman" panose="02020603050405020304" pitchFamily="18" charset="0"/>
-              </a:rPr>
-              <a:t>The main function in this application is allow the user  to booking taxi via Web/Mobile App [ Mobile not in scope now].</a:t>
-            </a:r>
-          </a:p>
-          <a:p>
-            <a:r>
-              <a:rPr lang="en-US" sz="2400" dirty="0">
-                <a:latin typeface="Times New Roman" panose="02020603050405020304" pitchFamily="18" charset="0"/>
-                <a:cs typeface="Times New Roman" panose="02020603050405020304" pitchFamily="18" charset="0"/>
-              </a:rPr>
-              <a:t>when you start application you can see all taxi near to you in the web page.</a:t>
-            </a:r>
-          </a:p>
-          <a:p>
-            <a:r>
-              <a:rPr lang="en-US" sz="2400" dirty="0">
-                <a:latin typeface="Times New Roman" panose="02020603050405020304" pitchFamily="18" charset="0"/>
-                <a:cs typeface="Times New Roman" panose="02020603050405020304" pitchFamily="18" charset="0"/>
-              </a:rPr>
-              <a:t>Other case when user provide source and destination locations User can select Taxi type via booking  API</a:t>
-            </a:r>
-          </a:p>
-          <a:p>
-            <a:r>
-              <a:rPr lang="en-US" sz="2400" dirty="0">
-                <a:latin typeface="Times New Roman" panose="02020603050405020304" pitchFamily="18" charset="0"/>
-                <a:cs typeface="Times New Roman" panose="02020603050405020304" pitchFamily="18" charset="0"/>
-              </a:rPr>
-              <a:t>Currently we built a small Web GUI to demonstrate Registration and Taxi Locations</a:t>
-            </a:r>
-          </a:p>
-          <a:p>
-            <a:r>
-              <a:rPr lang="en-US" sz="2400" dirty="0">
-                <a:latin typeface="Times New Roman" panose="02020603050405020304" pitchFamily="18" charset="0"/>
-                <a:cs typeface="Times New Roman" panose="02020603050405020304" pitchFamily="18" charset="0"/>
-              </a:rPr>
-              <a:t>When the use did a  successful  booking taxi from server we can show on map the  location and driver location who accept your request</a:t>
-            </a:r>
-          </a:p>
-          <a:p>
-            <a:endParaRPr lang="en-US" sz="2400" dirty="0">
-              <a:latin typeface="Times New Roman" panose="02020603050405020304" pitchFamily="18" charset="0"/>
-              <a:cs typeface="Times New Roman" panose="02020603050405020304" pitchFamily="18" charset="0"/>
-            </a:endParaRPr>
-          </a:p>
-        </p:txBody>
-      </p:sp>
-      <p:pic>
-        <p:nvPicPr>
-          <p:cNvPr id="5" name="Picture 4"/>
-          <p:cNvPicPr>
-            <a:picLocks noChangeAspect="1"/>
-          </p:cNvPicPr>
-          <p:nvPr/>
-        </p:nvPicPr>
-        <p:blipFill>
-          <a:blip r:embed="rId2" cstate="print">
-            <a:extLst>
-              <a:ext uri="{28A0092B-C50C-407E-A947-70E740481C1C}">
-                <a14:useLocalDpi xmlns:a14="http://schemas.microsoft.com/office/drawing/2010/main" val="0"/>
-              </a:ext>
-            </a:extLst>
-          </a:blip>
-          <a:stretch>
-            <a:fillRect/>
-          </a:stretch>
-        </p:blipFill>
-        <p:spPr>
-          <a:xfrm>
-            <a:off x="6562208" y="497840"/>
-            <a:ext cx="2581792" cy="4907280"/>
-          </a:xfrm>
-          <a:prstGeom prst="rect">
-            <a:avLst/>
-          </a:prstGeom>
-        </p:spPr>
-      </p:pic>
-      <p:sp>
-        <p:nvSpPr>
-          <p:cNvPr id="6" name="TextBox 5">
-            <a:extLst>
-              <a:ext uri="{FF2B5EF4-FFF2-40B4-BE49-F238E27FC236}">
-                <a16:creationId xmlns:a16="http://schemas.microsoft.com/office/drawing/2014/main" id="{E28556D3-0C28-47B1-BA27-78F1E7C45203}"/>
+                <a16:creationId xmlns:a16="http://schemas.microsoft.com/office/drawing/2014/main" id="{B205329C-6934-413A-96F7-D99089696014}"/>
               </a:ext>
             </a:extLst>
           </p:cNvPr>
@@ -10528,270 +9561,22 @@
           </a:p>
         </p:txBody>
       </p:sp>
-    </p:spTree>
-    <p:extLst>
-      <p:ext uri="{BB962C8B-B14F-4D97-AF65-F5344CB8AC3E}">
-        <p14:creationId xmlns:p14="http://schemas.microsoft.com/office/powerpoint/2010/main" val="491997646"/>
-      </p:ext>
-    </p:extLst>
-  </p:cSld>
-  <p:clrMapOvr>
-    <a:masterClrMapping/>
-  </p:clrMapOvr>
-</p:sld>
-</file>
-
-<file path=ppt/slides/slide18.xml><?xml version="1.0" encoding="utf-8"?>
-<p:sld xmlns:a="http://schemas.openxmlformats.org/drawingml/2006/main" xmlns:r="http://schemas.openxmlformats.org/officeDocument/2006/relationships" xmlns:p="http://schemas.openxmlformats.org/presentationml/2006/main" showMasterSp="0">
-  <p:cSld>
-    <p:spTree>
-      <p:nvGrpSpPr>
-        <p:cNvPr id="1" name=""/>
-        <p:cNvGrpSpPr/>
-        <p:nvPr/>
-      </p:nvGrpSpPr>
-      <p:grpSpPr>
-        <a:xfrm>
-          <a:off x="0" y="0"/>
-          <a:ext cx="0" cy="0"/>
-          <a:chOff x="0" y="0"/>
-          <a:chExt cx="0" cy="0"/>
-        </a:xfrm>
-      </p:grpSpPr>
-      <p:sp>
-        <p:nvSpPr>
-          <p:cNvPr id="2" name="Title 1"/>
-          <p:cNvSpPr>
-            <a:spLocks noGrp="1"/>
-          </p:cNvSpPr>
-          <p:nvPr>
-            <p:ph type="title"/>
-          </p:nvPr>
+      <p:sp>
+        <p:nvSpPr>
+          <p:cNvPr id="5" name="TextBox 4">
+            <a:extLst>
+              <a:ext uri="{FF2B5EF4-FFF2-40B4-BE49-F238E27FC236}">
+                <a16:creationId xmlns:a16="http://schemas.microsoft.com/office/drawing/2014/main" id="{21EB215C-60BB-466A-8816-962C01FD0834}"/>
+              </a:ext>
+            </a:extLst>
+          </p:cNvPr>
+          <p:cNvSpPr txBox="1"/>
+          <p:nvPr/>
         </p:nvSpPr>
         <p:spPr>
           <a:xfrm>
-            <a:off x="289560" y="174165"/>
-            <a:ext cx="7137400" cy="899890"/>
-          </a:xfrm>
-        </p:spPr>
-        <p:txBody>
-          <a:bodyPr/>
-          <a:lstStyle/>
-          <a:p>
-            <a:r>
-              <a:rPr lang="en-US" b="1" dirty="0">
-                <a:latin typeface="Times New Roman" panose="02020603050405020304" pitchFamily="18" charset="0"/>
-                <a:cs typeface="Times New Roman" panose="02020603050405020304" pitchFamily="18" charset="0"/>
-              </a:rPr>
-              <a:t>User/Taxi Registration Flow</a:t>
-            </a:r>
-          </a:p>
-        </p:txBody>
-      </p:sp>
-      <p:sp>
-        <p:nvSpPr>
-          <p:cNvPr id="9" name="Rectangle 3"/>
-          <p:cNvSpPr>
-            <a:spLocks noChangeArrowheads="1"/>
-          </p:cNvSpPr>
-          <p:nvPr/>
-        </p:nvSpPr>
-        <p:spPr bwMode="auto">
-          <a:xfrm>
-            <a:off x="476250" y="1489502"/>
-            <a:ext cx="5353050" cy="830997"/>
-          </a:xfrm>
-          <a:prstGeom prst="rect">
-            <a:avLst/>
-          </a:prstGeom>
-          <a:noFill/>
-          <a:ln>
-            <a:noFill/>
-          </a:ln>
-          <a:effectLst/>
-          <a:extLst>
-            <a:ext uri="{909E8E84-426E-40DD-AFC4-6F175D3DCCD1}">
-              <a14:hiddenFill xmlns:a14="http://schemas.microsoft.com/office/drawing/2010/main">
-                <a:solidFill>
-                  <a:schemeClr val="accent1"/>
-                </a:solidFill>
-              </a14:hiddenFill>
-            </a:ext>
-            <a:ext uri="{91240B29-F687-4F45-9708-019B960494DF}">
-              <a14:hiddenLine xmlns:a14="http://schemas.microsoft.com/office/drawing/2010/main" w="9525">
-                <a:solidFill>
-                  <a:schemeClr val="tx1"/>
-                </a:solidFill>
-                <a:miter lim="800000"/>
-                <a:headEnd/>
-                <a:tailEnd/>
-              </a14:hiddenLine>
-            </a:ext>
-            <a:ext uri="{AF507438-7753-43E0-B8FC-AC1667EBCBE1}">
-              <a14:hiddenEffects xmlns:a14="http://schemas.microsoft.com/office/drawing/2010/main">
-                <a:effectLst>
-                  <a:outerShdw dist="35921" dir="2700000" algn="ctr" rotWithShape="0">
-                    <a:schemeClr val="bg2"/>
-                  </a:outerShdw>
-                </a:effectLst>
-              </a14:hiddenEffects>
-            </a:ext>
-          </a:extLst>
-        </p:spPr>
-        <p:txBody>
-          <a:bodyPr vert="horz" wrap="square" lIns="91440" tIns="45720" rIns="91440" bIns="45720" numCol="1" anchor="ctr" anchorCtr="0" compatLnSpc="1">
-            <a:prstTxWarp prst="textNoShape">
-              <a:avLst/>
-            </a:prstTxWarp>
-            <a:spAutoFit/>
-          </a:bodyPr>
-          <a:lstStyle/>
-          <a:p>
-            <a:pPr marL="0" marR="0" lvl="0" indent="0" algn="l" defTabSz="914400" rtl="0" eaLnBrk="0" fontAlgn="base" latinLnBrk="0" hangingPunct="0">
-              <a:lnSpc>
-                <a:spcPct val="100000"/>
-              </a:lnSpc>
-              <a:spcBef>
-                <a:spcPct val="0"/>
-              </a:spcBef>
-              <a:spcAft>
-                <a:spcPct val="0"/>
-              </a:spcAft>
-              <a:buClrTx/>
-              <a:buSzTx/>
-              <a:buFontTx/>
-              <a:buNone/>
-              <a:tabLst/>
-            </a:pPr>
-            <a:r>
-              <a:rPr kumimoji="0" lang="en-US" sz="2400" b="1" i="0" u="none" strike="noStrike" cap="none" normalizeH="0" baseline="0" dirty="0">
-                <a:ln>
-                  <a:noFill/>
-                </a:ln>
-                <a:solidFill>
-                  <a:srgbClr val="00B0F0"/>
-                </a:solidFill>
-                <a:effectLst/>
-                <a:latin typeface="Times New Roman" panose="02020603050405020304" pitchFamily="18" charset="0"/>
-                <a:ea typeface="Calibri" panose="020F0502020204030204" pitchFamily="34" charset="0"/>
-                <a:cs typeface="Times New Roman" panose="02020603050405020304" pitchFamily="18" charset="0"/>
-              </a:rPr>
-              <a:t>1.</a:t>
-            </a:r>
-            <a:r>
-              <a:rPr kumimoji="0" lang="en-US" sz="2400" b="0" i="0" u="none" strike="noStrike" cap="none" normalizeH="0" baseline="0" dirty="0">
-                <a:ln>
-                  <a:noFill/>
-                </a:ln>
-                <a:solidFill>
-                  <a:srgbClr val="00B0F0"/>
-                </a:solidFill>
-                <a:effectLst/>
-                <a:latin typeface="Times New Roman" panose="02020603050405020304" pitchFamily="18" charset="0"/>
-                <a:ea typeface="Calibri" panose="020F0502020204030204" pitchFamily="34" charset="0"/>
-                <a:cs typeface="Times New Roman" panose="02020603050405020304" pitchFamily="18" charset="0"/>
-              </a:rPr>
-              <a:t> </a:t>
-            </a:r>
-            <a:r>
-              <a:rPr kumimoji="0" lang="en-US" sz="2400" b="0" i="0" u="none" strike="noStrike" cap="none" normalizeH="0" baseline="0" dirty="0">
-                <a:ln>
-                  <a:noFill/>
-                </a:ln>
-                <a:solidFill>
-                  <a:schemeClr val="tx1"/>
-                </a:solidFill>
-                <a:effectLst/>
-                <a:latin typeface="Times New Roman" panose="02020603050405020304" pitchFamily="18" charset="0"/>
-                <a:ea typeface="Calibri" panose="020F0502020204030204" pitchFamily="34" charset="0"/>
-                <a:cs typeface="Times New Roman" panose="02020603050405020304" pitchFamily="18" charset="0"/>
-              </a:rPr>
-              <a:t>First register device sends </a:t>
-            </a:r>
-            <a:r>
-              <a:rPr kumimoji="0" lang="en-US" sz="2400" b="1" i="0" u="none" strike="noStrike" cap="none" normalizeH="0" baseline="0" dirty="0">
-                <a:ln>
-                  <a:noFill/>
-                </a:ln>
-                <a:solidFill>
-                  <a:schemeClr val="tx1"/>
-                </a:solidFill>
-                <a:effectLst/>
-                <a:latin typeface="Times New Roman" panose="02020603050405020304" pitchFamily="18" charset="0"/>
-                <a:ea typeface="Calibri" panose="020F0502020204030204" pitchFamily="34" charset="0"/>
-                <a:cs typeface="Times New Roman" panose="02020603050405020304" pitchFamily="18" charset="0"/>
-              </a:rPr>
-              <a:t>user id</a:t>
-            </a:r>
-            <a:r>
-              <a:rPr kumimoji="0" lang="en-US" sz="2400" b="0" i="0" u="none" strike="noStrike" cap="none" normalizeH="0" baseline="0" dirty="0">
-                <a:ln>
-                  <a:noFill/>
-                </a:ln>
-                <a:solidFill>
-                  <a:schemeClr val="tx1"/>
-                </a:solidFill>
-                <a:effectLst/>
-                <a:latin typeface="Times New Roman" panose="02020603050405020304" pitchFamily="18" charset="0"/>
-                <a:ea typeface="Calibri" panose="020F0502020204030204" pitchFamily="34" charset="0"/>
-                <a:cs typeface="Times New Roman" panose="02020603050405020304" pitchFamily="18" charset="0"/>
-              </a:rPr>
-              <a:t>, </a:t>
-            </a:r>
-            <a:r>
-              <a:rPr kumimoji="0" lang="en-US" sz="2400" b="1" i="0" u="none" strike="noStrike" cap="none" normalizeH="0" baseline="0" dirty="0">
-                <a:ln>
-                  <a:noFill/>
-                </a:ln>
-                <a:solidFill>
-                  <a:schemeClr val="tx1"/>
-                </a:solidFill>
-                <a:effectLst/>
-                <a:latin typeface="Times New Roman" panose="02020603050405020304" pitchFamily="18" charset="0"/>
-                <a:ea typeface="Calibri" panose="020F0502020204030204" pitchFamily="34" charset="0"/>
-                <a:cs typeface="Times New Roman" panose="02020603050405020304" pitchFamily="18" charset="0"/>
-              </a:rPr>
-              <a:t>location id</a:t>
-            </a:r>
-            <a:r>
-              <a:rPr kumimoji="0" lang="en-US" sz="2400" b="0" i="0" u="none" strike="noStrike" cap="none" normalizeH="0" baseline="0" dirty="0">
-                <a:ln>
-                  <a:noFill/>
-                </a:ln>
-                <a:solidFill>
-                  <a:schemeClr val="tx1"/>
-                </a:solidFill>
-                <a:effectLst/>
-                <a:latin typeface="Times New Roman" panose="02020603050405020304" pitchFamily="18" charset="0"/>
-                <a:ea typeface="Calibri" panose="020F0502020204030204" pitchFamily="34" charset="0"/>
-                <a:cs typeface="Times New Roman" panose="02020603050405020304" pitchFamily="18" charset="0"/>
-              </a:rPr>
-              <a:t> to System for registration.</a:t>
-            </a:r>
-            <a:endParaRPr kumimoji="0" lang="en-US" sz="2400" b="0" i="0" u="none" strike="noStrike" cap="none" normalizeH="0" baseline="0" dirty="0">
-              <a:ln>
-                <a:noFill/>
-              </a:ln>
-              <a:solidFill>
-                <a:schemeClr val="tx1"/>
-              </a:solidFill>
-              <a:effectLst/>
-              <a:latin typeface="Times New Roman" panose="02020603050405020304" pitchFamily="18" charset="0"/>
-              <a:cs typeface="Times New Roman" panose="02020603050405020304" pitchFamily="18" charset="0"/>
-            </a:endParaRPr>
-          </a:p>
-        </p:txBody>
-      </p:sp>
-      <p:sp>
-        <p:nvSpPr>
-          <p:cNvPr id="12" name="TextBox 11"/>
-          <p:cNvSpPr txBox="1"/>
-          <p:nvPr/>
-        </p:nvSpPr>
-        <p:spPr>
-          <a:xfrm>
-            <a:off x="476250" y="2505165"/>
-            <a:ext cx="5645150" cy="3785652"/>
+            <a:off x="2291687" y="3290964"/>
+            <a:ext cx="4583372" cy="369332"/>
           </a:xfrm>
           <a:prstGeom prst="rect">
             <a:avLst/>
@@ -10799,368 +9584,14 @@
           <a:noFill/>
         </p:spPr>
         <p:txBody>
-          <a:bodyPr wrap="square" rtlCol="0">
+          <a:bodyPr wrap="square">
             <a:spAutoFit/>
           </a:bodyPr>
           <a:lstStyle/>
           <a:p>
-            <a:pPr lvl="0" eaLnBrk="0" fontAlgn="base" hangingPunct="0">
-              <a:spcBef>
-                <a:spcPct val="0"/>
-              </a:spcBef>
-              <a:spcAft>
-                <a:spcPct val="0"/>
-              </a:spcAft>
-            </a:pPr>
-            <a:r>
-              <a:rPr kumimoji="0" lang="en-US" sz="2400" b="1" i="0" u="none" strike="noStrike" cap="none" normalizeH="0" baseline="0" dirty="0">
-                <a:ln>
-                  <a:noFill/>
-                </a:ln>
-                <a:solidFill>
-                  <a:srgbClr val="FFC000"/>
-                </a:solidFill>
-                <a:effectLst/>
-                <a:latin typeface="Times New Roman" panose="02020603050405020304" pitchFamily="18" charset="0"/>
-                <a:ea typeface="Calibri" panose="020F0502020204030204" pitchFamily="34" charset="0"/>
-                <a:cs typeface="Times New Roman" panose="02020603050405020304" pitchFamily="18" charset="0"/>
-              </a:rPr>
-              <a:t>2.</a:t>
-            </a:r>
-            <a:r>
-              <a:rPr kumimoji="0" lang="en-US" sz="2400" b="0" i="0" u="none" strike="noStrike" cap="none" normalizeH="0" baseline="0" dirty="0">
-                <a:ln>
-                  <a:noFill/>
-                </a:ln>
-                <a:solidFill>
-                  <a:schemeClr val="tx1"/>
-                </a:solidFill>
-                <a:effectLst/>
-                <a:latin typeface="Times New Roman" panose="02020603050405020304" pitchFamily="18" charset="0"/>
-                <a:ea typeface="Calibri" panose="020F0502020204030204" pitchFamily="34" charset="0"/>
-                <a:cs typeface="Times New Roman" panose="02020603050405020304" pitchFamily="18" charset="0"/>
-              </a:rPr>
-              <a:t> upon successful registration server        issues </a:t>
-            </a:r>
-            <a:r>
-              <a:rPr kumimoji="0" lang="en-US" sz="2400" b="1" i="0" u="none" strike="noStrike" cap="none" normalizeH="0" baseline="0" dirty="0">
-                <a:ln>
-                  <a:noFill/>
-                </a:ln>
-                <a:solidFill>
-                  <a:schemeClr val="tx1"/>
-                </a:solidFill>
-                <a:effectLst/>
-                <a:latin typeface="Times New Roman" panose="02020603050405020304" pitchFamily="18" charset="0"/>
-                <a:ea typeface="Calibri" panose="020F0502020204030204" pitchFamily="34" charset="0"/>
-                <a:cs typeface="Times New Roman" panose="02020603050405020304" pitchFamily="18" charset="0"/>
-              </a:rPr>
-              <a:t>registration id</a:t>
-            </a:r>
-            <a:r>
-              <a:rPr kumimoji="0" lang="en-US" sz="2400" b="0" i="0" u="none" strike="noStrike" cap="none" normalizeH="0" baseline="0" dirty="0">
-                <a:ln>
-                  <a:noFill/>
-                </a:ln>
-                <a:solidFill>
-                  <a:schemeClr val="tx1"/>
-                </a:solidFill>
-                <a:effectLst/>
-                <a:latin typeface="Times New Roman" panose="02020603050405020304" pitchFamily="18" charset="0"/>
-                <a:ea typeface="Calibri" panose="020F0502020204030204" pitchFamily="34" charset="0"/>
-                <a:cs typeface="Times New Roman" panose="02020603050405020304" pitchFamily="18" charset="0"/>
-              </a:rPr>
-              <a:t> to user web app.</a:t>
-            </a:r>
-          </a:p>
-          <a:p>
-            <a:pPr lvl="0" eaLnBrk="0" fontAlgn="base" hangingPunct="0">
-              <a:spcBef>
-                <a:spcPct val="0"/>
-              </a:spcBef>
-              <a:spcAft>
-                <a:spcPct val="0"/>
-              </a:spcAft>
-            </a:pPr>
-            <a:endParaRPr kumimoji="0" lang="en-US" sz="2400" b="0" i="0" u="none" strike="noStrike" cap="none" normalizeH="0" baseline="0" dirty="0">
-              <a:ln>
-                <a:noFill/>
-              </a:ln>
-              <a:solidFill>
-                <a:schemeClr val="tx1"/>
-              </a:solidFill>
-              <a:effectLst/>
-              <a:latin typeface="Times New Roman" panose="02020603050405020304" pitchFamily="18" charset="0"/>
-              <a:cs typeface="Times New Roman" panose="02020603050405020304" pitchFamily="18" charset="0"/>
-            </a:endParaRPr>
-          </a:p>
-          <a:p>
-            <a:pPr lvl="0" eaLnBrk="0" fontAlgn="base" hangingPunct="0">
-              <a:spcBef>
-                <a:spcPct val="0"/>
-              </a:spcBef>
-              <a:spcAft>
-                <a:spcPct val="0"/>
-              </a:spcAft>
-            </a:pPr>
-            <a:r>
-              <a:rPr kumimoji="0" lang="en-US" sz="2400" b="1" i="0" u="none" strike="noStrike" cap="none" normalizeH="0" baseline="0" dirty="0">
-                <a:ln>
-                  <a:noFill/>
-                </a:ln>
-                <a:solidFill>
-                  <a:srgbClr val="00B050"/>
-                </a:solidFill>
-                <a:effectLst/>
-                <a:latin typeface="Times New Roman" panose="02020603050405020304" pitchFamily="18" charset="0"/>
-                <a:ea typeface="Calibri" panose="020F0502020204030204" pitchFamily="34" charset="0"/>
-                <a:cs typeface="Times New Roman" panose="02020603050405020304" pitchFamily="18" charset="0"/>
-              </a:rPr>
-              <a:t>3.</a:t>
-            </a:r>
-            <a:r>
-              <a:rPr kumimoji="0" lang="en-US" sz="2400" b="0" i="0" u="none" strike="noStrike" cap="none" normalizeH="0" baseline="0" dirty="0">
-                <a:ln>
-                  <a:noFill/>
-                </a:ln>
-                <a:solidFill>
-                  <a:schemeClr val="tx1"/>
-                </a:solidFill>
-                <a:effectLst/>
-                <a:latin typeface="Times New Roman" panose="02020603050405020304" pitchFamily="18" charset="0"/>
-                <a:ea typeface="Calibri" panose="020F0502020204030204" pitchFamily="34" charset="0"/>
-                <a:cs typeface="Times New Roman" panose="02020603050405020304" pitchFamily="18" charset="0"/>
-              </a:rPr>
-              <a:t> After receiving registration id, device will send </a:t>
-            </a:r>
-            <a:r>
-              <a:rPr kumimoji="0" lang="en-US" sz="2400" b="1" i="0" u="none" strike="noStrike" cap="none" normalizeH="0" baseline="0" dirty="0">
-                <a:ln>
-                  <a:noFill/>
-                </a:ln>
-                <a:solidFill>
-                  <a:schemeClr val="tx1"/>
-                </a:solidFill>
-                <a:effectLst/>
-                <a:latin typeface="Times New Roman" panose="02020603050405020304" pitchFamily="18" charset="0"/>
-                <a:ea typeface="Calibri" panose="020F0502020204030204" pitchFamily="34" charset="0"/>
-                <a:cs typeface="Times New Roman" panose="02020603050405020304" pitchFamily="18" charset="0"/>
-              </a:rPr>
-              <a:t>registration id</a:t>
-            </a:r>
-            <a:r>
-              <a:rPr kumimoji="0" lang="en-US" sz="2400" b="0" i="0" u="none" strike="noStrike" cap="none" normalizeH="0" baseline="0" dirty="0">
-                <a:ln>
-                  <a:noFill/>
-                </a:ln>
-                <a:solidFill>
-                  <a:schemeClr val="tx1"/>
-                </a:solidFill>
-                <a:effectLst/>
-                <a:latin typeface="Times New Roman" panose="02020603050405020304" pitchFamily="18" charset="0"/>
-                <a:ea typeface="Calibri" panose="020F0502020204030204" pitchFamily="34" charset="0"/>
-                <a:cs typeface="Times New Roman" panose="02020603050405020304" pitchFamily="18" charset="0"/>
-              </a:rPr>
-              <a:t> to our server.</a:t>
-            </a:r>
-          </a:p>
-          <a:p>
-            <a:pPr lvl="0" eaLnBrk="0" fontAlgn="base" hangingPunct="0">
-              <a:spcBef>
-                <a:spcPct val="0"/>
-              </a:spcBef>
-              <a:spcAft>
-                <a:spcPct val="0"/>
-              </a:spcAft>
-            </a:pPr>
-            <a:endParaRPr kumimoji="0" lang="en-US" sz="2400" b="0" i="0" u="none" strike="noStrike" cap="none" normalizeH="0" baseline="0" dirty="0">
-              <a:ln>
-                <a:noFill/>
-              </a:ln>
-              <a:solidFill>
-                <a:schemeClr val="tx1"/>
-              </a:solidFill>
-              <a:effectLst/>
-              <a:latin typeface="Times New Roman" panose="02020603050405020304" pitchFamily="18" charset="0"/>
-              <a:cs typeface="Times New Roman" panose="02020603050405020304" pitchFamily="18" charset="0"/>
-            </a:endParaRPr>
-          </a:p>
-          <a:p>
-            <a:pPr lvl="0" eaLnBrk="0" fontAlgn="base" hangingPunct="0">
-              <a:spcBef>
-                <a:spcPct val="0"/>
-              </a:spcBef>
-              <a:spcAft>
-                <a:spcPct val="0"/>
-              </a:spcAft>
-            </a:pPr>
-            <a:r>
-              <a:rPr kumimoji="0" lang="en-US" sz="2400" b="1" i="0" u="none" strike="noStrike" cap="none" normalizeH="0" baseline="0" dirty="0">
-                <a:ln>
-                  <a:noFill/>
-                </a:ln>
-                <a:solidFill>
-                  <a:srgbClr val="833C0B"/>
-                </a:solidFill>
-                <a:effectLst/>
-                <a:latin typeface="Times New Roman" panose="02020603050405020304" pitchFamily="18" charset="0"/>
-                <a:ea typeface="Calibri" panose="020F0502020204030204" pitchFamily="34" charset="0"/>
-                <a:cs typeface="Times New Roman" panose="02020603050405020304" pitchFamily="18" charset="0"/>
-              </a:rPr>
-              <a:t>4.</a:t>
-            </a:r>
-            <a:r>
-              <a:rPr kumimoji="0" lang="en-US" sz="2400" b="0" i="0" u="none" strike="noStrike" cap="none" normalizeH="0" baseline="0" dirty="0">
-                <a:ln>
-                  <a:noFill/>
-                </a:ln>
-                <a:solidFill>
-                  <a:schemeClr val="tx1"/>
-                </a:solidFill>
-                <a:effectLst/>
-                <a:latin typeface="Times New Roman" panose="02020603050405020304" pitchFamily="18" charset="0"/>
-                <a:ea typeface="Calibri" panose="020F0502020204030204" pitchFamily="34" charset="0"/>
-                <a:cs typeface="Times New Roman" panose="02020603050405020304" pitchFamily="18" charset="0"/>
-              </a:rPr>
-              <a:t> Our server will store </a:t>
-            </a:r>
-            <a:r>
-              <a:rPr kumimoji="0" lang="en-US" sz="2400" b="1" i="0" u="none" strike="noStrike" cap="none" normalizeH="0" baseline="0" dirty="0">
-                <a:ln>
-                  <a:noFill/>
-                </a:ln>
-                <a:solidFill>
-                  <a:schemeClr val="tx1"/>
-                </a:solidFill>
-                <a:effectLst/>
-                <a:latin typeface="Times New Roman" panose="02020603050405020304" pitchFamily="18" charset="0"/>
-                <a:ea typeface="Calibri" panose="020F0502020204030204" pitchFamily="34" charset="0"/>
-                <a:cs typeface="Times New Roman" panose="02020603050405020304" pitchFamily="18" charset="0"/>
-              </a:rPr>
-              <a:t>registration id</a:t>
-            </a:r>
-          </a:p>
-          <a:p>
-            <a:pPr lvl="0" eaLnBrk="0" fontAlgn="base" hangingPunct="0">
-              <a:spcBef>
-                <a:spcPct val="0"/>
-              </a:spcBef>
-              <a:spcAft>
-                <a:spcPct val="0"/>
-              </a:spcAft>
-            </a:pPr>
-            <a:r>
-              <a:rPr kumimoji="0" lang="en-US" sz="2400" b="0" i="0" u="none" strike="noStrike" cap="none" normalizeH="0" baseline="0" dirty="0">
-                <a:ln>
-                  <a:noFill/>
-                </a:ln>
-                <a:solidFill>
-                  <a:schemeClr val="tx1"/>
-                </a:solidFill>
-                <a:effectLst/>
-                <a:latin typeface="Times New Roman" panose="02020603050405020304" pitchFamily="18" charset="0"/>
-                <a:ea typeface="Calibri" panose="020F0502020204030204" pitchFamily="34" charset="0"/>
-                <a:cs typeface="Times New Roman" panose="02020603050405020304" pitchFamily="18" charset="0"/>
-              </a:rPr>
-              <a:t> in the </a:t>
-            </a:r>
-            <a:r>
-              <a:rPr kumimoji="0" lang="en-US" sz="2400" b="1" i="0" u="none" strike="noStrike" cap="none" normalizeH="0" baseline="0" dirty="0">
-                <a:ln>
-                  <a:noFill/>
-                </a:ln>
-                <a:solidFill>
-                  <a:schemeClr val="tx1"/>
-                </a:solidFill>
-                <a:effectLst/>
-                <a:latin typeface="Times New Roman" panose="02020603050405020304" pitchFamily="18" charset="0"/>
-                <a:ea typeface="Calibri" panose="020F0502020204030204" pitchFamily="34" charset="0"/>
-                <a:cs typeface="Times New Roman" panose="02020603050405020304" pitchFamily="18" charset="0"/>
-              </a:rPr>
-              <a:t>database</a:t>
-            </a:r>
-            <a:r>
-              <a:rPr kumimoji="0" lang="en-US" sz="2400" b="0" i="0" u="none" strike="noStrike" cap="none" normalizeH="0" baseline="0" dirty="0">
-                <a:ln>
-                  <a:noFill/>
-                </a:ln>
-                <a:solidFill>
-                  <a:schemeClr val="tx1"/>
-                </a:solidFill>
-                <a:effectLst/>
-                <a:latin typeface="Times New Roman" panose="02020603050405020304" pitchFamily="18" charset="0"/>
-                <a:ea typeface="Calibri" panose="020F0502020204030204" pitchFamily="34" charset="0"/>
-                <a:cs typeface="Times New Roman" panose="02020603050405020304" pitchFamily="18" charset="0"/>
-              </a:rPr>
-              <a:t> for later</a:t>
-            </a:r>
-            <a:r>
-              <a:rPr kumimoji="0" lang="en-US" sz="2400" b="0" i="0" u="none" strike="noStrike" cap="none" normalizeH="0" dirty="0">
-                <a:ln>
-                  <a:noFill/>
-                </a:ln>
-                <a:solidFill>
-                  <a:schemeClr val="tx1"/>
-                </a:solidFill>
-                <a:effectLst/>
-                <a:latin typeface="Times New Roman" panose="02020603050405020304" pitchFamily="18" charset="0"/>
-                <a:ea typeface="Calibri" panose="020F0502020204030204" pitchFamily="34" charset="0"/>
-                <a:cs typeface="Times New Roman" panose="02020603050405020304" pitchFamily="18" charset="0"/>
-              </a:rPr>
-              <a:t> </a:t>
-            </a:r>
-            <a:r>
-              <a:rPr kumimoji="0" lang="en-US" sz="2400" b="0" i="0" u="none" strike="noStrike" cap="none" normalizeH="0" baseline="0" dirty="0">
-                <a:ln>
-                  <a:noFill/>
-                </a:ln>
-                <a:solidFill>
-                  <a:schemeClr val="tx1"/>
-                </a:solidFill>
-                <a:effectLst/>
-                <a:latin typeface="Times New Roman" panose="02020603050405020304" pitchFamily="18" charset="0"/>
-                <a:ea typeface="Calibri" panose="020F0502020204030204" pitchFamily="34" charset="0"/>
-                <a:cs typeface="Times New Roman" panose="02020603050405020304" pitchFamily="18" charset="0"/>
-              </a:rPr>
-              <a:t>usage</a:t>
-            </a:r>
-          </a:p>
-          <a:p>
-            <a:pPr lvl="0" eaLnBrk="0" fontAlgn="base" hangingPunct="0">
-              <a:spcBef>
-                <a:spcPct val="0"/>
-              </a:spcBef>
-              <a:spcAft>
-                <a:spcPct val="0"/>
-              </a:spcAft>
-            </a:pPr>
-            <a:endParaRPr lang="en-US" sz="2400" dirty="0">
-              <a:latin typeface="Times New Roman" panose="02020603050405020304" pitchFamily="18" charset="0"/>
-              <a:cs typeface="Times New Roman" panose="02020603050405020304" pitchFamily="18" charset="0"/>
-            </a:endParaRPr>
-          </a:p>
-          <a:p>
-            <a:pPr lvl="0" eaLnBrk="0" fontAlgn="base" hangingPunct="0">
-              <a:spcBef>
-                <a:spcPct val="0"/>
-              </a:spcBef>
-              <a:spcAft>
-                <a:spcPct val="0"/>
-              </a:spcAft>
-            </a:pPr>
-            <a:r>
-              <a:rPr kumimoji="0" lang="en-US" sz="2400" b="0" i="0" u="none" strike="noStrike" cap="none" normalizeH="0" baseline="0" dirty="0">
-                <a:ln>
-                  <a:noFill/>
-                </a:ln>
-                <a:solidFill>
-                  <a:schemeClr val="tx1"/>
-                </a:solidFill>
-                <a:effectLst/>
-                <a:latin typeface="Times New Roman" panose="02020603050405020304" pitchFamily="18" charset="0"/>
-                <a:cs typeface="Times New Roman" panose="02020603050405020304" pitchFamily="18" charset="0"/>
-              </a:rPr>
-              <a:t>5. Same flow for Taxi registration</a:t>
+            <a:r>
+              <a:rPr lang="en-US" dirty="0"/>
+              <a:t>Q&amp;A</a:t>
             </a:r>
           </a:p>
         </p:txBody>
@@ -11168,150 +9599,7 @@
     </p:spTree>
     <p:extLst>
       <p:ext uri="{BB962C8B-B14F-4D97-AF65-F5344CB8AC3E}">
-        <p14:creationId xmlns:p14="http://schemas.microsoft.com/office/powerpoint/2010/main" val="3738553911"/>
-      </p:ext>
-    </p:extLst>
-  </p:cSld>
-  <p:clrMapOvr>
-    <a:masterClrMapping/>
-  </p:clrMapOvr>
-</p:sld>
-</file>
-
-<file path=ppt/slides/slide19.xml><?xml version="1.0" encoding="utf-8"?>
-<p:sld xmlns:a="http://schemas.openxmlformats.org/drawingml/2006/main" xmlns:r="http://schemas.openxmlformats.org/officeDocument/2006/relationships" xmlns:p="http://schemas.openxmlformats.org/presentationml/2006/main" showMasterSp="0">
-  <p:cSld>
-    <p:spTree>
-      <p:nvGrpSpPr>
-        <p:cNvPr id="1" name=""/>
-        <p:cNvGrpSpPr/>
-        <p:nvPr/>
-      </p:nvGrpSpPr>
-      <p:grpSpPr>
-        <a:xfrm>
-          <a:off x="0" y="0"/>
-          <a:ext cx="0" cy="0"/>
-          <a:chOff x="0" y="0"/>
-          <a:chExt cx="0" cy="0"/>
-        </a:xfrm>
-      </p:grpSpPr>
-      <p:sp>
-        <p:nvSpPr>
-          <p:cNvPr id="2" name="Title 1"/>
-          <p:cNvSpPr>
-            <a:spLocks noGrp="1"/>
-          </p:cNvSpPr>
-          <p:nvPr>
-            <p:ph type="title"/>
-          </p:nvPr>
-        </p:nvSpPr>
-        <p:spPr>
-          <a:xfrm>
-            <a:off x="248481" y="197390"/>
-            <a:ext cx="7838879" cy="1280890"/>
-          </a:xfrm>
-        </p:spPr>
-        <p:txBody>
-          <a:bodyPr/>
-          <a:lstStyle/>
-          <a:p>
-            <a:r>
-              <a:rPr lang="en-US" b="1" dirty="0">
-                <a:latin typeface="Times New Roman" pitchFamily="18" charset="0"/>
-                <a:cs typeface="Times New Roman" pitchFamily="18" charset="0"/>
-              </a:rPr>
-              <a:t>Python /Lambda In Booking System</a:t>
-            </a:r>
-          </a:p>
-        </p:txBody>
-      </p:sp>
-      <p:sp>
-        <p:nvSpPr>
-          <p:cNvPr id="3" name="Content Placeholder 2"/>
-          <p:cNvSpPr>
-            <a:spLocks noGrp="1"/>
-          </p:cNvSpPr>
-          <p:nvPr>
-            <p:ph idx="1"/>
-          </p:nvPr>
-        </p:nvSpPr>
-        <p:spPr>
-          <a:xfrm>
-            <a:off x="248481" y="1095374"/>
-            <a:ext cx="8647038" cy="5762625"/>
-          </a:xfrm>
-        </p:spPr>
-        <p:txBody>
-          <a:bodyPr>
-            <a:noAutofit/>
-          </a:bodyPr>
-          <a:lstStyle/>
-          <a:p>
-            <a:r>
-              <a:rPr lang="en-US" sz="2400" dirty="0">
-                <a:latin typeface="Times New Roman" pitchFamily="18" charset="0"/>
-                <a:cs typeface="Times New Roman" pitchFamily="18" charset="0"/>
-              </a:rPr>
-              <a:t>Lambda1 is Responsible for  :</a:t>
-            </a:r>
-          </a:p>
-          <a:p>
-            <a:pPr lvl="1"/>
-            <a:r>
-              <a:rPr lang="en-US" sz="2400" dirty="0">
-                <a:latin typeface="Times New Roman" pitchFamily="18" charset="0"/>
-                <a:cs typeface="Times New Roman" pitchFamily="18" charset="0"/>
-              </a:rPr>
-              <a:t>Handle booking  requests from Passenger application.</a:t>
-            </a:r>
-          </a:p>
-          <a:p>
-            <a:pPr lvl="1"/>
-            <a:r>
-              <a:rPr lang="en-US" sz="2400" dirty="0">
-                <a:latin typeface="Times New Roman" pitchFamily="18" charset="0"/>
-                <a:cs typeface="Times New Roman" pitchFamily="18" charset="0"/>
-              </a:rPr>
-              <a:t>Determine the nearest driver to the passenger by using MapQuest API web service .</a:t>
-            </a:r>
-          </a:p>
-          <a:p>
-            <a:pPr lvl="1"/>
-            <a:r>
-              <a:rPr lang="en-US" sz="2400" dirty="0">
-                <a:latin typeface="Times New Roman" pitchFamily="18" charset="0"/>
-                <a:cs typeface="Times New Roman" pitchFamily="18" charset="0"/>
-              </a:rPr>
-              <a:t> Send booking Notification to Driver application  by using AWS SNS</a:t>
-            </a:r>
-          </a:p>
-          <a:p>
-            <a:pPr lvl="1"/>
-            <a:endParaRPr lang="en-US" sz="2400" dirty="0">
-              <a:latin typeface="Times New Roman" pitchFamily="18" charset="0"/>
-              <a:cs typeface="Times New Roman" pitchFamily="18" charset="0"/>
-            </a:endParaRPr>
-          </a:p>
-          <a:p>
-            <a:pPr lvl="1"/>
-            <a:r>
-              <a:rPr lang="en-US" sz="2400" dirty="0" err="1">
-                <a:latin typeface="Times New Roman" pitchFamily="18" charset="0"/>
-                <a:cs typeface="Times New Roman" pitchFamily="18" charset="0"/>
-              </a:rPr>
-              <a:t>Todo</a:t>
-            </a:r>
-            <a:endParaRPr lang="en-US" sz="2400" dirty="0">
-              <a:latin typeface="Times New Roman" pitchFamily="18" charset="0"/>
-              <a:cs typeface="Times New Roman" pitchFamily="18" charset="0"/>
-            </a:endParaRPr>
-          </a:p>
-        </p:txBody>
-      </p:sp>
-    </p:spTree>
-    <p:extLst>
-      <p:ext uri="{BB962C8B-B14F-4D97-AF65-F5344CB8AC3E}">
-        <p14:creationId xmlns:p14="http://schemas.microsoft.com/office/powerpoint/2010/main" val="4120077968"/>
+        <p14:creationId xmlns:p14="http://schemas.microsoft.com/office/powerpoint/2010/main" val="3803898792"/>
       </p:ext>
     </p:extLst>
   </p:cSld>
@@ -11398,7 +9686,7 @@
         </p:spPr>
         <p:txBody>
           <a:bodyPr>
-            <a:normAutofit fontScale="92500" lnSpcReduction="20000"/>
+            <a:normAutofit/>
           </a:bodyPr>
           <a:lstStyle/>
           <a:p>
@@ -11416,7 +9704,16 @@
                 <a:latin typeface="Times New Roman" panose="02020603050405020304" pitchFamily="18" charset="0"/>
                 <a:cs typeface="Times New Roman" panose="02020603050405020304" pitchFamily="18" charset="0"/>
               </a:rPr>
-              <a:t>Scope</a:t>
+              <a:t>Basic features</a:t>
+            </a:r>
+          </a:p>
+          <a:p>
+            <a:r>
+              <a:rPr lang="en-US" sz="2400" dirty="0">
+                <a:latin typeface="Times New Roman" panose="02020603050405020304" pitchFamily="18" charset="0"/>
+                <a:cs typeface="Times New Roman" panose="02020603050405020304" pitchFamily="18" charset="0"/>
+              </a:rPr>
+              <a:t>Advanced features</a:t>
             </a:r>
           </a:p>
           <a:p>
@@ -11434,69 +9731,6 @@
                 <a:latin typeface="Times New Roman" panose="02020603050405020304" pitchFamily="18" charset="0"/>
                 <a:cs typeface="Times New Roman" panose="02020603050405020304" pitchFamily="18" charset="0"/>
               </a:rPr>
-              <a:t>GPS AWS Cloud </a:t>
-            </a:r>
-          </a:p>
-          <a:p>
-            <a:r>
-              <a:rPr lang="en-US" sz="2400" dirty="0">
-                <a:latin typeface="Times New Roman" panose="02020603050405020304" pitchFamily="18" charset="0"/>
-                <a:cs typeface="Times New Roman" panose="02020603050405020304" pitchFamily="18" charset="0"/>
-              </a:rPr>
-              <a:t>Registration System</a:t>
-            </a:r>
-          </a:p>
-          <a:p>
-            <a:r>
-              <a:rPr lang="en-US" sz="2400" dirty="0">
-                <a:latin typeface="Times New Roman" panose="02020603050405020304" pitchFamily="18" charset="0"/>
-                <a:cs typeface="Times New Roman" panose="02020603050405020304" pitchFamily="18" charset="0"/>
-              </a:rPr>
-              <a:t>Tracking System Overview</a:t>
-            </a:r>
-          </a:p>
-          <a:p>
-            <a:r>
-              <a:rPr lang="en-US" sz="2400" dirty="0">
-                <a:latin typeface="Times New Roman" panose="02020603050405020304" pitchFamily="18" charset="0"/>
-                <a:cs typeface="Times New Roman" panose="02020603050405020304" pitchFamily="18" charset="0"/>
-              </a:rPr>
-              <a:t>Tracking System Implementation</a:t>
-            </a:r>
-          </a:p>
-          <a:p>
-            <a:r>
-              <a:rPr lang="en-US" sz="2400" dirty="0">
-                <a:latin typeface="Times New Roman" panose="02020603050405020304" pitchFamily="18" charset="0"/>
-                <a:cs typeface="Times New Roman" panose="02020603050405020304" pitchFamily="18" charset="0"/>
-              </a:rPr>
-              <a:t>Booking System Overview </a:t>
-            </a:r>
-          </a:p>
-          <a:p>
-            <a:r>
-              <a:rPr lang="en-US" sz="2400" dirty="0">
-                <a:latin typeface="Times New Roman" panose="02020603050405020304" pitchFamily="18" charset="0"/>
-                <a:cs typeface="Times New Roman" panose="02020603050405020304" pitchFamily="18" charset="0"/>
-              </a:rPr>
-              <a:t>Booking System Implementation</a:t>
-            </a:r>
-          </a:p>
-          <a:p>
-            <a:r>
-              <a:rPr lang="en-US" sz="2400" dirty="0">
-                <a:latin typeface="Times New Roman" panose="02020603050405020304" pitchFamily="18" charset="0"/>
-                <a:cs typeface="Times New Roman" panose="02020603050405020304" pitchFamily="18" charset="0"/>
-              </a:rPr>
-              <a:t>Advance Features</a:t>
-            </a:r>
-          </a:p>
-          <a:p>
-            <a:r>
-              <a:rPr lang="en-US" sz="2400" dirty="0">
-                <a:latin typeface="Times New Roman" panose="02020603050405020304" pitchFamily="18" charset="0"/>
-                <a:cs typeface="Times New Roman" panose="02020603050405020304" pitchFamily="18" charset="0"/>
-              </a:rPr>
               <a:t>Future Scope</a:t>
             </a:r>
           </a:p>
@@ -11507,6 +9741,15 @@
                 <a:cs typeface="Times New Roman" panose="02020603050405020304" pitchFamily="18" charset="0"/>
               </a:rPr>
               <a:t>Demo</a:t>
+            </a:r>
+          </a:p>
+          <a:p>
+            <a:r>
+              <a:rPr lang="en-US" sz="2400" dirty="0">
+                <a:latin typeface="Times New Roman" panose="02020603050405020304" pitchFamily="18" charset="0"/>
+                <a:cs typeface="Times New Roman" panose="02020603050405020304" pitchFamily="18" charset="0"/>
+              </a:rPr>
+              <a:t>Q&amp;A</a:t>
             </a:r>
           </a:p>
         </p:txBody>
@@ -11553,1134 +9796,6 @@
     <p:extLst>
       <p:ext uri="{BB962C8B-B14F-4D97-AF65-F5344CB8AC3E}">
         <p14:creationId xmlns:p14="http://schemas.microsoft.com/office/powerpoint/2010/main" val="2583281939"/>
-      </p:ext>
-    </p:extLst>
-  </p:cSld>
-  <p:clrMapOvr>
-    <a:masterClrMapping/>
-  </p:clrMapOvr>
-</p:sld>
-</file>
-
-<file path=ppt/slides/slide20.xml><?xml version="1.0" encoding="utf-8"?>
-<p:sld xmlns:a="http://schemas.openxmlformats.org/drawingml/2006/main" xmlns:r="http://schemas.openxmlformats.org/officeDocument/2006/relationships" xmlns:p="http://schemas.openxmlformats.org/presentationml/2006/main" showMasterSp="0">
-  <p:cSld>
-    <p:spTree>
-      <p:nvGrpSpPr>
-        <p:cNvPr id="1" name=""/>
-        <p:cNvGrpSpPr/>
-        <p:nvPr/>
-      </p:nvGrpSpPr>
-      <p:grpSpPr>
-        <a:xfrm>
-          <a:off x="0" y="0"/>
-          <a:ext cx="0" cy="0"/>
-          <a:chOff x="0" y="0"/>
-          <a:chExt cx="0" cy="0"/>
-        </a:xfrm>
-      </p:grpSpPr>
-      <p:sp>
-        <p:nvSpPr>
-          <p:cNvPr id="2" name="Title 1">
-            <a:extLst>
-              <a:ext uri="{FF2B5EF4-FFF2-40B4-BE49-F238E27FC236}">
-                <a16:creationId xmlns:a16="http://schemas.microsoft.com/office/drawing/2014/main" id="{D9140565-9F8D-4D4D-A60B-BACD1C9CD304}"/>
-              </a:ext>
-            </a:extLst>
-          </p:cNvPr>
-          <p:cNvSpPr>
-            <a:spLocks noGrp="1"/>
-          </p:cNvSpPr>
-          <p:nvPr>
-            <p:ph type="title"/>
-          </p:nvPr>
-        </p:nvSpPr>
-        <p:spPr>
-          <a:xfrm>
-            <a:off x="289121" y="136430"/>
-            <a:ext cx="6589199" cy="1280890"/>
-          </a:xfrm>
-        </p:spPr>
-        <p:txBody>
-          <a:bodyPr/>
-          <a:lstStyle/>
-          <a:p>
-            <a:r>
-              <a:rPr lang="en-IN" b="1" dirty="0"/>
-              <a:t>Future Scope</a:t>
-            </a:r>
-          </a:p>
-        </p:txBody>
-      </p:sp>
-      <p:sp>
-        <p:nvSpPr>
-          <p:cNvPr id="3" name="Content Placeholder 2">
-            <a:extLst>
-              <a:ext uri="{FF2B5EF4-FFF2-40B4-BE49-F238E27FC236}">
-                <a16:creationId xmlns:a16="http://schemas.microsoft.com/office/drawing/2014/main" id="{56EDD8A0-996D-4668-B479-A3DD9749E8C4}"/>
-              </a:ext>
-            </a:extLst>
-          </p:cNvPr>
-          <p:cNvSpPr>
-            <a:spLocks noGrp="1"/>
-          </p:cNvSpPr>
-          <p:nvPr>
-            <p:ph idx="1"/>
-          </p:nvPr>
-        </p:nvSpPr>
-        <p:spPr>
-          <a:xfrm>
-            <a:off x="215215" y="904240"/>
-            <a:ext cx="8420785" cy="5273040"/>
-          </a:xfrm>
-        </p:spPr>
-        <p:txBody>
-          <a:bodyPr/>
-          <a:lstStyle/>
-          <a:p>
-            <a:r>
-              <a:rPr lang="en-US" dirty="0"/>
-              <a:t>If the </a:t>
-            </a:r>
-            <a:r>
-              <a:rPr lang="en-US" dirty="0" err="1"/>
-              <a:t>Useris</a:t>
-            </a:r>
-            <a:r>
-              <a:rPr lang="en-US" dirty="0"/>
-              <a:t> eligible for any offers or promotions, it will apply. </a:t>
-            </a:r>
-          </a:p>
-          <a:p>
-            <a:r>
-              <a:rPr lang="en-US" dirty="0"/>
-              <a:t>Nearby cabs will be searched by the system and if any cabs are available, the system will displays the Cab/drivers details to </a:t>
-            </a:r>
-            <a:r>
-              <a:rPr lang="en-US" dirty="0" err="1"/>
-              <a:t>th</a:t>
-            </a:r>
-            <a:r>
-              <a:rPr lang="en-US" dirty="0"/>
-              <a:t> </a:t>
-            </a:r>
-            <a:r>
-              <a:rPr lang="en-US" dirty="0" err="1"/>
-              <a:t>eUser</a:t>
-            </a:r>
-            <a:r>
-              <a:rPr lang="en-US" dirty="0"/>
-              <a:t>. </a:t>
-            </a:r>
-          </a:p>
-          <a:p>
-            <a:r>
-              <a:rPr lang="en-US" dirty="0"/>
-              <a:t>Payment can be through Paytm or card or cash. The cab will drop you in the destination location and End of the Trip. This is the brief understanding will get from the architectural pattern given above</a:t>
-            </a:r>
-          </a:p>
-          <a:p>
-            <a:r>
-              <a:rPr lang="en-US" dirty="0"/>
-              <a:t>Advance UI </a:t>
-            </a:r>
-          </a:p>
-          <a:p>
-            <a:r>
-              <a:rPr lang="en-US" dirty="0"/>
-              <a:t>Validations</a:t>
-            </a:r>
-          </a:p>
-          <a:p>
-            <a:r>
-              <a:rPr lang="en-US" dirty="0"/>
-              <a:t>Mobile Apps</a:t>
-            </a:r>
-          </a:p>
-          <a:p>
-            <a:r>
-              <a:rPr lang="en-US" dirty="0" err="1"/>
-              <a:t>etc</a:t>
-            </a:r>
-            <a:endParaRPr lang="en-IN" dirty="0"/>
-          </a:p>
-        </p:txBody>
-      </p:sp>
-    </p:spTree>
-    <p:extLst>
-      <p:ext uri="{BB962C8B-B14F-4D97-AF65-F5344CB8AC3E}">
-        <p14:creationId xmlns:p14="http://schemas.microsoft.com/office/powerpoint/2010/main" val="4154757494"/>
-      </p:ext>
-    </p:extLst>
-  </p:cSld>
-  <p:clrMapOvr>
-    <a:masterClrMapping/>
-  </p:clrMapOvr>
-</p:sld>
-</file>
-
-<file path=ppt/slides/slide21.xml><?xml version="1.0" encoding="utf-8"?>
-<p:sld xmlns:a="http://schemas.openxmlformats.org/drawingml/2006/main" xmlns:r="http://schemas.openxmlformats.org/officeDocument/2006/relationships" xmlns:p="http://schemas.openxmlformats.org/presentationml/2006/main" showMasterSp="0">
-  <p:cSld>
-    <p:spTree>
-      <p:nvGrpSpPr>
-        <p:cNvPr id="1" name=""/>
-        <p:cNvGrpSpPr/>
-        <p:nvPr/>
-      </p:nvGrpSpPr>
-      <p:grpSpPr>
-        <a:xfrm>
-          <a:off x="0" y="0"/>
-          <a:ext cx="0" cy="0"/>
-          <a:chOff x="0" y="0"/>
-          <a:chExt cx="0" cy="0"/>
-        </a:xfrm>
-      </p:grpSpPr>
-      <p:sp>
-        <p:nvSpPr>
-          <p:cNvPr id="2" name="Title 1">
-            <a:extLst>
-              <a:ext uri="{FF2B5EF4-FFF2-40B4-BE49-F238E27FC236}">
-                <a16:creationId xmlns:a16="http://schemas.microsoft.com/office/drawing/2014/main" id="{DCFA646E-FA13-48C0-A58D-3D348E5795CD}"/>
-              </a:ext>
-            </a:extLst>
-          </p:cNvPr>
-          <p:cNvSpPr>
-            <a:spLocks noGrp="1"/>
-          </p:cNvSpPr>
-          <p:nvPr>
-            <p:ph type="title"/>
-          </p:nvPr>
-        </p:nvSpPr>
-        <p:spPr>
-          <a:xfrm>
-            <a:off x="139480" y="0"/>
-            <a:ext cx="6589199" cy="1280890"/>
-          </a:xfrm>
-        </p:spPr>
-        <p:txBody>
-          <a:bodyPr/>
-          <a:lstStyle/>
-          <a:p>
-            <a:r>
-              <a:rPr lang="en-IN" b="1" dirty="0"/>
-              <a:t>Screenshots –Taxi Payload</a:t>
-            </a:r>
-          </a:p>
-        </p:txBody>
-      </p:sp>
-      <p:sp>
-        <p:nvSpPr>
-          <p:cNvPr id="4" name="Rectangle 3">
-            <a:extLst>
-              <a:ext uri="{FF2B5EF4-FFF2-40B4-BE49-F238E27FC236}">
-                <a16:creationId xmlns:a16="http://schemas.microsoft.com/office/drawing/2014/main" id="{E134E6AE-0A05-414C-AB1E-550DB2B11916}"/>
-              </a:ext>
-            </a:extLst>
-          </p:cNvPr>
-          <p:cNvSpPr/>
-          <p:nvPr/>
-        </p:nvSpPr>
-        <p:spPr>
-          <a:xfrm>
-            <a:off x="246304" y="577731"/>
-            <a:ext cx="4003479" cy="6001643"/>
-          </a:xfrm>
-          <a:prstGeom prst="rect">
-            <a:avLst/>
-          </a:prstGeom>
-        </p:spPr>
-        <p:txBody>
-          <a:bodyPr wrap="square">
-            <a:spAutoFit/>
-          </a:bodyPr>
-          <a:lstStyle/>
-          <a:p>
-            <a:r>
-              <a:rPr lang="en-IN" sz="1600" b="1" dirty="0"/>
-              <a:t>[</a:t>
-            </a:r>
-          </a:p>
-          <a:p>
-            <a:r>
-              <a:rPr lang="en-IN" sz="1600" b="1" dirty="0"/>
-              <a:t>   {</a:t>
-            </a:r>
-          </a:p>
-          <a:p>
-            <a:r>
-              <a:rPr lang="en-IN" sz="1600" b="1" dirty="0"/>
-              <a:t>      "_id":{</a:t>
-            </a:r>
-          </a:p>
-          <a:p>
-            <a:r>
-              <a:rPr lang="en-IN" sz="1600" b="1" dirty="0"/>
-              <a:t>         "$oid":"6291c2be31e685e29defcac1"</a:t>
-            </a:r>
-          </a:p>
-          <a:p>
-            <a:r>
-              <a:rPr lang="en-IN" sz="1600" b="1" dirty="0"/>
-              <a:t>      },</a:t>
-            </a:r>
-          </a:p>
-          <a:p>
-            <a:r>
-              <a:rPr lang="en-IN" sz="1600" b="1" dirty="0"/>
-              <a:t>      "name":"</a:t>
-            </a:r>
-            <a:r>
-              <a:rPr lang="en-IN" sz="1600" b="1" dirty="0" err="1"/>
-              <a:t>Toofan</a:t>
-            </a:r>
-            <a:r>
-              <a:rPr lang="en-IN" sz="1600" b="1" dirty="0"/>
-              <a:t>",</a:t>
-            </a:r>
-          </a:p>
-          <a:p>
-            <a:r>
-              <a:rPr lang="en-IN" sz="1600" b="1" dirty="0"/>
-              <a:t>      "</a:t>
-            </a:r>
-            <a:r>
-              <a:rPr lang="en-IN" sz="1600" b="1" dirty="0" err="1"/>
-              <a:t>type":"Luxury</a:t>
-            </a:r>
-            <a:r>
-              <a:rPr lang="en-IN" sz="1600" b="1" dirty="0"/>
-              <a:t>",</a:t>
-            </a:r>
-          </a:p>
-          <a:p>
-            <a:r>
-              <a:rPr lang="en-IN" sz="1600" b="1" dirty="0"/>
-              <a:t>      "location":{</a:t>
-            </a:r>
-          </a:p>
-          <a:p>
-            <a:r>
-              <a:rPr lang="en-IN" sz="1600" b="1" dirty="0"/>
-              <a:t>         "</a:t>
-            </a:r>
-            <a:r>
-              <a:rPr lang="en-IN" sz="1600" b="1" dirty="0" err="1"/>
-              <a:t>type":"Point</a:t>
-            </a:r>
-            <a:r>
-              <a:rPr lang="en-IN" sz="1600" b="1" dirty="0"/>
-              <a:t>",</a:t>
-            </a:r>
-          </a:p>
-          <a:p>
-            <a:r>
-              <a:rPr lang="en-IN" sz="1600" b="1" dirty="0"/>
-              <a:t>         "coordinates":[</a:t>
-            </a:r>
-          </a:p>
-          <a:p>
-            <a:r>
-              <a:rPr lang="en-IN" sz="1600" b="1" dirty="0"/>
-              <a:t>            28.65195,</a:t>
-            </a:r>
-          </a:p>
-          <a:p>
-            <a:r>
-              <a:rPr lang="en-IN" sz="1600" b="1" dirty="0"/>
-              <a:t>            77.23149</a:t>
-            </a:r>
-          </a:p>
-          <a:p>
-            <a:r>
-              <a:rPr lang="en-IN" sz="1600" b="1" dirty="0"/>
-              <a:t>         ]</a:t>
-            </a:r>
-          </a:p>
-          <a:p>
-            <a:r>
-              <a:rPr lang="en-IN" sz="1600" b="1" dirty="0"/>
-              <a:t>      }</a:t>
-            </a:r>
-          </a:p>
-          <a:p>
-            <a:r>
-              <a:rPr lang="en-IN" sz="1600" b="1" dirty="0"/>
-              <a:t>   },</a:t>
-            </a:r>
-          </a:p>
-          <a:p>
-            <a:r>
-              <a:rPr lang="en-IN" sz="1600" b="1" dirty="0"/>
-              <a:t>   {</a:t>
-            </a:r>
-          </a:p>
-          <a:p>
-            <a:r>
-              <a:rPr lang="en-IN" sz="1600" b="1" dirty="0"/>
-              <a:t>      "_id":{</a:t>
-            </a:r>
-          </a:p>
-          <a:p>
-            <a:r>
-              <a:rPr lang="en-IN" sz="1600" b="1" dirty="0"/>
-              <a:t>         "$oid":"6291c2be31e685e29defcac2"</a:t>
-            </a:r>
-          </a:p>
-          <a:p>
-            <a:r>
-              <a:rPr lang="en-IN" sz="1600" b="1" dirty="0"/>
-              <a:t>      },</a:t>
-            </a:r>
-          </a:p>
-          <a:p>
-            <a:r>
-              <a:rPr lang="en-IN" sz="1600" b="1" dirty="0"/>
-              <a:t>      "name":"</a:t>
-            </a:r>
-            <a:r>
-              <a:rPr lang="en-IN" sz="1600" b="1" dirty="0" err="1"/>
-              <a:t>Vimaan</a:t>
-            </a:r>
-            <a:r>
-              <a:rPr lang="en-IN" sz="1600" b="1" dirty="0"/>
-              <a:t>",</a:t>
-            </a:r>
-          </a:p>
-          <a:p>
-            <a:r>
-              <a:rPr lang="en-IN" sz="1600" b="1" dirty="0"/>
-              <a:t>      "</a:t>
-            </a:r>
-            <a:r>
-              <a:rPr lang="en-IN" sz="1600" b="1" dirty="0" err="1"/>
-              <a:t>type":"Basic</a:t>
-            </a:r>
-            <a:r>
-              <a:rPr lang="en-IN" sz="1600" b="1" dirty="0"/>
-              <a:t>",</a:t>
-            </a:r>
-          </a:p>
-          <a:p>
-            <a:r>
-              <a:rPr lang="en-IN" sz="1600" b="1" dirty="0"/>
-              <a:t>      "location":{</a:t>
-            </a:r>
-          </a:p>
-        </p:txBody>
-      </p:sp>
-      <p:sp>
-        <p:nvSpPr>
-          <p:cNvPr id="5" name="Rectangle 4">
-            <a:extLst>
-              <a:ext uri="{FF2B5EF4-FFF2-40B4-BE49-F238E27FC236}">
-                <a16:creationId xmlns:a16="http://schemas.microsoft.com/office/drawing/2014/main" id="{829C2081-A82A-4503-B66B-E1AC4E7CFE20}"/>
-              </a:ext>
-            </a:extLst>
-          </p:cNvPr>
-          <p:cNvSpPr/>
-          <p:nvPr/>
-        </p:nvSpPr>
-        <p:spPr>
-          <a:xfrm>
-            <a:off x="4518442" y="116066"/>
-            <a:ext cx="4572000" cy="6463308"/>
-          </a:xfrm>
-          <a:prstGeom prst="rect">
-            <a:avLst/>
-          </a:prstGeom>
-        </p:spPr>
-        <p:txBody>
-          <a:bodyPr>
-            <a:spAutoFit/>
-          </a:bodyPr>
-          <a:lstStyle/>
-          <a:p>
-            <a:r>
-              <a:rPr lang="en-IN" b="1" dirty="0"/>
-              <a:t> "</a:t>
-            </a:r>
-            <a:r>
-              <a:rPr lang="en-IN" b="1" dirty="0" err="1"/>
-              <a:t>type":"Point</a:t>
-            </a:r>
-            <a:r>
-              <a:rPr lang="en-IN" b="1" dirty="0"/>
-              <a:t>",</a:t>
-            </a:r>
-          </a:p>
-          <a:p>
-            <a:r>
-              <a:rPr lang="en-IN" b="1" dirty="0"/>
-              <a:t>         "coordinates":[</a:t>
-            </a:r>
-          </a:p>
-          <a:p>
-            <a:r>
-              <a:rPr lang="en-IN" b="1" dirty="0"/>
-              <a:t>            28.61123,</a:t>
-            </a:r>
-          </a:p>
-          <a:p>
-            <a:r>
-              <a:rPr lang="en-IN" b="1" dirty="0"/>
-              <a:t>            77.23163</a:t>
-            </a:r>
-          </a:p>
-          <a:p>
-            <a:r>
-              <a:rPr lang="en-IN" b="1" dirty="0"/>
-              <a:t>         ]</a:t>
-            </a:r>
-          </a:p>
-          <a:p>
-            <a:r>
-              <a:rPr lang="en-IN" b="1" dirty="0"/>
-              <a:t>      }</a:t>
-            </a:r>
-          </a:p>
-          <a:p>
-            <a:r>
-              <a:rPr lang="en-IN" b="1" dirty="0"/>
-              <a:t>   },</a:t>
-            </a:r>
-          </a:p>
-          <a:p>
-            <a:r>
-              <a:rPr lang="en-IN" b="1" dirty="0"/>
-              <a:t>   {</a:t>
-            </a:r>
-          </a:p>
-          <a:p>
-            <a:r>
-              <a:rPr lang="en-IN" b="1" dirty="0"/>
-              <a:t>      "_id":{</a:t>
-            </a:r>
-          </a:p>
-          <a:p>
-            <a:r>
-              <a:rPr lang="en-IN" b="1" dirty="0"/>
-              <a:t>         "$oid":"6291c2be31e685e29defcac3"</a:t>
-            </a:r>
-          </a:p>
-          <a:p>
-            <a:r>
-              <a:rPr lang="en-IN" b="1" dirty="0"/>
-              <a:t>      },</a:t>
-            </a:r>
-          </a:p>
-          <a:p>
-            <a:r>
-              <a:rPr lang="en-IN" b="1" dirty="0"/>
-              <a:t>      "</a:t>
-            </a:r>
-            <a:r>
-              <a:rPr lang="en-IN" b="1" dirty="0" err="1"/>
-              <a:t>name":"Pavan</a:t>
-            </a:r>
-            <a:r>
-              <a:rPr lang="en-IN" b="1" dirty="0"/>
-              <a:t>",</a:t>
-            </a:r>
-          </a:p>
-          <a:p>
-            <a:r>
-              <a:rPr lang="en-IN" b="1" dirty="0"/>
-              <a:t>      "</a:t>
-            </a:r>
-            <a:r>
-              <a:rPr lang="en-IN" b="1" dirty="0" err="1"/>
-              <a:t>type":"Deluxe</a:t>
-            </a:r>
-            <a:r>
-              <a:rPr lang="en-IN" b="1" dirty="0"/>
-              <a:t>",</a:t>
-            </a:r>
-          </a:p>
-          <a:p>
-            <a:r>
-              <a:rPr lang="en-IN" b="1" dirty="0"/>
-              <a:t>      "location":{</a:t>
-            </a:r>
-          </a:p>
-          <a:p>
-            <a:r>
-              <a:rPr lang="en-IN" b="1" dirty="0"/>
-              <a:t>         "</a:t>
-            </a:r>
-            <a:r>
-              <a:rPr lang="en-IN" b="1" dirty="0" err="1"/>
-              <a:t>type":"Point</a:t>
-            </a:r>
-            <a:r>
-              <a:rPr lang="en-IN" b="1" dirty="0"/>
-              <a:t>",</a:t>
-            </a:r>
-          </a:p>
-          <a:p>
-            <a:r>
-              <a:rPr lang="en-IN" b="1" dirty="0"/>
-              <a:t>         "coordinates":[</a:t>
-            </a:r>
-          </a:p>
-          <a:p>
-            <a:r>
-              <a:rPr lang="en-IN" b="1" dirty="0"/>
-              <a:t>            28.66542,</a:t>
-            </a:r>
-          </a:p>
-          <a:p>
-            <a:r>
-              <a:rPr lang="en-IN" b="1" dirty="0"/>
-              <a:t>            77.23154</a:t>
-            </a:r>
-          </a:p>
-          <a:p>
-            <a:r>
-              <a:rPr lang="en-IN" b="1" dirty="0"/>
-              <a:t>         ]</a:t>
-            </a:r>
-          </a:p>
-          <a:p>
-            <a:r>
-              <a:rPr lang="en-IN" b="1" dirty="0"/>
-              <a:t>      }</a:t>
-            </a:r>
-          </a:p>
-          <a:p>
-            <a:r>
-              <a:rPr lang="en-IN" b="1" dirty="0"/>
-              <a:t>   }</a:t>
-            </a:r>
-          </a:p>
-          <a:p>
-            <a:r>
-              <a:rPr lang="en-IN" b="1" dirty="0"/>
-              <a:t>]</a:t>
-            </a:r>
-            <a:endParaRPr lang="en-IN" dirty="0"/>
-          </a:p>
-        </p:txBody>
-      </p:sp>
-      <p:sp>
-        <p:nvSpPr>
-          <p:cNvPr id="7" name="Content Placeholder 6">
-            <a:extLst>
-              <a:ext uri="{FF2B5EF4-FFF2-40B4-BE49-F238E27FC236}">
-                <a16:creationId xmlns:a16="http://schemas.microsoft.com/office/drawing/2014/main" id="{25124E74-0660-4AD5-87E2-00E7BB5C4168}"/>
-              </a:ext>
-            </a:extLst>
-          </p:cNvPr>
-          <p:cNvSpPr>
-            <a:spLocks noGrp="1"/>
-          </p:cNvSpPr>
-          <p:nvPr>
-            <p:ph idx="1"/>
-          </p:nvPr>
-        </p:nvSpPr>
-        <p:spPr/>
-        <p:txBody>
-          <a:bodyPr/>
-          <a:lstStyle/>
-          <a:p>
-            <a:endParaRPr lang="en-IN"/>
-          </a:p>
-        </p:txBody>
-      </p:sp>
-    </p:spTree>
-    <p:extLst>
-      <p:ext uri="{BB962C8B-B14F-4D97-AF65-F5344CB8AC3E}">
-        <p14:creationId xmlns:p14="http://schemas.microsoft.com/office/powerpoint/2010/main" val="24876875"/>
-      </p:ext>
-    </p:extLst>
-  </p:cSld>
-  <p:clrMapOvr>
-    <a:masterClrMapping/>
-  </p:clrMapOvr>
-</p:sld>
-</file>
-
-<file path=ppt/slides/slide22.xml><?xml version="1.0" encoding="utf-8"?>
-<p:sld xmlns:a="http://schemas.openxmlformats.org/drawingml/2006/main" xmlns:r="http://schemas.openxmlformats.org/officeDocument/2006/relationships" xmlns:p="http://schemas.openxmlformats.org/presentationml/2006/main" showMasterSp="0">
-  <p:cSld>
-    <p:spTree>
-      <p:nvGrpSpPr>
-        <p:cNvPr id="1" name=""/>
-        <p:cNvGrpSpPr/>
-        <p:nvPr/>
-      </p:nvGrpSpPr>
-      <p:grpSpPr>
-        <a:xfrm>
-          <a:off x="0" y="0"/>
-          <a:ext cx="0" cy="0"/>
-          <a:chOff x="0" y="0"/>
-          <a:chExt cx="0" cy="0"/>
-        </a:xfrm>
-      </p:grpSpPr>
-      <p:sp>
-        <p:nvSpPr>
-          <p:cNvPr id="2" name="Title 1">
-            <a:extLst>
-              <a:ext uri="{FF2B5EF4-FFF2-40B4-BE49-F238E27FC236}">
-                <a16:creationId xmlns:a16="http://schemas.microsoft.com/office/drawing/2014/main" id="{E158FB30-71C5-4A53-B19C-AEAF57529064}"/>
-              </a:ext>
-            </a:extLst>
-          </p:cNvPr>
-          <p:cNvSpPr>
-            <a:spLocks noGrp="1"/>
-          </p:cNvSpPr>
-          <p:nvPr>
-            <p:ph type="title"/>
-          </p:nvPr>
-        </p:nvSpPr>
-        <p:spPr>
-          <a:xfrm>
-            <a:off x="127287" y="0"/>
-            <a:ext cx="6589199" cy="1280890"/>
-          </a:xfrm>
-        </p:spPr>
-        <p:txBody>
-          <a:bodyPr/>
-          <a:lstStyle/>
-          <a:p>
-            <a:r>
-              <a:rPr lang="en-IN" b="1" dirty="0"/>
-              <a:t>Data Flow Diagram</a:t>
-            </a:r>
-          </a:p>
-        </p:txBody>
-      </p:sp>
-      <p:sp>
-        <p:nvSpPr>
-          <p:cNvPr id="3" name="Content Placeholder 2">
-            <a:extLst>
-              <a:ext uri="{FF2B5EF4-FFF2-40B4-BE49-F238E27FC236}">
-                <a16:creationId xmlns:a16="http://schemas.microsoft.com/office/drawing/2014/main" id="{A9B227F1-93AF-4A15-9752-C1CBCAA8F2F8}"/>
-              </a:ext>
-            </a:extLst>
-          </p:cNvPr>
-          <p:cNvSpPr>
-            <a:spLocks noGrp="1"/>
-          </p:cNvSpPr>
-          <p:nvPr>
-            <p:ph idx="1"/>
-          </p:nvPr>
-        </p:nvSpPr>
-        <p:spPr>
-          <a:xfrm>
-            <a:off x="385758" y="1001486"/>
-            <a:ext cx="6591985" cy="3777622"/>
-          </a:xfrm>
-        </p:spPr>
-        <p:txBody>
-          <a:bodyPr/>
-          <a:lstStyle/>
-          <a:p>
-            <a:r>
-              <a:rPr lang="en-IN" dirty="0" err="1"/>
-              <a:t>Todo</a:t>
-            </a:r>
-            <a:endParaRPr lang="en-IN" dirty="0"/>
-          </a:p>
-        </p:txBody>
-      </p:sp>
-    </p:spTree>
-    <p:extLst>
-      <p:ext uri="{BB962C8B-B14F-4D97-AF65-F5344CB8AC3E}">
-        <p14:creationId xmlns:p14="http://schemas.microsoft.com/office/powerpoint/2010/main" val="2158927808"/>
-      </p:ext>
-    </p:extLst>
-  </p:cSld>
-  <p:clrMapOvr>
-    <a:masterClrMapping/>
-  </p:clrMapOvr>
-</p:sld>
-</file>
-
-<file path=ppt/slides/slide23.xml><?xml version="1.0" encoding="utf-8"?>
-<p:sld xmlns:a="http://schemas.openxmlformats.org/drawingml/2006/main" xmlns:r="http://schemas.openxmlformats.org/officeDocument/2006/relationships" xmlns:p="http://schemas.openxmlformats.org/presentationml/2006/main" showMasterSp="0">
-  <p:cSld>
-    <p:spTree>
-      <p:nvGrpSpPr>
-        <p:cNvPr id="1" name=""/>
-        <p:cNvGrpSpPr/>
-        <p:nvPr/>
-      </p:nvGrpSpPr>
-      <p:grpSpPr>
-        <a:xfrm>
-          <a:off x="0" y="0"/>
-          <a:ext cx="0" cy="0"/>
-          <a:chOff x="0" y="0"/>
-          <a:chExt cx="0" cy="0"/>
-        </a:xfrm>
-      </p:grpSpPr>
-      <p:sp>
-        <p:nvSpPr>
-          <p:cNvPr id="2" name="Title 1">
-            <a:extLst>
-              <a:ext uri="{FF2B5EF4-FFF2-40B4-BE49-F238E27FC236}">
-                <a16:creationId xmlns:a16="http://schemas.microsoft.com/office/drawing/2014/main" id="{B75A23D0-228F-4597-A5B8-D3B7819F50F0}"/>
-              </a:ext>
-            </a:extLst>
-          </p:cNvPr>
-          <p:cNvSpPr>
-            <a:spLocks noGrp="1"/>
-          </p:cNvSpPr>
-          <p:nvPr>
-            <p:ph type="title"/>
-          </p:nvPr>
-        </p:nvSpPr>
-        <p:spPr>
-          <a:xfrm>
-            <a:off x="167201" y="0"/>
-            <a:ext cx="8337037" cy="1280890"/>
-          </a:xfrm>
-        </p:spPr>
-        <p:txBody>
-          <a:bodyPr/>
-          <a:lstStyle/>
-          <a:p>
-            <a:r>
-              <a:rPr lang="en-US" b="1" dirty="0"/>
-              <a:t>Location of customers vs taxis</a:t>
-            </a:r>
-            <a:endParaRPr lang="en-IN" b="1" dirty="0"/>
-          </a:p>
-        </p:txBody>
-      </p:sp>
-      <p:pic>
-        <p:nvPicPr>
-          <p:cNvPr id="4" name="Content Placeholder 3">
-            <a:extLst>
-              <a:ext uri="{FF2B5EF4-FFF2-40B4-BE49-F238E27FC236}">
-                <a16:creationId xmlns:a16="http://schemas.microsoft.com/office/drawing/2014/main" id="{98927D03-A10D-4412-97C4-0444F8B6E22E}"/>
-              </a:ext>
-            </a:extLst>
-          </p:cNvPr>
-          <p:cNvPicPr>
-            <a:picLocks noGrp="1" noChangeAspect="1"/>
-          </p:cNvPicPr>
-          <p:nvPr>
-            <p:ph idx="1"/>
-          </p:nvPr>
-        </p:nvPicPr>
-        <p:blipFill>
-          <a:blip r:embed="rId2"/>
-          <a:stretch>
-            <a:fillRect/>
-          </a:stretch>
-        </p:blipFill>
-        <p:spPr>
-          <a:xfrm>
-            <a:off x="167201" y="805544"/>
-            <a:ext cx="8248650" cy="5490976"/>
-          </a:xfrm>
-          <a:prstGeom prst="rect">
-            <a:avLst/>
-          </a:prstGeom>
-        </p:spPr>
-      </p:pic>
-    </p:spTree>
-    <p:extLst>
-      <p:ext uri="{BB962C8B-B14F-4D97-AF65-F5344CB8AC3E}">
-        <p14:creationId xmlns:p14="http://schemas.microsoft.com/office/powerpoint/2010/main" val="2135362544"/>
-      </p:ext>
-    </p:extLst>
-  </p:cSld>
-  <p:clrMapOvr>
-    <a:masterClrMapping/>
-  </p:clrMapOvr>
-</p:sld>
-</file>
-
-<file path=ppt/slides/slide24.xml><?xml version="1.0" encoding="utf-8"?>
-<p:sld xmlns:a="http://schemas.openxmlformats.org/drawingml/2006/main" xmlns:r="http://schemas.openxmlformats.org/officeDocument/2006/relationships" xmlns:p="http://schemas.openxmlformats.org/presentationml/2006/main" showMasterSp="0">
-  <p:cSld>
-    <p:spTree>
-      <p:nvGrpSpPr>
-        <p:cNvPr id="1" name=""/>
-        <p:cNvGrpSpPr/>
-        <p:nvPr/>
-      </p:nvGrpSpPr>
-      <p:grpSpPr>
-        <a:xfrm>
-          <a:off x="0" y="0"/>
-          <a:ext cx="0" cy="0"/>
-          <a:chOff x="0" y="0"/>
-          <a:chExt cx="0" cy="0"/>
-        </a:xfrm>
-      </p:grpSpPr>
-      <p:sp>
-        <p:nvSpPr>
-          <p:cNvPr id="2" name="Title 1">
-            <a:extLst>
-              <a:ext uri="{FF2B5EF4-FFF2-40B4-BE49-F238E27FC236}">
-                <a16:creationId xmlns:a16="http://schemas.microsoft.com/office/drawing/2014/main" id="{BE79B62D-B2D6-469D-97A6-22CAFB57C328}"/>
-              </a:ext>
-            </a:extLst>
-          </p:cNvPr>
-          <p:cNvSpPr>
-            <a:spLocks noGrp="1"/>
-          </p:cNvSpPr>
-          <p:nvPr>
-            <p:ph type="title"/>
-          </p:nvPr>
-        </p:nvSpPr>
-        <p:spPr>
-          <a:xfrm>
-            <a:off x="116401" y="166910"/>
-            <a:ext cx="6589199" cy="1280890"/>
-          </a:xfrm>
-        </p:spPr>
-        <p:txBody>
-          <a:bodyPr/>
-          <a:lstStyle/>
-          <a:p>
-            <a:r>
-              <a:rPr lang="en-US" b="1" dirty="0"/>
-              <a:t>Taxi list and customer list </a:t>
-            </a:r>
-            <a:endParaRPr lang="en-IN" b="1" dirty="0"/>
-          </a:p>
-        </p:txBody>
-      </p:sp>
-      <p:pic>
-        <p:nvPicPr>
-          <p:cNvPr id="4" name="Content Placeholder 3">
-            <a:extLst>
-              <a:ext uri="{FF2B5EF4-FFF2-40B4-BE49-F238E27FC236}">
-                <a16:creationId xmlns:a16="http://schemas.microsoft.com/office/drawing/2014/main" id="{72E7E4A9-6433-4108-9E74-D63E7D86D074}"/>
-              </a:ext>
-            </a:extLst>
-          </p:cNvPr>
-          <p:cNvPicPr>
-            <a:picLocks noGrp="1" noChangeAspect="1"/>
-          </p:cNvPicPr>
-          <p:nvPr>
-            <p:ph idx="1"/>
-          </p:nvPr>
-        </p:nvPicPr>
-        <p:blipFill>
-          <a:blip r:embed="rId2"/>
-          <a:stretch>
-            <a:fillRect/>
-          </a:stretch>
-        </p:blipFill>
-        <p:spPr>
-          <a:xfrm>
-            <a:off x="225425" y="1554059"/>
-            <a:ext cx="8694738" cy="5123069"/>
-          </a:xfrm>
-          <a:prstGeom prst="rect">
-            <a:avLst/>
-          </a:prstGeom>
-        </p:spPr>
-      </p:pic>
-    </p:spTree>
-    <p:extLst>
-      <p:ext uri="{BB962C8B-B14F-4D97-AF65-F5344CB8AC3E}">
-        <p14:creationId xmlns:p14="http://schemas.microsoft.com/office/powerpoint/2010/main" val="3951943215"/>
-      </p:ext>
-    </p:extLst>
-  </p:cSld>
-  <p:clrMapOvr>
-    <a:masterClrMapping/>
-  </p:clrMapOvr>
-</p:sld>
-</file>
-
-<file path=ppt/slides/slide25.xml><?xml version="1.0" encoding="utf-8"?>
-<p:sld xmlns:a="http://schemas.openxmlformats.org/drawingml/2006/main" xmlns:r="http://schemas.openxmlformats.org/officeDocument/2006/relationships" xmlns:p="http://schemas.openxmlformats.org/presentationml/2006/main" showMasterSp="0">
-  <p:cSld>
-    <p:spTree>
-      <p:nvGrpSpPr>
-        <p:cNvPr id="1" name=""/>
-        <p:cNvGrpSpPr/>
-        <p:nvPr/>
-      </p:nvGrpSpPr>
-      <p:grpSpPr>
-        <a:xfrm>
-          <a:off x="0" y="0"/>
-          <a:ext cx="0" cy="0"/>
-          <a:chOff x="0" y="0"/>
-          <a:chExt cx="0" cy="0"/>
-        </a:xfrm>
-      </p:grpSpPr>
-      <p:sp>
-        <p:nvSpPr>
-          <p:cNvPr id="4" name="TextBox 3"/>
-          <p:cNvSpPr txBox="1"/>
-          <p:nvPr/>
-        </p:nvSpPr>
-        <p:spPr>
-          <a:xfrm>
-            <a:off x="1575504" y="2769316"/>
-            <a:ext cx="6030818" cy="1569660"/>
-          </a:xfrm>
-          <a:prstGeom prst="rect">
-            <a:avLst/>
-          </a:prstGeom>
-          <a:noFill/>
-        </p:spPr>
-        <p:txBody>
-          <a:bodyPr wrap="none" rtlCol="0">
-            <a:spAutoFit/>
-          </a:bodyPr>
-          <a:lstStyle/>
-          <a:p>
-            <a:pPr algn="ctr"/>
-            <a:r>
-              <a:rPr lang="en-US" sz="9600" dirty="0">
-                <a:latin typeface="Times New Roman" panose="02020603050405020304" pitchFamily="18" charset="0"/>
-                <a:cs typeface="Times New Roman" panose="02020603050405020304" pitchFamily="18" charset="0"/>
-              </a:rPr>
-              <a:t>Final Demo</a:t>
-            </a:r>
-          </a:p>
-        </p:txBody>
-      </p:sp>
-      <p:sp>
-        <p:nvSpPr>
-          <p:cNvPr id="3" name="TextBox 2">
-            <a:extLst>
-              <a:ext uri="{FF2B5EF4-FFF2-40B4-BE49-F238E27FC236}">
-                <a16:creationId xmlns:a16="http://schemas.microsoft.com/office/drawing/2014/main" id="{625C9051-E4A4-4CB5-AFC7-3A784453549F}"/>
-              </a:ext>
-            </a:extLst>
-          </p:cNvPr>
-          <p:cNvSpPr txBox="1"/>
-          <p:nvPr/>
-        </p:nvSpPr>
-        <p:spPr>
-          <a:xfrm>
-            <a:off x="6659602" y="6488668"/>
-            <a:ext cx="2484398" cy="369332"/>
-          </a:xfrm>
-          <a:prstGeom prst="rect">
-            <a:avLst/>
-          </a:prstGeom>
-          <a:noFill/>
-        </p:spPr>
-        <p:txBody>
-          <a:bodyPr wrap="none" rtlCol="0">
-            <a:spAutoFit/>
-          </a:bodyPr>
-          <a:lstStyle/>
-          <a:p>
-            <a:r>
-              <a:rPr lang="en-US" dirty="0">
-                <a:latin typeface="Times New Roman" panose="02020603050405020304" pitchFamily="18" charset="0"/>
-                <a:cs typeface="Times New Roman" panose="02020603050405020304" pitchFamily="18" charset="0"/>
-              </a:rPr>
-              <a:t>IITM GL Cloud Group 5</a:t>
-            </a:r>
-          </a:p>
-        </p:txBody>
-      </p:sp>
-    </p:spTree>
-    <p:extLst>
-      <p:ext uri="{BB962C8B-B14F-4D97-AF65-F5344CB8AC3E}">
-        <p14:creationId xmlns:p14="http://schemas.microsoft.com/office/powerpoint/2010/main" val="374678474"/>
-      </p:ext>
-    </p:extLst>
-  </p:cSld>
-  <p:clrMapOvr>
-    <a:masterClrMapping/>
-  </p:clrMapOvr>
-</p:sld>
-</file>
-
-<file path=ppt/slides/slide26.xml><?xml version="1.0" encoding="utf-8"?>
-<p:sld xmlns:a="http://schemas.openxmlformats.org/drawingml/2006/main" xmlns:r="http://schemas.openxmlformats.org/officeDocument/2006/relationships" xmlns:p="http://schemas.openxmlformats.org/presentationml/2006/main" showMasterSp="0">
-  <p:cSld>
-    <p:spTree>
-      <p:nvGrpSpPr>
-        <p:cNvPr id="1" name=""/>
-        <p:cNvGrpSpPr/>
-        <p:nvPr/>
-      </p:nvGrpSpPr>
-      <p:grpSpPr>
-        <a:xfrm>
-          <a:off x="0" y="0"/>
-          <a:ext cx="0" cy="0"/>
-          <a:chOff x="0" y="0"/>
-          <a:chExt cx="0" cy="0"/>
-        </a:xfrm>
-      </p:grpSpPr>
-      <p:sp>
-        <p:nvSpPr>
-          <p:cNvPr id="4" name="TextBox 3"/>
-          <p:cNvSpPr txBox="1"/>
-          <p:nvPr/>
-        </p:nvSpPr>
-        <p:spPr>
-          <a:xfrm>
-            <a:off x="2298700" y="2717800"/>
-            <a:ext cx="5589351" cy="1569660"/>
-          </a:xfrm>
-          <a:prstGeom prst="rect">
-            <a:avLst/>
-          </a:prstGeom>
-          <a:noFill/>
-        </p:spPr>
-        <p:txBody>
-          <a:bodyPr wrap="none" rtlCol="0">
-            <a:spAutoFit/>
-          </a:bodyPr>
-          <a:lstStyle/>
-          <a:p>
-            <a:r>
-              <a:rPr lang="en-US" sz="9600" dirty="0">
-                <a:latin typeface="Times New Roman" panose="02020603050405020304" pitchFamily="18" charset="0"/>
-                <a:cs typeface="Times New Roman" panose="02020603050405020304" pitchFamily="18" charset="0"/>
-              </a:rPr>
-              <a:t>Thank You</a:t>
-            </a:r>
-          </a:p>
-        </p:txBody>
-      </p:sp>
-      <p:sp>
-        <p:nvSpPr>
-          <p:cNvPr id="3" name="TextBox 2">
-            <a:extLst>
-              <a:ext uri="{FF2B5EF4-FFF2-40B4-BE49-F238E27FC236}">
-                <a16:creationId xmlns:a16="http://schemas.microsoft.com/office/drawing/2014/main" id="{B205329C-6934-413A-96F7-D99089696014}"/>
-              </a:ext>
-            </a:extLst>
-          </p:cNvPr>
-          <p:cNvSpPr txBox="1"/>
-          <p:nvPr/>
-        </p:nvSpPr>
-        <p:spPr>
-          <a:xfrm>
-            <a:off x="6659602" y="6488668"/>
-            <a:ext cx="2484398" cy="369332"/>
-          </a:xfrm>
-          <a:prstGeom prst="rect">
-            <a:avLst/>
-          </a:prstGeom>
-          <a:noFill/>
-        </p:spPr>
-        <p:txBody>
-          <a:bodyPr wrap="none" rtlCol="0">
-            <a:spAutoFit/>
-          </a:bodyPr>
-          <a:lstStyle/>
-          <a:p>
-            <a:r>
-              <a:rPr lang="en-US" dirty="0">
-                <a:latin typeface="Times New Roman" panose="02020603050405020304" pitchFamily="18" charset="0"/>
-                <a:cs typeface="Times New Roman" panose="02020603050405020304" pitchFamily="18" charset="0"/>
-              </a:rPr>
-              <a:t>IITM GL Cloud Group 5</a:t>
-            </a:r>
-          </a:p>
-        </p:txBody>
-      </p:sp>
-    </p:spTree>
-    <p:extLst>
-      <p:ext uri="{BB962C8B-B14F-4D97-AF65-F5344CB8AC3E}">
-        <p14:creationId xmlns:p14="http://schemas.microsoft.com/office/powerpoint/2010/main" val="3691278593"/>
       </p:ext>
     </p:extLst>
   </p:cSld>
@@ -12848,7 +9963,7 @@
           <a:p>
             <a:r>
               <a:rPr lang="en-IN" b="1" dirty="0"/>
-              <a:t>Project Scope</a:t>
+              <a:t>Basic Features</a:t>
             </a:r>
           </a:p>
         </p:txBody>
@@ -12883,73 +9998,43 @@
           <a:p>
             <a:r>
               <a:rPr lang="en-US" dirty="0"/>
-              <a:t>Developing a minimal scope with initial requirements of User ad Taxi registration and Taxi booking near by users locations</a:t>
+              <a:t>Initial area boundary creation and User and Taxi registration</a:t>
             </a:r>
           </a:p>
           <a:p>
             <a:r>
               <a:rPr lang="en-US" dirty="0"/>
-              <a:t>Taxi and user registration modules to register relevant records in backend system</a:t>
+              <a:t>Taxi and user simulation code for 50 taxis and 5 users</a:t>
             </a:r>
           </a:p>
           <a:p>
             <a:r>
               <a:rPr lang="en-US" dirty="0"/>
-              <a:t>Initial area boundary creation and storage will be done vi a simulator code </a:t>
+              <a:t>Per minute taxi location update</a:t>
             </a:r>
           </a:p>
           <a:p>
             <a:r>
               <a:rPr lang="en-US" dirty="0"/>
-              <a:t>Ability to ingest taxi location information and user requests in a scalable way</a:t>
-            </a:r>
-          </a:p>
-          <a:p>
-            <a:pPr lvl="1"/>
+              <a:t>Handle user request for booking a taxi</a:t>
+            </a:r>
+          </a:p>
+          <a:p>
             <a:r>
               <a:rPr lang="en-US" dirty="0"/>
-              <a:t>EC2 , Lambda and API Gateway based API, for taxi location update ingestion</a:t>
-            </a:r>
-          </a:p>
-          <a:p>
-            <a:pPr lvl="1"/>
+              <a:t>Scalable architecture which can handle large volume of customer requests, shift changes</a:t>
+            </a:r>
+          </a:p>
+          <a:p>
             <a:r>
               <a:rPr lang="en-US" dirty="0"/>
-              <a:t>API Gateway/Lambda based APIs for taking in user requests and responding to them</a:t>
-            </a:r>
-          </a:p>
-          <a:p>
-            <a:pPr lvl="1"/>
+              <a:t>Geo aware database – Document DB</a:t>
+            </a:r>
+          </a:p>
+          <a:p>
             <a:r>
               <a:rPr lang="en-US" dirty="0"/>
-              <a:t>Scope will cover the following techno-functionalities</a:t>
-            </a:r>
-          </a:p>
-          <a:p>
-            <a:pPr lvl="2"/>
-            <a:r>
-              <a:rPr lang="en-US" dirty="0"/>
-              <a:t>A large volume of customer requests (such as a rush hour)</a:t>
-            </a:r>
-          </a:p>
-          <a:p>
-            <a:pPr lvl="2"/>
-            <a:r>
-              <a:rPr lang="en-US" dirty="0"/>
-              <a:t>A large migration of available taxis to some locations (rush hour, special events, etc.)</a:t>
-            </a:r>
-          </a:p>
-          <a:p>
-            <a:pPr lvl="2"/>
-            <a:r>
-              <a:rPr lang="en-US" dirty="0"/>
-              <a:t>A large number of new taxis becoming available for service (shift change)</a:t>
-            </a:r>
-          </a:p>
-          <a:p>
-            <a:r>
-              <a:rPr lang="en-US" dirty="0"/>
-              <a:t>Geo-aware database choired is Document DB</a:t>
+              <a:t>Visualize the location of taxi and users in UI</a:t>
             </a:r>
           </a:p>
         </p:txBody>
@@ -13041,21 +10126,9 @@
         </p:spPr>
         <p:txBody>
           <a:bodyPr>
-            <a:normAutofit fontScale="77500" lnSpcReduction="20000"/>
+            <a:normAutofit/>
           </a:bodyPr>
           <a:lstStyle/>
-          <a:p>
-            <a:r>
-              <a:rPr lang="en-US" b="1" dirty="0"/>
-              <a:t>Advanced Features</a:t>
-            </a:r>
-          </a:p>
-          <a:p>
-            <a:r>
-              <a:rPr lang="en-US" dirty="0"/>
-              <a:t>Extend the project further for fulfillment. This would include</a:t>
-            </a:r>
-          </a:p>
           <a:p>
             <a:pPr lvl="1"/>
             <a:r>
@@ -13090,62 +10163,6 @@
               <a:rPr lang="en-US" dirty="0"/>
             </a:br>
             <a:endParaRPr lang="en-US" dirty="0"/>
-          </a:p>
-          <a:p>
-            <a:r>
-              <a:rPr lang="en-US" dirty="0"/>
-              <a:t>Real-time visualization: The app can show a map location-based view of the supply and demand density. This can be constantly updated based on new location information.</a:t>
-            </a:r>
-            <a:br>
-              <a:rPr lang="en-US" dirty="0"/>
-            </a:br>
-            <a:br>
-              <a:rPr lang="en-US" dirty="0"/>
-            </a:br>
-            <a:endParaRPr lang="en-US" dirty="0"/>
-          </a:p>
-          <a:p>
-            <a:r>
-              <a:rPr lang="en-US" dirty="0"/>
-              <a:t>All this information aggregated over the long-term can help plan for growth and can even be used by the city planning department for better road and traffic infrastructure planning, based on various insights and patterns. You can process and analyze the information to generate multiple important data points:</a:t>
-            </a:r>
-          </a:p>
-          <a:p>
-            <a:pPr lvl="1"/>
-            <a:r>
-              <a:rPr lang="en-US" dirty="0"/>
-              <a:t>Taxi traffic density patterns based on hour and day</a:t>
-            </a:r>
-          </a:p>
-          <a:p>
-            <a:pPr lvl="1"/>
-            <a:r>
-              <a:rPr lang="en-US" dirty="0"/>
-              <a:t>Common high density area locations</a:t>
-            </a:r>
-          </a:p>
-          <a:p>
-            <a:pPr lvl="1"/>
-            <a:r>
-              <a:rPr lang="en-US" dirty="0"/>
-              <a:t>User demand patterns based on hour and day</a:t>
-            </a:r>
-          </a:p>
-          <a:p>
-            <a:pPr lvl="1"/>
-            <a:r>
-              <a:rPr lang="en-US" dirty="0"/>
-              <a:t>Any other relevant analytics</a:t>
-            </a:r>
-          </a:p>
-          <a:p>
-            <a:r>
-              <a:rPr lang="en-US" dirty="0"/>
-              <a:t>With all the available information in real-time and long-term, you can create an innovative approach to spread taxis across the city based on the current and historical density of demand patterns. The app can send hints to drivers to shift their locations to a target area if they are in low-demand areas, and so on.</a:t>
-            </a:r>
-          </a:p>
-          <a:p>
-            <a:endParaRPr lang="en-IN" dirty="0"/>
           </a:p>
         </p:txBody>
       </p:sp>
@@ -13184,7 +10201,7 @@
           <p:cNvPr id="2" name="Title 1">
             <a:extLst>
               <a:ext uri="{FF2B5EF4-FFF2-40B4-BE49-F238E27FC236}">
-                <a16:creationId xmlns:a16="http://schemas.microsoft.com/office/drawing/2014/main" id="{1CE47560-070F-473E-BECE-8D9DBA7C4F8E}"/>
+                <a16:creationId xmlns:a16="http://schemas.microsoft.com/office/drawing/2014/main" id="{FE23076E-A4EF-4284-9782-39DC505A5F93}"/>
               </a:ext>
             </a:extLst>
           </p:cNvPr>
@@ -13197,24 +10214,18 @@
         </p:nvSpPr>
         <p:spPr>
           <a:xfrm>
-            <a:off x="197681" y="75470"/>
-            <a:ext cx="6589199" cy="818610"/>
+            <a:off x="289121" y="75470"/>
+            <a:ext cx="6589199" cy="1280890"/>
           </a:xfrm>
         </p:spPr>
         <p:txBody>
-          <a:bodyPr>
-            <a:normAutofit fontScale="90000"/>
-          </a:bodyPr>
+          <a:bodyPr/>
           <a:lstStyle/>
           <a:p>
             <a:r>
-              <a:rPr lang="en-US" b="1" dirty="0"/>
-              <a:t>Intermediate Milestone Scope</a:t>
-            </a:r>
-            <a:br>
-              <a:rPr lang="en-US" b="1" dirty="0"/>
-            </a:br>
-            <a:endParaRPr lang="en-IN" dirty="0"/>
+              <a:rPr lang="en-IN" b="1" dirty="0"/>
+              <a:t>Architecture</a:t>
+            </a:r>
           </a:p>
         </p:txBody>
       </p:sp>
@@ -13223,7 +10234,7 @@
           <p:cNvPr id="3" name="Content Placeholder 2">
             <a:extLst>
               <a:ext uri="{FF2B5EF4-FFF2-40B4-BE49-F238E27FC236}">
-                <a16:creationId xmlns:a16="http://schemas.microsoft.com/office/drawing/2014/main" id="{8910C57B-7505-45EA-9D86-238030EFA100}"/>
+                <a16:creationId xmlns:a16="http://schemas.microsoft.com/office/drawing/2014/main" id="{3D07FB56-B3B3-4853-BBEB-82B05858244A}"/>
               </a:ext>
             </a:extLst>
           </p:cNvPr>
@@ -13236,8 +10247,8 @@
         </p:nvSpPr>
         <p:spPr>
           <a:xfrm>
-            <a:off x="103455" y="746760"/>
-            <a:ext cx="8842864" cy="5847080"/>
+            <a:off x="0" y="853440"/>
+            <a:ext cx="8854879" cy="2174240"/>
           </a:xfrm>
         </p:spPr>
         <p:txBody>
@@ -13246,102 +10257,47 @@
           </a:bodyPr>
           <a:lstStyle/>
           <a:p>
-            <a:r>
-              <a:rPr lang="en-US" dirty="0"/>
-              <a:t>An intermediate milestone will cover all basic modules such as user &amp; taxi registration, APIs </a:t>
-            </a:r>
-            <a:r>
-              <a:rPr lang="en-US" dirty="0" err="1"/>
-              <a:t>fro</a:t>
-            </a:r>
-            <a:r>
-              <a:rPr lang="en-US" dirty="0"/>
-              <a:t> booking taxi, Taxi simulator code </a:t>
-            </a:r>
-            <a:r>
-              <a:rPr lang="en-US" dirty="0" err="1"/>
-              <a:t>etc</a:t>
-            </a:r>
-            <a:endParaRPr lang="en-US" dirty="0"/>
-          </a:p>
-          <a:p>
-            <a:r>
-              <a:rPr lang="en-US" dirty="0"/>
-              <a:t>Document DB is used as backend data store geo-spatial  locations </a:t>
-            </a:r>
-          </a:p>
-          <a:p>
-            <a:r>
-              <a:rPr lang="en-US" dirty="0"/>
-              <a:t>User and Tai data payload structure are </a:t>
-            </a:r>
-            <a:r>
-              <a:rPr lang="en-US" dirty="0" err="1"/>
-              <a:t>wlll</a:t>
-            </a:r>
-            <a:r>
-              <a:rPr lang="en-US" dirty="0"/>
-              <a:t> defined </a:t>
-            </a:r>
-          </a:p>
-          <a:p>
-            <a:r>
-              <a:rPr lang="en-US" dirty="0"/>
-              <a:t>Developed an algorithm  for the taxi simulator with natural-looking </a:t>
-            </a:r>
-            <a:r>
-              <a:rPr lang="en-US" dirty="0" err="1"/>
-              <a:t>lat</a:t>
-            </a:r>
-            <a:r>
-              <a:rPr lang="en-US" dirty="0"/>
-              <a:t>-long data generation</a:t>
-            </a:r>
-          </a:p>
-          <a:p>
-            <a:r>
-              <a:rPr lang="en-US" dirty="0"/>
-              <a:t>Lambda with python code is used to ingest per minute tai location updates to backend  Ingested and stored the taxi </a:t>
-            </a:r>
-            <a:r>
-              <a:rPr lang="en-US" dirty="0" err="1"/>
-              <a:t>lat</a:t>
-            </a:r>
-            <a:r>
-              <a:rPr lang="en-US" dirty="0"/>
-              <a:t>-long data appropriately</a:t>
-            </a:r>
-          </a:p>
-          <a:p>
-            <a:r>
-              <a:rPr lang="en-US" dirty="0"/>
-              <a:t>Developed a minimal scope of UI in Angular framework to show the stored data visually in any browser</a:t>
-            </a:r>
-          </a:p>
-          <a:p>
-            <a:r>
-              <a:rPr lang="en-US" dirty="0"/>
-              <a:t>System has the ability to visualize a map-equivalent view of your area, showing taxi positions. As specified earlier, </a:t>
-            </a:r>
-          </a:p>
-          <a:p>
-            <a:r>
-              <a:rPr lang="en-US" dirty="0"/>
-              <a:t>Validations are not in scope</a:t>
-            </a:r>
-          </a:p>
-          <a:p>
-            <a:r>
-              <a:rPr lang="en-IN" dirty="0"/>
-              <a:t>Mobile App is not in scope </a:t>
-            </a:r>
-          </a:p>
-        </p:txBody>
-      </p:sp>
+            <a:pPr marL="0" indent="0">
+              <a:buNone/>
+            </a:pPr>
+            <a:endParaRPr lang="en-IN" dirty="0"/>
+          </a:p>
+        </p:txBody>
+      </p:sp>
+      <p:pic>
+        <p:nvPicPr>
+          <p:cNvPr id="5" name="Picture 4">
+            <a:extLst>
+              <a:ext uri="{FF2B5EF4-FFF2-40B4-BE49-F238E27FC236}">
+                <a16:creationId xmlns:a16="http://schemas.microsoft.com/office/drawing/2014/main" id="{94D74499-8E84-46E3-B6EC-6F3170DEE96B}"/>
+              </a:ext>
+            </a:extLst>
+          </p:cNvPr>
+          <p:cNvPicPr>
+            <a:picLocks noChangeAspect="1"/>
+          </p:cNvPicPr>
+          <p:nvPr/>
+        </p:nvPicPr>
+        <p:blipFill>
+          <a:blip r:embed="rId3"/>
+          <a:stretch>
+            <a:fillRect/>
+          </a:stretch>
+        </p:blipFill>
+        <p:spPr>
+          <a:xfrm>
+            <a:off x="0" y="780104"/>
+            <a:ext cx="9144000" cy="4824668"/>
+          </a:xfrm>
+          <a:prstGeom prst="rect">
+            <a:avLst/>
+          </a:prstGeom>
+        </p:spPr>
+      </p:pic>
     </p:spTree>
     <p:extLst>
       <p:ext uri="{BB962C8B-B14F-4D97-AF65-F5344CB8AC3E}">
-        <p14:creationId xmlns:p14="http://schemas.microsoft.com/office/powerpoint/2010/main" val="3687086483"/>
+        <p14:creationId xmlns:p14="http://schemas.microsoft.com/office/powerpoint/2010/main" val="464655115"/>
       </p:ext>
     </p:extLst>
   </p:cSld>
@@ -13370,13 +10326,7 @@
       </p:grpSpPr>
       <p:sp>
         <p:nvSpPr>
-          <p:cNvPr id="2" name="Title 1">
-            <a:extLst>
-              <a:ext uri="{FF2B5EF4-FFF2-40B4-BE49-F238E27FC236}">
-                <a16:creationId xmlns:a16="http://schemas.microsoft.com/office/drawing/2014/main" id="{FE23076E-A4EF-4284-9782-39DC505A5F93}"/>
-              </a:ext>
-            </a:extLst>
-          </p:cNvPr>
+          <p:cNvPr id="2" name="Title 1"/>
           <p:cNvSpPr>
             <a:spLocks noGrp="1"/>
           </p:cNvSpPr>
@@ -13386,41 +10336,8 @@
         </p:nvSpPr>
         <p:spPr>
           <a:xfrm>
-            <a:off x="289121" y="75470"/>
-            <a:ext cx="6589199" cy="1280890"/>
-          </a:xfrm>
-        </p:spPr>
-        <p:txBody>
-          <a:bodyPr/>
-          <a:lstStyle/>
-          <a:p>
-            <a:r>
-              <a:rPr lang="en-IN" b="1" dirty="0"/>
-              <a:t>Architecture</a:t>
-            </a:r>
-          </a:p>
-        </p:txBody>
-      </p:sp>
-      <p:sp>
-        <p:nvSpPr>
-          <p:cNvPr id="3" name="Content Placeholder 2">
-            <a:extLst>
-              <a:ext uri="{FF2B5EF4-FFF2-40B4-BE49-F238E27FC236}">
-                <a16:creationId xmlns:a16="http://schemas.microsoft.com/office/drawing/2014/main" id="{3D07FB56-B3B3-4853-BBEB-82B05858244A}"/>
-              </a:ext>
-            </a:extLst>
-          </p:cNvPr>
-          <p:cNvSpPr>
-            <a:spLocks noGrp="1"/>
-          </p:cNvSpPr>
-          <p:nvPr>
-            <p:ph idx="1"/>
-          </p:nvPr>
-        </p:nvSpPr>
-        <p:spPr>
-          <a:xfrm>
-            <a:off x="0" y="853440"/>
-            <a:ext cx="8854879" cy="2174240"/>
+            <a:off x="202761" y="175562"/>
+            <a:ext cx="6299639" cy="666210"/>
           </a:xfrm>
         </p:spPr>
         <p:txBody>
@@ -13430,53 +10347,125 @@
           <a:lstStyle/>
           <a:p>
             <a:r>
-              <a:rPr lang="en-US" dirty="0"/>
-              <a:t>We have chosen the below Architectural pattern, which will help others to understand the working flow of the online cab booking system. This pattern clearly showed how the User will book the cab, how to sign up, how to provide the pickup and drop locations, taxi type , etc. Make sure the user provided both pick-up and drop location. </a:t>
-            </a:r>
-          </a:p>
-          <a:p>
-            <a:r>
-              <a:rPr lang="en-US" dirty="0"/>
-              <a:t>Architecture includes various modules and services to fulfill this scope of this project</a:t>
-            </a:r>
-            <a:endParaRPr lang="en-IN" dirty="0"/>
-          </a:p>
-        </p:txBody>
-      </p:sp>
-      <p:pic>
-        <p:nvPicPr>
-          <p:cNvPr id="4" name="Picture 3">
+              <a:rPr lang="en-US" b="1" dirty="0">
+                <a:latin typeface="Times New Roman" panose="02020603050405020304" pitchFamily="18" charset="0"/>
+                <a:cs typeface="Times New Roman" panose="02020603050405020304" pitchFamily="18" charset="0"/>
+              </a:rPr>
+              <a:t>Software Specification</a:t>
+            </a:r>
+          </a:p>
+        </p:txBody>
+      </p:sp>
+      <p:sp>
+        <p:nvSpPr>
+          <p:cNvPr id="3" name="Content Placeholder 2"/>
+          <p:cNvSpPr>
+            <a:spLocks noGrp="1"/>
+          </p:cNvSpPr>
+          <p:nvPr>
+            <p:ph idx="1"/>
+          </p:nvPr>
+        </p:nvSpPr>
+        <p:spPr>
+          <a:xfrm>
+            <a:off x="202761" y="841772"/>
+            <a:ext cx="8738478" cy="5406628"/>
+          </a:xfrm>
+        </p:spPr>
+        <p:txBody>
+          <a:bodyPr>
+            <a:normAutofit/>
+          </a:bodyPr>
+          <a:lstStyle/>
+          <a:p>
+            <a:r>
+              <a:rPr lang="en-US" sz="2400" dirty="0">
+                <a:latin typeface="Times New Roman" panose="02020603050405020304" pitchFamily="18" charset="0"/>
+                <a:cs typeface="Times New Roman" panose="02020603050405020304" pitchFamily="18" charset="0"/>
+              </a:rPr>
+              <a:t>AWS Services ( SES, Lambda,  Document DB, API Gateway, IAM, VPC Subnets and security groups for Lambda )</a:t>
+            </a:r>
+          </a:p>
+          <a:p>
+            <a:pPr marL="0" indent="0">
+              <a:buNone/>
+            </a:pPr>
+            <a:endParaRPr lang="en-US" sz="2400" dirty="0">
+              <a:latin typeface="Times New Roman" panose="02020603050405020304" pitchFamily="18" charset="0"/>
+              <a:cs typeface="Times New Roman" panose="02020603050405020304" pitchFamily="18" charset="0"/>
+            </a:endParaRPr>
+          </a:p>
+          <a:p>
+            <a:r>
+              <a:rPr lang="en-US" sz="2400" dirty="0">
+                <a:latin typeface="Times New Roman" panose="02020603050405020304" pitchFamily="18" charset="0"/>
+                <a:cs typeface="Times New Roman" panose="02020603050405020304" pitchFamily="18" charset="0"/>
+              </a:rPr>
+              <a:t>Python Programing for simulation code, Lambda, Geospatial Library</a:t>
+            </a:r>
+          </a:p>
+          <a:p>
+            <a:pPr>
+              <a:buNone/>
+            </a:pPr>
+            <a:endParaRPr lang="en-US" sz="2400" dirty="0">
+              <a:latin typeface="Times New Roman" panose="02020603050405020304" pitchFamily="18" charset="0"/>
+              <a:cs typeface="Times New Roman" panose="02020603050405020304" pitchFamily="18" charset="0"/>
+            </a:endParaRPr>
+          </a:p>
+          <a:p>
+            <a:r>
+              <a:rPr lang="en-US" sz="2400" dirty="0">
+                <a:latin typeface="Times New Roman" panose="02020603050405020304" pitchFamily="18" charset="0"/>
+                <a:cs typeface="Times New Roman" panose="02020603050405020304" pitchFamily="18" charset="0"/>
+              </a:rPr>
+              <a:t>Angular frontend browser-based application</a:t>
+            </a:r>
+          </a:p>
+        </p:txBody>
+      </p:sp>
+      <p:sp>
+        <p:nvSpPr>
+          <p:cNvPr id="4" name="TextBox 3">
             <a:extLst>
               <a:ext uri="{FF2B5EF4-FFF2-40B4-BE49-F238E27FC236}">
-                <a16:creationId xmlns:a16="http://schemas.microsoft.com/office/drawing/2014/main" id="{A218CC59-D461-436E-A1FC-41359E87D704}"/>
+                <a16:creationId xmlns:a16="http://schemas.microsoft.com/office/drawing/2014/main" id="{2EB38DA1-F999-40AC-A356-2734A669E0E3}"/>
               </a:ext>
             </a:extLst>
           </p:cNvPr>
-          <p:cNvPicPr>
-            <a:picLocks noChangeAspect="1"/>
-          </p:cNvPicPr>
+          <p:cNvSpPr txBox="1"/>
           <p:nvPr/>
-        </p:nvPicPr>
-        <p:blipFill>
-          <a:blip r:embed="rId2"/>
-          <a:stretch>
-            <a:fillRect/>
-          </a:stretch>
-        </p:blipFill>
+        </p:nvSpPr>
         <p:spPr>
           <a:xfrm>
-            <a:off x="138112" y="3020155"/>
-            <a:ext cx="8867775" cy="3762375"/>
+            <a:off x="6659602" y="6488668"/>
+            <a:ext cx="2484398" cy="369332"/>
           </a:xfrm>
           <a:prstGeom prst="rect">
             <a:avLst/>
           </a:prstGeom>
+          <a:noFill/>
         </p:spPr>
-      </p:pic>
+        <p:txBody>
+          <a:bodyPr wrap="none" rtlCol="0">
+            <a:spAutoFit/>
+          </a:bodyPr>
+          <a:lstStyle/>
+          <a:p>
+            <a:r>
+              <a:rPr lang="en-US" dirty="0">
+                <a:latin typeface="Times New Roman" panose="02020603050405020304" pitchFamily="18" charset="0"/>
+                <a:cs typeface="Times New Roman" panose="02020603050405020304" pitchFamily="18" charset="0"/>
+              </a:rPr>
+              <a:t>IITM GL Cloud Group 5</a:t>
+            </a:r>
+          </a:p>
+        </p:txBody>
+      </p:sp>
     </p:spTree>
     <p:extLst>
       <p:ext uri="{BB962C8B-B14F-4D97-AF65-F5344CB8AC3E}">
-        <p14:creationId xmlns:p14="http://schemas.microsoft.com/office/powerpoint/2010/main" val="464655115"/>
+        <p14:creationId xmlns:p14="http://schemas.microsoft.com/office/powerpoint/2010/main" val="2176250472"/>
       </p:ext>
     </p:extLst>
   </p:cSld>
@@ -13505,14 +10494,50 @@
       </p:grpSpPr>
       <p:sp>
         <p:nvSpPr>
-          <p:cNvPr id="5" name="TextBox 4"/>
+          <p:cNvPr id="2" name="Title 1"/>
+          <p:cNvSpPr>
+            <a:spLocks noGrp="1"/>
+          </p:cNvSpPr>
+          <p:nvPr>
+            <p:ph type="title"/>
+          </p:nvPr>
+        </p:nvSpPr>
+        <p:spPr>
+          <a:xfrm>
+            <a:off x="162230" y="44284"/>
+            <a:ext cx="6589199" cy="671290"/>
+          </a:xfrm>
+        </p:spPr>
+        <p:txBody>
+          <a:bodyPr/>
+          <a:lstStyle/>
+          <a:p>
+            <a:r>
+              <a:rPr lang="en-US" b="1" dirty="0">
+                <a:latin typeface="Times New Roman" panose="02020603050405020304" pitchFamily="18" charset="0"/>
+                <a:cs typeface="Times New Roman" panose="02020603050405020304" pitchFamily="18" charset="0"/>
+              </a:rPr>
+              <a:t>Data Model</a:t>
+            </a:r>
+          </a:p>
+        </p:txBody>
+      </p:sp>
+      <p:sp>
+        <p:nvSpPr>
+          <p:cNvPr id="8" name="TextBox 7">
+            <a:extLst>
+              <a:ext uri="{FF2B5EF4-FFF2-40B4-BE49-F238E27FC236}">
+                <a16:creationId xmlns:a16="http://schemas.microsoft.com/office/drawing/2014/main" id="{8861BFAD-8A68-475D-80B8-92E3456F9952}"/>
+              </a:ext>
+            </a:extLst>
+          </p:cNvPr>
           <p:cNvSpPr txBox="1"/>
           <p:nvPr/>
         </p:nvSpPr>
         <p:spPr>
           <a:xfrm>
-            <a:off x="177800" y="0"/>
-            <a:ext cx="6385560" cy="646331"/>
+            <a:off x="6659602" y="6488668"/>
+            <a:ext cx="2484398" cy="369332"/>
           </a:xfrm>
           <a:prstGeom prst="rect">
             <a:avLst/>
@@ -13520,175 +10545,6 @@
           <a:noFill/>
         </p:spPr>
         <p:txBody>
-          <a:bodyPr wrap="square" rtlCol="0">
-            <a:spAutoFit/>
-          </a:bodyPr>
-          <a:lstStyle/>
-          <a:p>
-            <a:r>
-              <a:rPr lang="en-US" sz="3600" b="1" dirty="0">
-                <a:latin typeface="Times New Roman" panose="02020603050405020304" pitchFamily="18" charset="0"/>
-                <a:cs typeface="Times New Roman" panose="02020603050405020304" pitchFamily="18" charset="0"/>
-              </a:rPr>
-              <a:t>GPS System</a:t>
-            </a:r>
-          </a:p>
-        </p:txBody>
-      </p:sp>
-      <p:sp>
-        <p:nvSpPr>
-          <p:cNvPr id="6" name="TextBox 5"/>
-          <p:cNvSpPr txBox="1"/>
-          <p:nvPr/>
-        </p:nvSpPr>
-        <p:spPr>
-          <a:xfrm>
-            <a:off x="177800" y="949762"/>
-            <a:ext cx="4153527" cy="3416320"/>
-          </a:xfrm>
-          <a:prstGeom prst="rect">
-            <a:avLst/>
-          </a:prstGeom>
-          <a:noFill/>
-        </p:spPr>
-        <p:txBody>
-          <a:bodyPr wrap="square" rtlCol="0">
-            <a:spAutoFit/>
-          </a:bodyPr>
-          <a:lstStyle/>
-          <a:p>
-            <a:pPr marL="285750" indent="-285750">
-              <a:buFont typeface="Arial" panose="020B0604020202020204" pitchFamily="34" charset="0"/>
-              <a:buChar char="•"/>
-            </a:pPr>
-            <a:r>
-              <a:rPr lang="en-US" sz="2400" dirty="0">
-                <a:latin typeface="Times New Roman" panose="02020603050405020304" pitchFamily="18" charset="0"/>
-                <a:cs typeface="Times New Roman" panose="02020603050405020304" pitchFamily="18" charset="0"/>
-              </a:rPr>
-              <a:t>GPS system uses geographic coordinates which is called </a:t>
-            </a:r>
-          </a:p>
-          <a:p>
-            <a:r>
-              <a:rPr lang="en-US" sz="2400" dirty="0">
-                <a:latin typeface="Times New Roman" panose="02020603050405020304" pitchFamily="18" charset="0"/>
-                <a:cs typeface="Times New Roman" panose="02020603050405020304" pitchFamily="18" charset="0"/>
-              </a:rPr>
-              <a:t>     </a:t>
-            </a:r>
-            <a:r>
-              <a:rPr lang="en-US" sz="2400" b="1" dirty="0">
-                <a:latin typeface="Times New Roman" panose="02020603050405020304" pitchFamily="18" charset="0"/>
-                <a:cs typeface="Times New Roman" panose="02020603050405020304" pitchFamily="18" charset="0"/>
-              </a:rPr>
-              <a:t>Latitude</a:t>
-            </a:r>
-            <a:r>
-              <a:rPr lang="en-US" sz="2400" dirty="0">
-                <a:latin typeface="Times New Roman" panose="02020603050405020304" pitchFamily="18" charset="0"/>
-                <a:cs typeface="Times New Roman" panose="02020603050405020304" pitchFamily="18" charset="0"/>
-              </a:rPr>
-              <a:t> and </a:t>
-            </a:r>
-            <a:r>
-              <a:rPr lang="en-US" sz="2400" b="1" dirty="0">
-                <a:latin typeface="Times New Roman" panose="02020603050405020304" pitchFamily="18" charset="0"/>
-                <a:cs typeface="Times New Roman" panose="02020603050405020304" pitchFamily="18" charset="0"/>
-              </a:rPr>
-              <a:t>longitude.</a:t>
-            </a:r>
-          </a:p>
-          <a:p>
-            <a:endParaRPr lang="en-US" sz="2400" dirty="0">
-              <a:latin typeface="Times New Roman" panose="02020603050405020304" pitchFamily="18" charset="0"/>
-              <a:cs typeface="Times New Roman" panose="02020603050405020304" pitchFamily="18" charset="0"/>
-            </a:endParaRPr>
-          </a:p>
-          <a:p>
-            <a:pPr marL="285750" indent="-285750">
-              <a:buFont typeface="Arial" panose="020B0604020202020204" pitchFamily="34" charset="0"/>
-              <a:buChar char="•"/>
-            </a:pPr>
-            <a:r>
-              <a:rPr lang="en-US" sz="2400" dirty="0">
-                <a:latin typeface="Times New Roman" panose="02020603050405020304" pitchFamily="18" charset="0"/>
-                <a:cs typeface="Times New Roman" panose="02020603050405020304" pitchFamily="18" charset="0"/>
-              </a:rPr>
-              <a:t>Under this system an exact location on the earth can be express as asset of number. </a:t>
-            </a:r>
-          </a:p>
-          <a:p>
-            <a:endParaRPr lang="en-US" sz="2400" dirty="0">
-              <a:latin typeface="Times New Roman" panose="02020603050405020304" pitchFamily="18" charset="0"/>
-              <a:cs typeface="Times New Roman" panose="02020603050405020304" pitchFamily="18" charset="0"/>
-            </a:endParaRPr>
-          </a:p>
-          <a:p>
-            <a:pPr marL="742950" lvl="1" indent="-285750">
-              <a:buFont typeface="Arial" panose="020B0604020202020204" pitchFamily="34" charset="0"/>
-              <a:buChar char="•"/>
-            </a:pPr>
-            <a:endParaRPr lang="en-US" sz="2400" dirty="0">
-              <a:latin typeface="Times New Roman" panose="02020603050405020304" pitchFamily="18" charset="0"/>
-              <a:cs typeface="Times New Roman" panose="02020603050405020304" pitchFamily="18" charset="0"/>
-            </a:endParaRPr>
-          </a:p>
-        </p:txBody>
-      </p:sp>
-      <p:pic>
-        <p:nvPicPr>
-          <p:cNvPr id="10" name="Picture 9"/>
-          <p:cNvPicPr>
-            <a:picLocks noChangeAspect="1"/>
-          </p:cNvPicPr>
-          <p:nvPr/>
-        </p:nvPicPr>
-        <p:blipFill>
-          <a:blip r:embed="rId2">
-            <a:extLst>
-              <a:ext uri="{28A0092B-C50C-407E-A947-70E740481C1C}">
-                <a14:useLocalDpi xmlns:a14="http://schemas.microsoft.com/office/drawing/2010/main" val="0"/>
-              </a:ext>
-            </a:extLst>
-          </a:blip>
-          <a:stretch>
-            <a:fillRect/>
-          </a:stretch>
-        </p:blipFill>
-        <p:spPr>
-          <a:xfrm>
-            <a:off x="4331327" y="1572360"/>
-            <a:ext cx="4558673" cy="4859796"/>
-          </a:xfrm>
-          <a:prstGeom prst="rect">
-            <a:avLst/>
-          </a:prstGeom>
-        </p:spPr>
-      </p:pic>
-      <p:sp>
-        <p:nvSpPr>
-          <p:cNvPr id="7" name="TextBox 6">
-            <a:extLst>
-              <a:ext uri="{FF2B5EF4-FFF2-40B4-BE49-F238E27FC236}">
-                <a16:creationId xmlns:a16="http://schemas.microsoft.com/office/drawing/2014/main" id="{49EF3D99-725B-4E84-8371-0F182DA75865}"/>
-              </a:ext>
-            </a:extLst>
-          </p:cNvPr>
-          <p:cNvSpPr txBox="1"/>
-          <p:nvPr/>
-        </p:nvSpPr>
-        <p:spPr>
-          <a:xfrm>
-            <a:off x="6659602" y="6488668"/>
-            <a:ext cx="2484398" cy="369332"/>
-          </a:xfrm>
-          <a:prstGeom prst="rect">
-            <a:avLst/>
-          </a:prstGeom>
-          <a:noFill/>
-        </p:spPr>
-        <p:txBody>
           <a:bodyPr wrap="none" rtlCol="0">
             <a:spAutoFit/>
           </a:bodyPr>
@@ -13704,10 +10560,916 @@
           </a:p>
         </p:txBody>
       </p:sp>
+      <p:grpSp>
+        <p:nvGrpSpPr>
+          <p:cNvPr id="7" name="Group 6">
+            <a:extLst>
+              <a:ext uri="{FF2B5EF4-FFF2-40B4-BE49-F238E27FC236}">
+                <a16:creationId xmlns:a16="http://schemas.microsoft.com/office/drawing/2014/main" id="{6994F12C-66EE-4116-8A3B-6B96A163C5FB}"/>
+              </a:ext>
+            </a:extLst>
+          </p:cNvPr>
+          <p:cNvGrpSpPr/>
+          <p:nvPr/>
+        </p:nvGrpSpPr>
+        <p:grpSpPr>
+          <a:xfrm>
+            <a:off x="107639" y="2922374"/>
+            <a:ext cx="3075296" cy="1550961"/>
+            <a:chOff x="2761397" y="1023581"/>
+            <a:chExt cx="1542197" cy="1558713"/>
+          </a:xfrm>
+        </p:grpSpPr>
+        <p:sp>
+          <p:nvSpPr>
+            <p:cNvPr id="3" name="Rectangle 2">
+              <a:extLst>
+                <a:ext uri="{FF2B5EF4-FFF2-40B4-BE49-F238E27FC236}">
+                  <a16:creationId xmlns:a16="http://schemas.microsoft.com/office/drawing/2014/main" id="{063C04E7-9409-4C37-9ACD-39FC17ADBCEF}"/>
+                </a:ext>
+              </a:extLst>
+            </p:cNvPr>
+            <p:cNvSpPr/>
+            <p:nvPr/>
+          </p:nvSpPr>
+          <p:spPr>
+            <a:xfrm>
+              <a:off x="2761397" y="1023581"/>
+              <a:ext cx="1542197" cy="1558713"/>
+            </a:xfrm>
+            <a:prstGeom prst="rect">
+              <a:avLst/>
+            </a:prstGeom>
+            <a:solidFill>
+              <a:schemeClr val="bg1"/>
+            </a:solidFill>
+          </p:spPr>
+          <p:style>
+            <a:lnRef idx="2">
+              <a:schemeClr val="accent1">
+                <a:shade val="50000"/>
+              </a:schemeClr>
+            </a:lnRef>
+            <a:fillRef idx="1">
+              <a:schemeClr val="accent1"/>
+            </a:fillRef>
+            <a:effectRef idx="0">
+              <a:schemeClr val="accent1"/>
+            </a:effectRef>
+            <a:fontRef idx="minor">
+              <a:schemeClr val="lt1"/>
+            </a:fontRef>
+          </p:style>
+          <p:txBody>
+            <a:bodyPr rtlCol="0" anchor="ctr"/>
+            <a:lstStyle/>
+            <a:p>
+              <a:r>
+                <a:rPr lang="en-US" sz="1400" dirty="0">
+                  <a:solidFill>
+                    <a:schemeClr val="tx2"/>
+                  </a:solidFill>
+                </a:rPr>
+                <a:t>name: string</a:t>
+              </a:r>
+            </a:p>
+            <a:p>
+              <a:r>
+                <a:rPr lang="en-US" sz="1400" dirty="0">
+                  <a:solidFill>
+                    <a:schemeClr val="tx2"/>
+                  </a:solidFill>
+                </a:rPr>
+                <a:t>location: Point</a:t>
+              </a:r>
+            </a:p>
+            <a:p>
+              <a:r>
+                <a:rPr lang="en-US" sz="1400" dirty="0">
+                  <a:solidFill>
+                    <a:schemeClr val="tx2"/>
+                  </a:solidFill>
+                </a:rPr>
+                <a:t>timestamp: Timestamp</a:t>
+              </a:r>
+            </a:p>
+            <a:p>
+              <a:r>
+                <a:rPr lang="en-US" sz="1400" dirty="0">
+                  <a:solidFill>
+                    <a:schemeClr val="tx2"/>
+                  </a:solidFill>
+                </a:rPr>
+                <a:t>email: string</a:t>
+              </a:r>
+            </a:p>
+          </p:txBody>
+        </p:sp>
+        <p:sp>
+          <p:nvSpPr>
+            <p:cNvPr id="4" name="Rectangle 3">
+              <a:extLst>
+                <a:ext uri="{FF2B5EF4-FFF2-40B4-BE49-F238E27FC236}">
+                  <a16:creationId xmlns:a16="http://schemas.microsoft.com/office/drawing/2014/main" id="{A9D4EE92-E9D2-4B66-A87E-988BF61A973F}"/>
+                </a:ext>
+              </a:extLst>
+            </p:cNvPr>
+            <p:cNvSpPr/>
+            <p:nvPr/>
+          </p:nvSpPr>
+          <p:spPr>
+            <a:xfrm>
+              <a:off x="2761397" y="1023582"/>
+              <a:ext cx="1542197" cy="332096"/>
+            </a:xfrm>
+            <a:prstGeom prst="rect">
+              <a:avLst/>
+            </a:prstGeom>
+          </p:spPr>
+          <p:style>
+            <a:lnRef idx="2">
+              <a:schemeClr val="accent1">
+                <a:shade val="50000"/>
+              </a:schemeClr>
+            </a:lnRef>
+            <a:fillRef idx="1">
+              <a:schemeClr val="accent1"/>
+            </a:fillRef>
+            <a:effectRef idx="0">
+              <a:schemeClr val="accent1"/>
+            </a:effectRef>
+            <a:fontRef idx="minor">
+              <a:schemeClr val="lt1"/>
+            </a:fontRef>
+          </p:style>
+          <p:txBody>
+            <a:bodyPr rtlCol="0" anchor="ctr"/>
+            <a:lstStyle/>
+            <a:p>
+              <a:pPr algn="ctr"/>
+              <a:r>
+                <a:rPr lang="en-US" dirty="0"/>
+                <a:t>Taxi</a:t>
+              </a:r>
+            </a:p>
+          </p:txBody>
+        </p:sp>
+      </p:grpSp>
+      <p:grpSp>
+        <p:nvGrpSpPr>
+          <p:cNvPr id="9" name="Group 8">
+            <a:extLst>
+              <a:ext uri="{FF2B5EF4-FFF2-40B4-BE49-F238E27FC236}">
+                <a16:creationId xmlns:a16="http://schemas.microsoft.com/office/drawing/2014/main" id="{1CB93D28-6AE8-4CB5-8993-D45067652163}"/>
+              </a:ext>
+            </a:extLst>
+          </p:cNvPr>
+          <p:cNvGrpSpPr/>
+          <p:nvPr/>
+        </p:nvGrpSpPr>
+        <p:grpSpPr>
+          <a:xfrm>
+            <a:off x="5883854" y="2845729"/>
+            <a:ext cx="3075296" cy="1779901"/>
+            <a:chOff x="2761397" y="1023582"/>
+            <a:chExt cx="1542197" cy="1311710"/>
+          </a:xfrm>
+        </p:grpSpPr>
+        <p:sp>
+          <p:nvSpPr>
+            <p:cNvPr id="10" name="Rectangle 9">
+              <a:extLst>
+                <a:ext uri="{FF2B5EF4-FFF2-40B4-BE49-F238E27FC236}">
+                  <a16:creationId xmlns:a16="http://schemas.microsoft.com/office/drawing/2014/main" id="{A429287D-9340-42EE-9463-B4BDE58DA92A}"/>
+                </a:ext>
+              </a:extLst>
+            </p:cNvPr>
+            <p:cNvSpPr/>
+            <p:nvPr/>
+          </p:nvSpPr>
+          <p:spPr>
+            <a:xfrm>
+              <a:off x="2761397" y="1023582"/>
+              <a:ext cx="1542197" cy="1311710"/>
+            </a:xfrm>
+            <a:prstGeom prst="rect">
+              <a:avLst/>
+            </a:prstGeom>
+            <a:solidFill>
+              <a:schemeClr val="bg1"/>
+            </a:solidFill>
+          </p:spPr>
+          <p:style>
+            <a:lnRef idx="2">
+              <a:schemeClr val="accent1">
+                <a:shade val="50000"/>
+              </a:schemeClr>
+            </a:lnRef>
+            <a:fillRef idx="1">
+              <a:schemeClr val="accent1"/>
+            </a:fillRef>
+            <a:effectRef idx="0">
+              <a:schemeClr val="accent1"/>
+            </a:effectRef>
+            <a:fontRef idx="minor">
+              <a:schemeClr val="lt1"/>
+            </a:fontRef>
+          </p:style>
+          <p:txBody>
+            <a:bodyPr rtlCol="0" anchor="ctr"/>
+            <a:lstStyle/>
+            <a:p>
+              <a:r>
+                <a:rPr lang="en-US" sz="1400" dirty="0">
+                  <a:solidFill>
+                    <a:schemeClr val="tx2"/>
+                  </a:solidFill>
+                </a:rPr>
+                <a:t>name: string</a:t>
+              </a:r>
+            </a:p>
+            <a:p>
+              <a:r>
+                <a:rPr lang="en-US" sz="1400" dirty="0">
+                  <a:solidFill>
+                    <a:schemeClr val="tx2"/>
+                  </a:solidFill>
+                </a:rPr>
+                <a:t>location: Point</a:t>
+              </a:r>
+            </a:p>
+            <a:p>
+              <a:r>
+                <a:rPr lang="en-US" sz="1400" dirty="0">
+                  <a:solidFill>
+                    <a:schemeClr val="tx2"/>
+                  </a:solidFill>
+                </a:rPr>
+                <a:t>timestamp: Timestamp</a:t>
+              </a:r>
+            </a:p>
+            <a:p>
+              <a:r>
+                <a:rPr lang="en-US" sz="1400" dirty="0">
+                  <a:solidFill>
+                    <a:schemeClr val="tx2"/>
+                  </a:solidFill>
+                </a:rPr>
+                <a:t>email: string</a:t>
+              </a:r>
+            </a:p>
+          </p:txBody>
+        </p:sp>
+        <p:sp>
+          <p:nvSpPr>
+            <p:cNvPr id="11" name="Rectangle 10">
+              <a:extLst>
+                <a:ext uri="{FF2B5EF4-FFF2-40B4-BE49-F238E27FC236}">
+                  <a16:creationId xmlns:a16="http://schemas.microsoft.com/office/drawing/2014/main" id="{B3627616-B5A2-4CEE-9143-2368E04425FD}"/>
+                </a:ext>
+              </a:extLst>
+            </p:cNvPr>
+            <p:cNvSpPr/>
+            <p:nvPr/>
+          </p:nvSpPr>
+          <p:spPr>
+            <a:xfrm>
+              <a:off x="2761397" y="1023582"/>
+              <a:ext cx="1542197" cy="332096"/>
+            </a:xfrm>
+            <a:prstGeom prst="rect">
+              <a:avLst/>
+            </a:prstGeom>
+          </p:spPr>
+          <p:style>
+            <a:lnRef idx="2">
+              <a:schemeClr val="accent1">
+                <a:shade val="50000"/>
+              </a:schemeClr>
+            </a:lnRef>
+            <a:fillRef idx="1">
+              <a:schemeClr val="accent1"/>
+            </a:fillRef>
+            <a:effectRef idx="0">
+              <a:schemeClr val="accent1"/>
+            </a:effectRef>
+            <a:fontRef idx="minor">
+              <a:schemeClr val="lt1"/>
+            </a:fontRef>
+          </p:style>
+          <p:txBody>
+            <a:bodyPr rtlCol="0" anchor="ctr"/>
+            <a:lstStyle/>
+            <a:p>
+              <a:pPr algn="ctr"/>
+              <a:r>
+                <a:rPr lang="en-US" dirty="0"/>
+                <a:t>Customers</a:t>
+              </a:r>
+            </a:p>
+          </p:txBody>
+        </p:sp>
+      </p:grpSp>
+      <p:grpSp>
+        <p:nvGrpSpPr>
+          <p:cNvPr id="12" name="Group 11">
+            <a:extLst>
+              <a:ext uri="{FF2B5EF4-FFF2-40B4-BE49-F238E27FC236}">
+                <a16:creationId xmlns:a16="http://schemas.microsoft.com/office/drawing/2014/main" id="{1A8CEA7A-0760-49DF-A7D9-80B7BF727426}"/>
+              </a:ext>
+            </a:extLst>
+          </p:cNvPr>
+          <p:cNvGrpSpPr/>
+          <p:nvPr/>
+        </p:nvGrpSpPr>
+        <p:grpSpPr>
+          <a:xfrm>
+            <a:off x="2968086" y="259799"/>
+            <a:ext cx="3207827" cy="2383810"/>
+            <a:chOff x="2761397" y="1023582"/>
+            <a:chExt cx="1542197" cy="1498613"/>
+          </a:xfrm>
+        </p:grpSpPr>
+        <p:sp>
+          <p:nvSpPr>
+            <p:cNvPr id="13" name="Rectangle 12">
+              <a:extLst>
+                <a:ext uri="{FF2B5EF4-FFF2-40B4-BE49-F238E27FC236}">
+                  <a16:creationId xmlns:a16="http://schemas.microsoft.com/office/drawing/2014/main" id="{F5E465CD-3159-40FE-96E4-763B4F141DBA}"/>
+                </a:ext>
+              </a:extLst>
+            </p:cNvPr>
+            <p:cNvSpPr/>
+            <p:nvPr/>
+          </p:nvSpPr>
+          <p:spPr>
+            <a:xfrm>
+              <a:off x="2761397" y="1023582"/>
+              <a:ext cx="1542197" cy="1498613"/>
+            </a:xfrm>
+            <a:prstGeom prst="rect">
+              <a:avLst/>
+            </a:prstGeom>
+            <a:solidFill>
+              <a:schemeClr val="bg1"/>
+            </a:solidFill>
+          </p:spPr>
+          <p:style>
+            <a:lnRef idx="2">
+              <a:schemeClr val="accent1">
+                <a:shade val="50000"/>
+              </a:schemeClr>
+            </a:lnRef>
+            <a:fillRef idx="1">
+              <a:schemeClr val="accent1"/>
+            </a:fillRef>
+            <a:effectRef idx="0">
+              <a:schemeClr val="accent1"/>
+            </a:effectRef>
+            <a:fontRef idx="minor">
+              <a:schemeClr val="lt1"/>
+            </a:fontRef>
+          </p:style>
+          <p:txBody>
+            <a:bodyPr rtlCol="0" anchor="ctr"/>
+            <a:lstStyle/>
+            <a:p>
+              <a:endParaRPr lang="en-US" sz="1400" dirty="0">
+                <a:solidFill>
+                  <a:schemeClr val="tx2"/>
+                </a:solidFill>
+              </a:endParaRPr>
+            </a:p>
+            <a:p>
+              <a:r>
+                <a:rPr lang="en-US" sz="1400" dirty="0">
+                  <a:solidFill>
+                    <a:schemeClr val="tx2"/>
+                  </a:solidFill>
+                </a:rPr>
+                <a:t>_id : </a:t>
+              </a:r>
+              <a:r>
+                <a:rPr lang="en-US" sz="1400" dirty="0" err="1">
+                  <a:solidFill>
+                    <a:schemeClr val="tx2"/>
+                  </a:solidFill>
+                </a:rPr>
+                <a:t>ObjectId</a:t>
+              </a:r>
+              <a:endParaRPr lang="en-US" sz="1400" dirty="0">
+                <a:solidFill>
+                  <a:schemeClr val="tx2"/>
+                </a:solidFill>
+              </a:endParaRPr>
+            </a:p>
+            <a:p>
+              <a:r>
+                <a:rPr lang="en-US" sz="1400" dirty="0" err="1">
+                  <a:solidFill>
+                    <a:schemeClr val="tx2"/>
+                  </a:solidFill>
+                </a:rPr>
+                <a:t>customer_id</a:t>
+              </a:r>
+              <a:r>
+                <a:rPr lang="en-US" sz="1400" dirty="0">
+                  <a:solidFill>
+                    <a:schemeClr val="tx2"/>
+                  </a:solidFill>
+                </a:rPr>
+                <a:t> : </a:t>
+              </a:r>
+              <a:r>
+                <a:rPr lang="en-US" sz="1400" dirty="0" err="1">
+                  <a:solidFill>
+                    <a:schemeClr val="tx2"/>
+                  </a:solidFill>
+                </a:rPr>
+                <a:t>ObjectId</a:t>
+              </a:r>
+              <a:endParaRPr lang="en-US" sz="1400" dirty="0">
+                <a:solidFill>
+                  <a:schemeClr val="tx2"/>
+                </a:solidFill>
+              </a:endParaRPr>
+            </a:p>
+            <a:p>
+              <a:r>
+                <a:rPr lang="en-US" sz="1400" dirty="0">
+                  <a:solidFill>
+                    <a:schemeClr val="tx2"/>
+                  </a:solidFill>
+                </a:rPr>
+                <a:t>location: Point</a:t>
+              </a:r>
+            </a:p>
+            <a:p>
+              <a:r>
+                <a:rPr lang="en-US" sz="1400" dirty="0">
+                  <a:solidFill>
+                    <a:schemeClr val="tx2"/>
+                  </a:solidFill>
+                </a:rPr>
+                <a:t>timestamp: Timestamp</a:t>
+              </a:r>
+            </a:p>
+            <a:p>
+              <a:r>
+                <a:rPr lang="en-US" sz="1400" dirty="0" err="1">
+                  <a:solidFill>
+                    <a:schemeClr val="tx2"/>
+                  </a:solidFill>
+                </a:rPr>
+                <a:t>booking_accepted</a:t>
+              </a:r>
+              <a:r>
+                <a:rPr lang="en-US" sz="1400" dirty="0">
+                  <a:solidFill>
+                    <a:schemeClr val="tx2"/>
+                  </a:solidFill>
+                </a:rPr>
+                <a:t>: string</a:t>
+              </a:r>
+            </a:p>
+            <a:p>
+              <a:r>
+                <a:rPr lang="en-US" sz="1400" dirty="0" err="1">
+                  <a:solidFill>
+                    <a:schemeClr val="tx2"/>
+                  </a:solidFill>
+                </a:rPr>
+                <a:t>booking_active</a:t>
+              </a:r>
+              <a:r>
+                <a:rPr lang="en-US" sz="1400" dirty="0">
+                  <a:solidFill>
+                    <a:schemeClr val="tx2"/>
+                  </a:solidFill>
+                </a:rPr>
+                <a:t>: string</a:t>
+              </a:r>
+            </a:p>
+            <a:p>
+              <a:r>
+                <a:rPr lang="en-US" sz="1400" dirty="0" err="1">
+                  <a:solidFill>
+                    <a:schemeClr val="tx2"/>
+                  </a:solidFill>
+                </a:rPr>
+                <a:t>taxi_id</a:t>
+              </a:r>
+              <a:r>
+                <a:rPr lang="en-US" sz="1400" dirty="0">
+                  <a:solidFill>
+                    <a:schemeClr val="tx2"/>
+                  </a:solidFill>
+                </a:rPr>
+                <a:t>: </a:t>
+              </a:r>
+              <a:r>
+                <a:rPr lang="en-US" sz="1400" dirty="0" err="1">
+                  <a:solidFill>
+                    <a:schemeClr val="tx2"/>
+                  </a:solidFill>
+                </a:rPr>
+                <a:t>ObjectId</a:t>
+              </a:r>
+              <a:endParaRPr lang="en-US" sz="1400" dirty="0">
+                <a:solidFill>
+                  <a:schemeClr val="tx2"/>
+                </a:solidFill>
+              </a:endParaRPr>
+            </a:p>
+          </p:txBody>
+        </p:sp>
+        <p:sp>
+          <p:nvSpPr>
+            <p:cNvPr id="14" name="Rectangle 13">
+              <a:extLst>
+                <a:ext uri="{FF2B5EF4-FFF2-40B4-BE49-F238E27FC236}">
+                  <a16:creationId xmlns:a16="http://schemas.microsoft.com/office/drawing/2014/main" id="{B5B52D71-897B-4B99-AEE7-83B245A99D92}"/>
+                </a:ext>
+              </a:extLst>
+            </p:cNvPr>
+            <p:cNvSpPr/>
+            <p:nvPr/>
+          </p:nvSpPr>
+          <p:spPr>
+            <a:xfrm>
+              <a:off x="2761397" y="1023582"/>
+              <a:ext cx="1542197" cy="332096"/>
+            </a:xfrm>
+            <a:prstGeom prst="rect">
+              <a:avLst/>
+            </a:prstGeom>
+          </p:spPr>
+          <p:style>
+            <a:lnRef idx="2">
+              <a:schemeClr val="accent1">
+                <a:shade val="50000"/>
+              </a:schemeClr>
+            </a:lnRef>
+            <a:fillRef idx="1">
+              <a:schemeClr val="accent1"/>
+            </a:fillRef>
+            <a:effectRef idx="0">
+              <a:schemeClr val="accent1"/>
+            </a:effectRef>
+            <a:fontRef idx="minor">
+              <a:schemeClr val="lt1"/>
+            </a:fontRef>
+          </p:style>
+          <p:txBody>
+            <a:bodyPr rtlCol="0" anchor="ctr"/>
+            <a:lstStyle/>
+            <a:p>
+              <a:pPr algn="ctr"/>
+              <a:r>
+                <a:rPr lang="en-US" sz="1600" dirty="0"/>
+                <a:t>Bookings</a:t>
+              </a:r>
+            </a:p>
+          </p:txBody>
+        </p:sp>
+      </p:grpSp>
+      <p:grpSp>
+        <p:nvGrpSpPr>
+          <p:cNvPr id="15" name="Group 14">
+            <a:extLst>
+              <a:ext uri="{FF2B5EF4-FFF2-40B4-BE49-F238E27FC236}">
+                <a16:creationId xmlns:a16="http://schemas.microsoft.com/office/drawing/2014/main" id="{B95A440E-C1B1-4E47-A2CD-88D12602EE09}"/>
+              </a:ext>
+            </a:extLst>
+          </p:cNvPr>
+          <p:cNvGrpSpPr/>
+          <p:nvPr/>
+        </p:nvGrpSpPr>
+        <p:grpSpPr>
+          <a:xfrm>
+            <a:off x="3034351" y="4780200"/>
+            <a:ext cx="3075296" cy="2033516"/>
+            <a:chOff x="2761397" y="1023582"/>
+            <a:chExt cx="1542197" cy="1498613"/>
+          </a:xfrm>
+        </p:grpSpPr>
+        <p:sp>
+          <p:nvSpPr>
+            <p:cNvPr id="16" name="Rectangle 15">
+              <a:extLst>
+                <a:ext uri="{FF2B5EF4-FFF2-40B4-BE49-F238E27FC236}">
+                  <a16:creationId xmlns:a16="http://schemas.microsoft.com/office/drawing/2014/main" id="{0FAA422F-B527-479E-A00C-70AB91FE1735}"/>
+                </a:ext>
+              </a:extLst>
+            </p:cNvPr>
+            <p:cNvSpPr/>
+            <p:nvPr/>
+          </p:nvSpPr>
+          <p:spPr>
+            <a:xfrm>
+              <a:off x="2761397" y="1023582"/>
+              <a:ext cx="1542197" cy="1498613"/>
+            </a:xfrm>
+            <a:prstGeom prst="rect">
+              <a:avLst/>
+            </a:prstGeom>
+            <a:solidFill>
+              <a:schemeClr val="bg1"/>
+            </a:solidFill>
+          </p:spPr>
+          <p:style>
+            <a:lnRef idx="2">
+              <a:schemeClr val="accent1">
+                <a:shade val="50000"/>
+              </a:schemeClr>
+            </a:lnRef>
+            <a:fillRef idx="1">
+              <a:schemeClr val="accent1"/>
+            </a:fillRef>
+            <a:effectRef idx="0">
+              <a:schemeClr val="accent1"/>
+            </a:effectRef>
+            <a:fontRef idx="minor">
+              <a:schemeClr val="lt1"/>
+            </a:fontRef>
+          </p:style>
+          <p:txBody>
+            <a:bodyPr rtlCol="0" anchor="ctr"/>
+            <a:lstStyle/>
+            <a:p>
+              <a:r>
+                <a:rPr lang="en-US" sz="1400" dirty="0">
+                  <a:solidFill>
+                    <a:schemeClr val="tx2"/>
+                  </a:solidFill>
+                </a:rPr>
+                <a:t>_id : </a:t>
+              </a:r>
+              <a:r>
+                <a:rPr lang="en-US" sz="1400" dirty="0" err="1">
+                  <a:solidFill>
+                    <a:schemeClr val="tx2"/>
+                  </a:solidFill>
+                </a:rPr>
+                <a:t>ObjectId</a:t>
+              </a:r>
+              <a:endParaRPr lang="en-US" sz="1400" dirty="0">
+                <a:solidFill>
+                  <a:schemeClr val="tx2"/>
+                </a:solidFill>
+              </a:endParaRPr>
+            </a:p>
+            <a:p>
+              <a:r>
+                <a:rPr lang="en-US" sz="1400" dirty="0" err="1">
+                  <a:solidFill>
+                    <a:schemeClr val="tx2"/>
+                  </a:solidFill>
+                </a:rPr>
+                <a:t>booking_id</a:t>
+              </a:r>
+              <a:r>
+                <a:rPr lang="en-US" sz="1400" dirty="0">
+                  <a:solidFill>
+                    <a:schemeClr val="tx2"/>
+                  </a:solidFill>
+                </a:rPr>
+                <a:t> : </a:t>
+              </a:r>
+              <a:r>
+                <a:rPr lang="en-US" sz="1400" dirty="0" err="1">
+                  <a:solidFill>
+                    <a:schemeClr val="tx2"/>
+                  </a:solidFill>
+                </a:rPr>
+                <a:t>ObjectId</a:t>
+              </a:r>
+              <a:endParaRPr lang="en-US" sz="1400" dirty="0">
+                <a:solidFill>
+                  <a:schemeClr val="tx2"/>
+                </a:solidFill>
+              </a:endParaRPr>
+            </a:p>
+            <a:p>
+              <a:r>
+                <a:rPr lang="en-US" sz="1400" dirty="0" err="1">
+                  <a:solidFill>
+                    <a:schemeClr val="tx2"/>
+                  </a:solidFill>
+                </a:rPr>
+                <a:t>trip_start</a:t>
+              </a:r>
+              <a:r>
+                <a:rPr lang="en-US" sz="1400" dirty="0">
+                  <a:solidFill>
+                    <a:schemeClr val="tx2"/>
+                  </a:solidFill>
+                </a:rPr>
+                <a:t>: Timestamp</a:t>
+              </a:r>
+            </a:p>
+            <a:p>
+              <a:r>
+                <a:rPr lang="en-US" sz="1400" dirty="0" err="1">
+                  <a:solidFill>
+                    <a:schemeClr val="tx2"/>
+                  </a:solidFill>
+                </a:rPr>
+                <a:t>trip_end</a:t>
+              </a:r>
+              <a:r>
+                <a:rPr lang="en-US" sz="1400" dirty="0">
+                  <a:solidFill>
+                    <a:schemeClr val="tx2"/>
+                  </a:solidFill>
+                </a:rPr>
+                <a:t>: Timestamp</a:t>
+              </a:r>
+            </a:p>
+          </p:txBody>
+        </p:sp>
+        <p:sp>
+          <p:nvSpPr>
+            <p:cNvPr id="17" name="Rectangle 16">
+              <a:extLst>
+                <a:ext uri="{FF2B5EF4-FFF2-40B4-BE49-F238E27FC236}">
+                  <a16:creationId xmlns:a16="http://schemas.microsoft.com/office/drawing/2014/main" id="{B225A5D6-6606-4934-BE22-39F6D2C59F10}"/>
+                </a:ext>
+              </a:extLst>
+            </p:cNvPr>
+            <p:cNvSpPr/>
+            <p:nvPr/>
+          </p:nvSpPr>
+          <p:spPr>
+            <a:xfrm>
+              <a:off x="2761397" y="1023582"/>
+              <a:ext cx="1542197" cy="332096"/>
+            </a:xfrm>
+            <a:prstGeom prst="rect">
+              <a:avLst/>
+            </a:prstGeom>
+          </p:spPr>
+          <p:style>
+            <a:lnRef idx="2">
+              <a:schemeClr val="accent1">
+                <a:shade val="50000"/>
+              </a:schemeClr>
+            </a:lnRef>
+            <a:fillRef idx="1">
+              <a:schemeClr val="accent1"/>
+            </a:fillRef>
+            <a:effectRef idx="0">
+              <a:schemeClr val="accent1"/>
+            </a:effectRef>
+            <a:fontRef idx="minor">
+              <a:schemeClr val="lt1"/>
+            </a:fontRef>
+          </p:style>
+          <p:txBody>
+            <a:bodyPr rtlCol="0" anchor="ctr"/>
+            <a:lstStyle/>
+            <a:p>
+              <a:pPr algn="ctr"/>
+              <a:r>
+                <a:rPr lang="en-US" dirty="0"/>
+                <a:t>Trips</a:t>
+              </a:r>
+            </a:p>
+          </p:txBody>
+        </p:sp>
+      </p:grpSp>
+      <p:cxnSp>
+        <p:nvCxnSpPr>
+          <p:cNvPr id="27" name="Connector: Elbow 26">
+            <a:extLst>
+              <a:ext uri="{FF2B5EF4-FFF2-40B4-BE49-F238E27FC236}">
+                <a16:creationId xmlns:a16="http://schemas.microsoft.com/office/drawing/2014/main" id="{A17C6D43-5B3D-44DB-B926-04D7F330BF04}"/>
+              </a:ext>
+            </a:extLst>
+          </p:cNvPr>
+          <p:cNvCxnSpPr>
+            <a:stCxn id="13" idx="3"/>
+            <a:endCxn id="11" idx="0"/>
+          </p:cNvCxnSpPr>
+          <p:nvPr/>
+        </p:nvCxnSpPr>
+        <p:spPr>
+          <a:xfrm>
+            <a:off x="6175913" y="1451704"/>
+            <a:ext cx="1245589" cy="1394025"/>
+          </a:xfrm>
+          <a:prstGeom prst="bentConnector2">
+            <a:avLst/>
+          </a:prstGeom>
+          <a:ln>
+            <a:tailEnd type="triangle"/>
+          </a:ln>
+        </p:spPr>
+        <p:style>
+          <a:lnRef idx="1">
+            <a:schemeClr val="accent1"/>
+          </a:lnRef>
+          <a:fillRef idx="0">
+            <a:schemeClr val="accent1"/>
+          </a:fillRef>
+          <a:effectRef idx="0">
+            <a:schemeClr val="accent1"/>
+          </a:effectRef>
+          <a:fontRef idx="minor">
+            <a:schemeClr val="tx1"/>
+          </a:fontRef>
+        </p:style>
+      </p:cxnSp>
+      <p:cxnSp>
+        <p:nvCxnSpPr>
+          <p:cNvPr id="29" name="Connector: Elbow 28">
+            <a:extLst>
+              <a:ext uri="{FF2B5EF4-FFF2-40B4-BE49-F238E27FC236}">
+                <a16:creationId xmlns:a16="http://schemas.microsoft.com/office/drawing/2014/main" id="{EFCB47F5-9E8D-47CC-BF54-F3BEC1FE3867}"/>
+              </a:ext>
+            </a:extLst>
+          </p:cNvPr>
+          <p:cNvCxnSpPr>
+            <a:cxnSpLocks/>
+            <a:stCxn id="13" idx="1"/>
+            <a:endCxn id="4" idx="0"/>
+          </p:cNvCxnSpPr>
+          <p:nvPr/>
+        </p:nvCxnSpPr>
+        <p:spPr>
+          <a:xfrm rot="10800000" flipV="1">
+            <a:off x="1645288" y="1451703"/>
+            <a:ext cx="1322799" cy="1470671"/>
+          </a:xfrm>
+          <a:prstGeom prst="bentConnector2">
+            <a:avLst/>
+          </a:prstGeom>
+          <a:ln>
+            <a:tailEnd type="triangle"/>
+          </a:ln>
+        </p:spPr>
+        <p:style>
+          <a:lnRef idx="1">
+            <a:schemeClr val="accent1"/>
+          </a:lnRef>
+          <a:fillRef idx="0">
+            <a:schemeClr val="accent1"/>
+          </a:fillRef>
+          <a:effectRef idx="0">
+            <a:schemeClr val="accent1"/>
+          </a:effectRef>
+          <a:fontRef idx="minor">
+            <a:schemeClr val="tx1"/>
+          </a:fontRef>
+        </p:style>
+      </p:cxnSp>
+      <p:cxnSp>
+        <p:nvCxnSpPr>
+          <p:cNvPr id="34" name="Straight Arrow Connector 33">
+            <a:extLst>
+              <a:ext uri="{FF2B5EF4-FFF2-40B4-BE49-F238E27FC236}">
+                <a16:creationId xmlns:a16="http://schemas.microsoft.com/office/drawing/2014/main" id="{834B4B52-36C7-41BC-B393-7F50113BD7F4}"/>
+              </a:ext>
+            </a:extLst>
+          </p:cNvPr>
+          <p:cNvCxnSpPr>
+            <a:cxnSpLocks/>
+            <a:stCxn id="17" idx="0"/>
+            <a:endCxn id="13" idx="2"/>
+          </p:cNvCxnSpPr>
+          <p:nvPr/>
+        </p:nvCxnSpPr>
+        <p:spPr>
+          <a:xfrm flipV="1">
+            <a:off x="4571999" y="2643609"/>
+            <a:ext cx="1" cy="2136591"/>
+          </a:xfrm>
+          <a:prstGeom prst="straightConnector1">
+            <a:avLst/>
+          </a:prstGeom>
+          <a:ln>
+            <a:tailEnd type="triangle"/>
+          </a:ln>
+        </p:spPr>
+        <p:style>
+          <a:lnRef idx="1">
+            <a:schemeClr val="accent1"/>
+          </a:lnRef>
+          <a:fillRef idx="0">
+            <a:schemeClr val="accent1"/>
+          </a:fillRef>
+          <a:effectRef idx="0">
+            <a:schemeClr val="accent1"/>
+          </a:effectRef>
+          <a:fontRef idx="minor">
+            <a:schemeClr val="tx1"/>
+          </a:fontRef>
+        </p:style>
+      </p:cxnSp>
     </p:spTree>
     <p:extLst>
       <p:ext uri="{BB962C8B-B14F-4D97-AF65-F5344CB8AC3E}">
-        <p14:creationId xmlns:p14="http://schemas.microsoft.com/office/powerpoint/2010/main" val="1157997208"/>
+        <p14:creationId xmlns:p14="http://schemas.microsoft.com/office/powerpoint/2010/main" val="1445301092"/>
       </p:ext>
     </p:extLst>
   </p:cSld>
@@ -13746,8 +11508,8 @@
         </p:nvSpPr>
         <p:spPr>
           <a:xfrm>
-            <a:off x="252766" y="27794"/>
-            <a:ext cx="6589199" cy="798290"/>
+            <a:off x="200236" y="174370"/>
+            <a:ext cx="7701565" cy="683990"/>
           </a:xfrm>
         </p:spPr>
         <p:txBody>
@@ -13758,64 +11520,310 @@
           <a:p>
             <a:r>
               <a:rPr lang="en-US" b="1" dirty="0">
+                <a:solidFill>
+                  <a:schemeClr val="tx1"/>
+                </a:solidFill>
                 <a:latin typeface="Times New Roman" panose="02020603050405020304" pitchFamily="18" charset="0"/>
                 <a:cs typeface="Times New Roman" panose="02020603050405020304" pitchFamily="18" charset="0"/>
               </a:rPr>
-              <a:t>Taxi Tracking System</a:t>
-            </a:r>
-            <a:br>
-              <a:rPr lang="en-US" b="1" dirty="0">
+              <a:t>API Interfaces</a:t>
+            </a:r>
+            <a:endParaRPr lang="en-US" dirty="0">
+              <a:solidFill>
+                <a:schemeClr val="tx1"/>
+              </a:solidFill>
+            </a:endParaRPr>
+          </a:p>
+        </p:txBody>
+      </p:sp>
+      <p:sp>
+        <p:nvSpPr>
+          <p:cNvPr id="10" name="Content Placeholder 2"/>
+          <p:cNvSpPr>
+            <a:spLocks noGrp="1"/>
+          </p:cNvSpPr>
+          <p:nvPr>
+            <p:ph idx="1"/>
+          </p:nvPr>
+        </p:nvSpPr>
+        <p:spPr>
+          <a:xfrm>
+            <a:off x="200236" y="858360"/>
+            <a:ext cx="8411501" cy="868257"/>
+          </a:xfrm>
+        </p:spPr>
+        <p:txBody>
+          <a:bodyPr>
+            <a:noAutofit/>
+          </a:bodyPr>
+          <a:lstStyle/>
+          <a:p>
+            <a:r>
+              <a:rPr lang="en-US" sz="1400" dirty="0">
                 <a:latin typeface="Times New Roman" panose="02020603050405020304" pitchFamily="18" charset="0"/>
                 <a:cs typeface="Times New Roman" panose="02020603050405020304" pitchFamily="18" charset="0"/>
               </a:rPr>
-            </a:br>
-            <a:endParaRPr lang="en-US" b="1" dirty="0">
+              <a:t>Customer Registration</a:t>
+            </a:r>
+          </a:p>
+          <a:p>
+            <a:pPr lvl="1"/>
+            <a:r>
+              <a:rPr lang="en-US" sz="1100" dirty="0">
+                <a:latin typeface="Times New Roman" panose="02020603050405020304" pitchFamily="18" charset="0"/>
+                <a:cs typeface="Times New Roman" panose="02020603050405020304" pitchFamily="18" charset="0"/>
+                <a:hlinkClick r:id="rId2"/>
+              </a:rPr>
+              <a:t>https://3598y3s21l.execute-api.us-east-1.amazonaws.com/api/customer</a:t>
+            </a:r>
+            <a:endParaRPr lang="en-US" sz="1100" dirty="0">
               <a:latin typeface="Times New Roman" panose="02020603050405020304" pitchFamily="18" charset="0"/>
               <a:cs typeface="Times New Roman" panose="02020603050405020304" pitchFamily="18" charset="0"/>
             </a:endParaRPr>
           </a:p>
-        </p:txBody>
-      </p:sp>
-      <p:pic>
-        <p:nvPicPr>
-          <p:cNvPr id="6" name="Picture 5"/>
-          <p:cNvPicPr>
-            <a:picLocks noChangeAspect="1"/>
-          </p:cNvPicPr>
-          <p:nvPr/>
-        </p:nvPicPr>
-        <p:blipFill>
-          <a:blip r:embed="rId2">
+          <a:p>
+            <a:r>
+              <a:rPr lang="en-US" sz="1400" dirty="0">
+                <a:latin typeface="Times New Roman" panose="02020603050405020304" pitchFamily="18" charset="0"/>
+                <a:cs typeface="Times New Roman" panose="02020603050405020304" pitchFamily="18" charset="0"/>
+              </a:rPr>
+              <a:t>Taxi/Driver Registration</a:t>
+            </a:r>
+          </a:p>
+          <a:p>
+            <a:pPr lvl="1"/>
+            <a:r>
+              <a:rPr lang="en-US" sz="1100" dirty="0">
+                <a:latin typeface="Times New Roman" panose="02020603050405020304" pitchFamily="18" charset="0"/>
+                <a:cs typeface="Times New Roman" panose="02020603050405020304" pitchFamily="18" charset="0"/>
+                <a:hlinkClick r:id="rId3"/>
+              </a:rPr>
+              <a:t>https://3598y3s21l.execute-api.us-east-1.amazonaws.com/api/taxi</a:t>
+            </a:r>
+            <a:endParaRPr lang="en-US" sz="1100" dirty="0">
+              <a:latin typeface="Times New Roman" panose="02020603050405020304" pitchFamily="18" charset="0"/>
+              <a:cs typeface="Times New Roman" panose="02020603050405020304" pitchFamily="18" charset="0"/>
+            </a:endParaRPr>
+          </a:p>
+          <a:p>
+            <a:r>
+              <a:rPr lang="en-US" sz="1400" dirty="0">
+                <a:latin typeface="Times New Roman" panose="02020603050405020304" pitchFamily="18" charset="0"/>
+                <a:cs typeface="Times New Roman" panose="02020603050405020304" pitchFamily="18" charset="0"/>
+              </a:rPr>
+              <a:t>Taxi details</a:t>
+            </a:r>
+          </a:p>
+          <a:p>
+            <a:pPr lvl="1"/>
+            <a:r>
+              <a:rPr lang="en-US" sz="1100" dirty="0">
+                <a:latin typeface="Times New Roman" panose="02020603050405020304" pitchFamily="18" charset="0"/>
+                <a:cs typeface="Times New Roman" panose="02020603050405020304" pitchFamily="18" charset="0"/>
+                <a:hlinkClick r:id="rId3"/>
+              </a:rPr>
+              <a:t>https://3598y3s21l.execute-api.us-east-1.amazonaws.com/api/taxi</a:t>
+            </a:r>
+            <a:endParaRPr lang="en-US" sz="1100" dirty="0">
+              <a:latin typeface="Times New Roman" panose="02020603050405020304" pitchFamily="18" charset="0"/>
+              <a:cs typeface="Times New Roman" panose="02020603050405020304" pitchFamily="18" charset="0"/>
+            </a:endParaRPr>
+          </a:p>
+          <a:p>
+            <a:r>
+              <a:rPr lang="en-US" sz="1400" dirty="0">
+                <a:latin typeface="Times New Roman" panose="02020603050405020304" pitchFamily="18" charset="0"/>
+                <a:cs typeface="Times New Roman" panose="02020603050405020304" pitchFamily="18" charset="0"/>
+              </a:rPr>
+              <a:t>Customer details</a:t>
+            </a:r>
+          </a:p>
+          <a:p>
+            <a:pPr lvl="1"/>
+            <a:r>
+              <a:rPr lang="en-US" sz="1100" dirty="0">
+                <a:latin typeface="Times New Roman" panose="02020603050405020304" pitchFamily="18" charset="0"/>
+                <a:cs typeface="Times New Roman" panose="02020603050405020304" pitchFamily="18" charset="0"/>
+                <a:hlinkClick r:id="rId2"/>
+              </a:rPr>
+              <a:t>https://3598y3s21l.execute-api.us-east-1.amazonaws.com/api/customer</a:t>
+            </a:r>
+            <a:endParaRPr lang="en-US" sz="1100" dirty="0">
+              <a:latin typeface="Times New Roman" panose="02020603050405020304" pitchFamily="18" charset="0"/>
+              <a:cs typeface="Times New Roman" panose="02020603050405020304" pitchFamily="18" charset="0"/>
+            </a:endParaRPr>
+          </a:p>
+          <a:p>
+            <a:r>
+              <a:rPr lang="en-US" sz="1400" dirty="0">
+                <a:latin typeface="Times New Roman" panose="02020603050405020304" pitchFamily="18" charset="0"/>
+                <a:cs typeface="Times New Roman" panose="02020603050405020304" pitchFamily="18" charset="0"/>
+              </a:rPr>
+              <a:t>Booking</a:t>
+            </a:r>
+          </a:p>
+          <a:p>
+            <a:pPr lvl="1"/>
+            <a:r>
+              <a:rPr lang="en-US" sz="1100" dirty="0">
+                <a:latin typeface="Times New Roman" panose="02020603050405020304" pitchFamily="18" charset="0"/>
+                <a:cs typeface="Times New Roman" panose="02020603050405020304" pitchFamily="18" charset="0"/>
+                <a:hlinkClick r:id="rId4"/>
+              </a:rPr>
+              <a:t>https://3598y3s21l.execute-api.us-east-1.amazonaws.com/api/booktaxi?userid=62a0f27ad25399bc7a1403e5</a:t>
+            </a:r>
+            <a:endParaRPr lang="en-US" sz="1100" dirty="0">
+              <a:latin typeface="Times New Roman" panose="02020603050405020304" pitchFamily="18" charset="0"/>
+              <a:cs typeface="Times New Roman" panose="02020603050405020304" pitchFamily="18" charset="0"/>
+            </a:endParaRPr>
+          </a:p>
+          <a:p>
+            <a:r>
+              <a:rPr lang="en-US" sz="1400" dirty="0">
+                <a:latin typeface="Times New Roman" panose="02020603050405020304" pitchFamily="18" charset="0"/>
+                <a:cs typeface="Times New Roman" panose="02020603050405020304" pitchFamily="18" charset="0"/>
+              </a:rPr>
+              <a:t>Booking acceptance</a:t>
+            </a:r>
+          </a:p>
+          <a:p>
+            <a:pPr lvl="1"/>
+            <a:r>
+              <a:rPr lang="en-US" sz="1100" dirty="0">
+                <a:latin typeface="Times New Roman" panose="02020603050405020304" pitchFamily="18" charset="0"/>
+                <a:cs typeface="Times New Roman" panose="02020603050405020304" pitchFamily="18" charset="0"/>
+                <a:hlinkClick r:id="rId5"/>
+              </a:rPr>
+              <a:t>https://3598y3s21l.execute-api.us-east-1.amazonaws.com/api/bookingresponse?bookingid=62a0b9e5d8de0010df60905b&amp;taxiid=62a0b25a9e531b402a65119e&amp;accept=Y</a:t>
+            </a:r>
+            <a:endParaRPr lang="en-US" sz="1100" dirty="0">
+              <a:latin typeface="Times New Roman" panose="02020603050405020304" pitchFamily="18" charset="0"/>
+              <a:cs typeface="Times New Roman" panose="02020603050405020304" pitchFamily="18" charset="0"/>
+            </a:endParaRPr>
+          </a:p>
+          <a:p>
+            <a:r>
+              <a:rPr lang="en-US" sz="1400" dirty="0">
+                <a:latin typeface="Times New Roman" panose="02020603050405020304" pitchFamily="18" charset="0"/>
+                <a:cs typeface="Times New Roman" panose="02020603050405020304" pitchFamily="18" charset="0"/>
+              </a:rPr>
+              <a:t>Booking details</a:t>
+            </a:r>
+          </a:p>
+          <a:p>
+            <a:pPr lvl="1"/>
+            <a:r>
+              <a:rPr lang="en-US" sz="1100" dirty="0">
+                <a:latin typeface="Times New Roman" panose="02020603050405020304" pitchFamily="18" charset="0"/>
+                <a:cs typeface="Times New Roman" panose="02020603050405020304" pitchFamily="18" charset="0"/>
+                <a:hlinkClick r:id="rId6"/>
+              </a:rPr>
+              <a:t>https://3598y3s21l.execute-api.us-east-1.amazonaws.com/api/bookingdetails</a:t>
+            </a:r>
+            <a:endParaRPr lang="en-US" sz="1100" dirty="0">
+              <a:latin typeface="Times New Roman" panose="02020603050405020304" pitchFamily="18" charset="0"/>
+              <a:cs typeface="Times New Roman" panose="02020603050405020304" pitchFamily="18" charset="0"/>
+            </a:endParaRPr>
+          </a:p>
+          <a:p>
+            <a:r>
+              <a:rPr lang="en-US" sz="1400" dirty="0">
+                <a:latin typeface="Times New Roman" panose="02020603050405020304" pitchFamily="18" charset="0"/>
+                <a:cs typeface="Times New Roman" panose="02020603050405020304" pitchFamily="18" charset="0"/>
+              </a:rPr>
+              <a:t>Trip start and end</a:t>
+            </a:r>
+          </a:p>
+          <a:p>
+            <a:pPr lvl="1"/>
+            <a:r>
+              <a:rPr lang="en-US" sz="1100" dirty="0">
+                <a:latin typeface="Times New Roman" panose="02020603050405020304" pitchFamily="18" charset="0"/>
+                <a:cs typeface="Times New Roman" panose="02020603050405020304" pitchFamily="18" charset="0"/>
+                <a:hlinkClick r:id="rId7"/>
+              </a:rPr>
+              <a:t>https://3598y3s21l.execute-api.us-east-1.amazonaws.com/api/trip</a:t>
+            </a:r>
+            <a:endParaRPr lang="en-US" sz="1100" dirty="0">
+              <a:latin typeface="Times New Roman" panose="02020603050405020304" pitchFamily="18" charset="0"/>
+              <a:cs typeface="Times New Roman" panose="02020603050405020304" pitchFamily="18" charset="0"/>
+            </a:endParaRPr>
+          </a:p>
+          <a:p>
+            <a:r>
+              <a:rPr lang="en-US" sz="1400" dirty="0">
+                <a:latin typeface="Times New Roman" panose="02020603050405020304" pitchFamily="18" charset="0"/>
+                <a:cs typeface="Times New Roman" panose="02020603050405020304" pitchFamily="18" charset="0"/>
+              </a:rPr>
+              <a:t>Trip details</a:t>
+            </a:r>
+          </a:p>
+          <a:p>
+            <a:pPr lvl="1"/>
+            <a:r>
+              <a:rPr lang="en-US" sz="1100" dirty="0">
+                <a:latin typeface="Times New Roman" panose="02020603050405020304" pitchFamily="18" charset="0"/>
+                <a:cs typeface="Times New Roman" panose="02020603050405020304" pitchFamily="18" charset="0"/>
+                <a:hlinkClick r:id="rId7"/>
+              </a:rPr>
+              <a:t>https://3598y3s21l.execute-api.us-east-1.amazonaws.com/api/trip</a:t>
+            </a:r>
+            <a:endParaRPr lang="en-US" sz="1100" dirty="0">
+              <a:latin typeface="Times New Roman" panose="02020603050405020304" pitchFamily="18" charset="0"/>
+              <a:cs typeface="Times New Roman" panose="02020603050405020304" pitchFamily="18" charset="0"/>
+            </a:endParaRPr>
+          </a:p>
+          <a:p>
+            <a:pPr marL="457200" lvl="1" indent="0">
+              <a:buNone/>
+            </a:pPr>
+            <a:endParaRPr lang="en-US" sz="1100" dirty="0">
+              <a:latin typeface="Times New Roman" panose="02020603050405020304" pitchFamily="18" charset="0"/>
+              <a:cs typeface="Times New Roman" panose="02020603050405020304" pitchFamily="18" charset="0"/>
+            </a:endParaRPr>
+          </a:p>
+          <a:p>
+            <a:pPr marL="457200" lvl="1" indent="0">
+              <a:buNone/>
+            </a:pPr>
+            <a:endParaRPr lang="en-US" sz="1400" dirty="0">
+              <a:latin typeface="Times New Roman" panose="02020603050405020304" pitchFamily="18" charset="0"/>
+              <a:cs typeface="Times New Roman" panose="02020603050405020304" pitchFamily="18" charset="0"/>
+            </a:endParaRPr>
+          </a:p>
+          <a:p>
+            <a:pPr marL="457200" lvl="1" indent="0">
+              <a:buNone/>
+            </a:pPr>
+            <a:endParaRPr lang="en-US" sz="1400" dirty="0">
+              <a:latin typeface="Times New Roman" panose="02020603050405020304" pitchFamily="18" charset="0"/>
+              <a:cs typeface="Times New Roman" panose="02020603050405020304" pitchFamily="18" charset="0"/>
+            </a:endParaRPr>
+          </a:p>
+          <a:p>
+            <a:endParaRPr lang="en-US" sz="2400" dirty="0">
+              <a:latin typeface="Times New Roman" panose="02020603050405020304" pitchFamily="18" charset="0"/>
+              <a:cs typeface="Times New Roman" panose="02020603050405020304" pitchFamily="18" charset="0"/>
+            </a:endParaRPr>
+          </a:p>
+        </p:txBody>
+      </p:sp>
+      <p:sp>
+        <p:nvSpPr>
+          <p:cNvPr id="7" name="TextBox 6">
             <a:extLst>
-              <a:ext uri="{28A0092B-C50C-407E-A947-70E740481C1C}">
-                <a14:useLocalDpi xmlns:a14="http://schemas.microsoft.com/office/drawing/2010/main" val="0"/>
+              <a:ext uri="{FF2B5EF4-FFF2-40B4-BE49-F238E27FC236}">
+                <a16:creationId xmlns:a16="http://schemas.microsoft.com/office/drawing/2014/main" id="{0D269D6B-4448-451D-A10E-3414C2DAB115}"/>
               </a:ext>
             </a:extLst>
-          </a:blip>
-          <a:stretch>
-            <a:fillRect/>
-          </a:stretch>
-        </p:blipFill>
+          </p:cNvPr>
+          <p:cNvSpPr txBox="1"/>
+          <p:nvPr/>
+        </p:nvSpPr>
         <p:spPr>
           <a:xfrm>
-            <a:off x="1877928" y="711582"/>
-            <a:ext cx="7164472" cy="4917057"/>
-          </a:xfrm>
-          <a:prstGeom prst="rect">
-            <a:avLst/>
-          </a:prstGeom>
-        </p:spPr>
-      </p:pic>
-      <p:sp>
-        <p:nvSpPr>
-          <p:cNvPr id="7" name="TextBox 6"/>
-          <p:cNvSpPr txBox="1"/>
-          <p:nvPr/>
-        </p:nvSpPr>
-        <p:spPr>
-          <a:xfrm>
-            <a:off x="6575819" y="3584226"/>
-            <a:ext cx="1281248" cy="461665"/>
+            <a:off x="6659602" y="6488668"/>
+            <a:ext cx="2484398" cy="369332"/>
           </a:xfrm>
           <a:prstGeom prst="rect">
             <a:avLst/>
@@ -13829,182 +11837,6 @@
           <a:lstStyle/>
           <a:p>
             <a:r>
-              <a:rPr lang="en-US" sz="2400" dirty="0">
-                <a:latin typeface="Tahoma" panose="020B0604030504040204" pitchFamily="34" charset="0"/>
-                <a:ea typeface="Tahoma" panose="020B0604030504040204" pitchFamily="34" charset="0"/>
-                <a:cs typeface="Tahoma" panose="020B0604030504040204" pitchFamily="34" charset="0"/>
-              </a:rPr>
-              <a:t>Internet</a:t>
-            </a:r>
-          </a:p>
-        </p:txBody>
-      </p:sp>
-      <p:sp>
-        <p:nvSpPr>
-          <p:cNvPr id="8" name="TextBox 7"/>
-          <p:cNvSpPr txBox="1"/>
-          <p:nvPr/>
-        </p:nvSpPr>
-        <p:spPr>
-          <a:xfrm>
-            <a:off x="2652885" y="4851378"/>
-            <a:ext cx="1919115" cy="461665"/>
-          </a:xfrm>
-          <a:prstGeom prst="rect">
-            <a:avLst/>
-          </a:prstGeom>
-          <a:noFill/>
-        </p:spPr>
-        <p:txBody>
-          <a:bodyPr wrap="none" rtlCol="0">
-            <a:spAutoFit/>
-          </a:bodyPr>
-          <a:lstStyle/>
-          <a:p>
-            <a:r>
-              <a:rPr lang="en-US" sz="2400" dirty="0">
-                <a:latin typeface="Times New Roman" panose="02020603050405020304" pitchFamily="18" charset="0"/>
-                <a:cs typeface="Times New Roman" panose="02020603050405020304" pitchFamily="18" charset="0"/>
-              </a:rPr>
-              <a:t>GPS Receiver</a:t>
-            </a:r>
-          </a:p>
-        </p:txBody>
-      </p:sp>
-      <p:sp>
-        <p:nvSpPr>
-          <p:cNvPr id="9" name="TextBox 8"/>
-          <p:cNvSpPr txBox="1"/>
-          <p:nvPr/>
-        </p:nvSpPr>
-        <p:spPr>
-          <a:xfrm>
-            <a:off x="3145613" y="2423232"/>
-            <a:ext cx="1417376" cy="830997"/>
-          </a:xfrm>
-          <a:prstGeom prst="rect">
-            <a:avLst/>
-          </a:prstGeom>
-          <a:noFill/>
-        </p:spPr>
-        <p:txBody>
-          <a:bodyPr wrap="none" rtlCol="0">
-            <a:spAutoFit/>
-          </a:bodyPr>
-          <a:lstStyle/>
-          <a:p>
-            <a:r>
-              <a:rPr lang="en-US" sz="2400" dirty="0">
-                <a:latin typeface="Times New Roman" panose="02020603050405020304" pitchFamily="18" charset="0"/>
-                <a:cs typeface="Times New Roman" panose="02020603050405020304" pitchFamily="18" charset="0"/>
-              </a:rPr>
-              <a:t>GPRS/3G</a:t>
-            </a:r>
-          </a:p>
-          <a:p>
-            <a:r>
-              <a:rPr lang="en-US" sz="2400" dirty="0">
-                <a:latin typeface="Times New Roman" panose="02020603050405020304" pitchFamily="18" charset="0"/>
-                <a:cs typeface="Times New Roman" panose="02020603050405020304" pitchFamily="18" charset="0"/>
-              </a:rPr>
-              <a:t>network</a:t>
-            </a:r>
-          </a:p>
-        </p:txBody>
-      </p:sp>
-      <p:sp>
-        <p:nvSpPr>
-          <p:cNvPr id="10" name="TextBox 9"/>
-          <p:cNvSpPr txBox="1"/>
-          <p:nvPr/>
-        </p:nvSpPr>
-        <p:spPr>
-          <a:xfrm>
-            <a:off x="4857650" y="3254229"/>
-            <a:ext cx="1380506" cy="461665"/>
-          </a:xfrm>
-          <a:prstGeom prst="rect">
-            <a:avLst/>
-          </a:prstGeom>
-          <a:noFill/>
-        </p:spPr>
-        <p:txBody>
-          <a:bodyPr wrap="none" rtlCol="0">
-            <a:spAutoFit/>
-          </a:bodyPr>
-          <a:lstStyle/>
-          <a:p>
-            <a:r>
-              <a:rPr lang="en-US" sz="2400" dirty="0">
-                <a:latin typeface="Times New Roman" panose="02020603050405020304" pitchFamily="18" charset="0"/>
-                <a:cs typeface="Times New Roman" panose="02020603050405020304" pitchFamily="18" charset="0"/>
-              </a:rPr>
-              <a:t>Customer</a:t>
-            </a:r>
-          </a:p>
-        </p:txBody>
-      </p:sp>
-      <p:sp>
-        <p:nvSpPr>
-          <p:cNvPr id="11" name="TextBox 10"/>
-          <p:cNvSpPr txBox="1"/>
-          <p:nvPr/>
-        </p:nvSpPr>
-        <p:spPr>
-          <a:xfrm>
-            <a:off x="6391914" y="1857673"/>
-            <a:ext cx="2251001" cy="461665"/>
-          </a:xfrm>
-          <a:prstGeom prst="rect">
-            <a:avLst/>
-          </a:prstGeom>
-          <a:noFill/>
-        </p:spPr>
-        <p:txBody>
-          <a:bodyPr wrap="none" rtlCol="0">
-            <a:spAutoFit/>
-          </a:bodyPr>
-          <a:lstStyle/>
-          <a:p>
-            <a:r>
-              <a:rPr lang="en-US" sz="2400" dirty="0">
-                <a:latin typeface="Times New Roman" panose="02020603050405020304" pitchFamily="18" charset="0"/>
-                <a:cs typeface="Times New Roman" panose="02020603050405020304" pitchFamily="18" charset="0"/>
-              </a:rPr>
-              <a:t>Web Application</a:t>
-            </a:r>
-          </a:p>
-        </p:txBody>
-      </p:sp>
-      <p:sp>
-        <p:nvSpPr>
-          <p:cNvPr id="12" name="TextBox 11">
-            <a:extLst>
-              <a:ext uri="{FF2B5EF4-FFF2-40B4-BE49-F238E27FC236}">
-                <a16:creationId xmlns:a16="http://schemas.microsoft.com/office/drawing/2014/main" id="{8F304DDA-46A3-4039-90D0-B7905C3DBA89}"/>
-              </a:ext>
-            </a:extLst>
-          </p:cNvPr>
-          <p:cNvSpPr txBox="1"/>
-          <p:nvPr/>
-        </p:nvSpPr>
-        <p:spPr>
-          <a:xfrm>
-            <a:off x="6659602" y="6488668"/>
-            <a:ext cx="2484398" cy="369332"/>
-          </a:xfrm>
-          <a:prstGeom prst="rect">
-            <a:avLst/>
-          </a:prstGeom>
-          <a:noFill/>
-        </p:spPr>
-        <p:txBody>
-          <a:bodyPr wrap="none" rtlCol="0">
-            <a:spAutoFit/>
-          </a:bodyPr>
-          <a:lstStyle/>
-          <a:p>
-            <a:r>
               <a:rPr lang="en-US" dirty="0">
                 <a:latin typeface="Times New Roman" panose="02020603050405020304" pitchFamily="18" charset="0"/>
                 <a:cs typeface="Times New Roman" panose="02020603050405020304" pitchFamily="18" charset="0"/>
@@ -14014,66 +11846,10 @@
           </a:p>
         </p:txBody>
       </p:sp>
-      <p:sp>
-        <p:nvSpPr>
-          <p:cNvPr id="13" name="Content Placeholder 2">
-            <a:extLst>
-              <a:ext uri="{FF2B5EF4-FFF2-40B4-BE49-F238E27FC236}">
-                <a16:creationId xmlns:a16="http://schemas.microsoft.com/office/drawing/2014/main" id="{A5543246-07D7-4FCA-84F8-36BAE4382883}"/>
-              </a:ext>
-            </a:extLst>
-          </p:cNvPr>
-          <p:cNvSpPr>
-            <a:spLocks noGrp="1"/>
-          </p:cNvSpPr>
-          <p:nvPr>
-            <p:ph idx="1"/>
-          </p:nvPr>
-        </p:nvSpPr>
-        <p:spPr>
-          <a:xfrm>
-            <a:off x="202761" y="841772"/>
-            <a:ext cx="2347399" cy="5538708"/>
-          </a:xfrm>
-        </p:spPr>
-        <p:txBody>
-          <a:bodyPr>
-            <a:normAutofit/>
-          </a:bodyPr>
-          <a:lstStyle/>
-          <a:p>
-            <a:r>
-              <a:rPr lang="en-US" sz="2400" dirty="0">
-                <a:latin typeface="Times New Roman" panose="02020603050405020304" pitchFamily="18" charset="0"/>
-                <a:cs typeface="Times New Roman" panose="02020603050405020304" pitchFamily="18" charset="0"/>
-              </a:rPr>
-              <a:t>Taxi Tracking System consists of  two components:</a:t>
-            </a:r>
-          </a:p>
-          <a:p>
-            <a:r>
-              <a:rPr lang="en-US" sz="2400" dirty="0">
-                <a:latin typeface="Times New Roman" panose="02020603050405020304" pitchFamily="18" charset="0"/>
-                <a:cs typeface="Times New Roman" panose="02020603050405020304" pitchFamily="18" charset="0"/>
-              </a:rPr>
-              <a:t>Web Application (Taxi office side).</a:t>
-            </a:r>
-          </a:p>
-          <a:p>
-            <a:r>
-              <a:rPr lang="en-US" sz="2400" dirty="0">
-                <a:latin typeface="Times New Roman" panose="02020603050405020304" pitchFamily="18" charset="0"/>
-                <a:cs typeface="Times New Roman" panose="02020603050405020304" pitchFamily="18" charset="0"/>
-              </a:rPr>
-              <a:t>Android Application (Taxi car side).</a:t>
-            </a:r>
-          </a:p>
-        </p:txBody>
-      </p:sp>
     </p:spTree>
     <p:extLst>
       <p:ext uri="{BB962C8B-B14F-4D97-AF65-F5344CB8AC3E}">
-        <p14:creationId xmlns:p14="http://schemas.microsoft.com/office/powerpoint/2010/main" val="106643212"/>
+        <p14:creationId xmlns:p14="http://schemas.microsoft.com/office/powerpoint/2010/main" val="3143504993"/>
       </p:ext>
     </p:extLst>
   </p:cSld>
